--- a/res/presentation1/final_presentationv2.pptx
+++ b/res/presentation1/final_presentationv2.pptx
@@ -6,7 +6,7 @@
     <p:sldMasterId id="2147483661" r:id="rId2"/>
   </p:sldMasterIdLst>
   <p:notesMasterIdLst>
-    <p:notesMasterId r:id="rId33"/>
+    <p:notesMasterId r:id="rId34"/>
   </p:notesMasterIdLst>
   <p:sldIdLst>
     <p:sldId id="271" r:id="rId3"/>
@@ -15,30 +15,31 @@
     <p:sldId id="263" r:id="rId6"/>
     <p:sldId id="306" r:id="rId7"/>
     <p:sldId id="264" r:id="rId8"/>
-    <p:sldId id="296" r:id="rId9"/>
-    <p:sldId id="297" r:id="rId10"/>
-    <p:sldId id="302" r:id="rId11"/>
-    <p:sldId id="309" r:id="rId12"/>
-    <p:sldId id="304" r:id="rId13"/>
-    <p:sldId id="275" r:id="rId14"/>
-    <p:sldId id="307" r:id="rId15"/>
-    <p:sldId id="268" r:id="rId16"/>
-    <p:sldId id="298" r:id="rId17"/>
-    <p:sldId id="301" r:id="rId18"/>
-    <p:sldId id="257" r:id="rId19"/>
-    <p:sldId id="258" r:id="rId20"/>
-    <p:sldId id="308" r:id="rId21"/>
-    <p:sldId id="294" r:id="rId22"/>
-    <p:sldId id="292" r:id="rId23"/>
-    <p:sldId id="281" r:id="rId24"/>
-    <p:sldId id="310" r:id="rId25"/>
-    <p:sldId id="312" r:id="rId26"/>
-    <p:sldId id="282" r:id="rId27"/>
-    <p:sldId id="313" r:id="rId28"/>
-    <p:sldId id="283" r:id="rId29"/>
-    <p:sldId id="299" r:id="rId30"/>
-    <p:sldId id="295" r:id="rId31"/>
-    <p:sldId id="287" r:id="rId32"/>
+    <p:sldId id="314" r:id="rId9"/>
+    <p:sldId id="296" r:id="rId10"/>
+    <p:sldId id="297" r:id="rId11"/>
+    <p:sldId id="302" r:id="rId12"/>
+    <p:sldId id="309" r:id="rId13"/>
+    <p:sldId id="304" r:id="rId14"/>
+    <p:sldId id="275" r:id="rId15"/>
+    <p:sldId id="307" r:id="rId16"/>
+    <p:sldId id="268" r:id="rId17"/>
+    <p:sldId id="298" r:id="rId18"/>
+    <p:sldId id="301" r:id="rId19"/>
+    <p:sldId id="257" r:id="rId20"/>
+    <p:sldId id="258" r:id="rId21"/>
+    <p:sldId id="308" r:id="rId22"/>
+    <p:sldId id="294" r:id="rId23"/>
+    <p:sldId id="292" r:id="rId24"/>
+    <p:sldId id="281" r:id="rId25"/>
+    <p:sldId id="310" r:id="rId26"/>
+    <p:sldId id="312" r:id="rId27"/>
+    <p:sldId id="282" r:id="rId28"/>
+    <p:sldId id="313" r:id="rId29"/>
+    <p:sldId id="283" r:id="rId30"/>
+    <p:sldId id="299" r:id="rId31"/>
+    <p:sldId id="295" r:id="rId32"/>
+    <p:sldId id="287" r:id="rId33"/>
   </p:sldIdLst>
   <p:sldSz cx="12192000" cy="6858000"/>
   <p:notesSz cx="6858000" cy="9144000"/>
@@ -2492,6 +2493,788 @@
     <dgm:fillClrLst meth="repeat">
       <a:schemeClr val="accent1">
         <a:tint val="60000"/>
+      </a:schemeClr>
+    </dgm:fillClrLst>
+    <dgm:linClrLst meth="repeat">
+      <a:schemeClr val="lt1"/>
+    </dgm:linClrLst>
+    <dgm:effectClrLst/>
+    <dgm:txLinClrLst/>
+    <dgm:txFillClrLst meth="repeat">
+      <a:schemeClr val="dk1"/>
+    </dgm:txFillClrLst>
+    <dgm:txEffectClrLst/>
+  </dgm:styleLbl>
+  <dgm:styleLbl name="revTx">
+    <dgm:fillClrLst meth="repeat">
+      <a:schemeClr val="lt1">
+        <a:alpha val="0"/>
+      </a:schemeClr>
+    </dgm:fillClrLst>
+    <dgm:linClrLst meth="repeat">
+      <a:schemeClr val="dk1">
+        <a:alpha val="0"/>
+      </a:schemeClr>
+    </dgm:linClrLst>
+    <dgm:effectClrLst/>
+    <dgm:txLinClrLst/>
+    <dgm:txFillClrLst meth="repeat">
+      <a:schemeClr val="tx1"/>
+    </dgm:txFillClrLst>
+    <dgm:txEffectClrLst/>
+  </dgm:styleLbl>
+</dgm:colorsDef>
+</file>
+
+<file path=ppt/diagrams/colors4.xml><?xml version="1.0" encoding="utf-8"?>
+<dgm:colorsDef xmlns:dgm="http://schemas.openxmlformats.org/drawingml/2006/diagram" xmlns:a="http://schemas.openxmlformats.org/drawingml/2006/main" uniqueId="urn:microsoft.com/office/officeart/2005/8/colors/colorful5">
+  <dgm:title val=""/>
+  <dgm:desc val=""/>
+  <dgm:catLst>
+    <dgm:cat type="colorful" pri="10500"/>
+  </dgm:catLst>
+  <dgm:styleLbl name="node0">
+    <dgm:fillClrLst meth="repeat">
+      <a:schemeClr val="accent4"/>
+    </dgm:fillClrLst>
+    <dgm:linClrLst meth="repeat">
+      <a:schemeClr val="lt1"/>
+    </dgm:linClrLst>
+    <dgm:effectClrLst/>
+    <dgm:txLinClrLst/>
+    <dgm:txFillClrLst/>
+    <dgm:txEffectClrLst/>
+  </dgm:styleLbl>
+  <dgm:styleLbl name="node1">
+    <dgm:fillClrLst>
+      <a:schemeClr val="accent5"/>
+      <a:schemeClr val="accent6"/>
+    </dgm:fillClrLst>
+    <dgm:linClrLst meth="repeat">
+      <a:schemeClr val="lt1"/>
+    </dgm:linClrLst>
+    <dgm:effectClrLst/>
+    <dgm:txLinClrLst/>
+    <dgm:txFillClrLst/>
+    <dgm:txEffectClrLst/>
+  </dgm:styleLbl>
+  <dgm:styleLbl name="alignNode1">
+    <dgm:fillClrLst>
+      <a:schemeClr val="accent5"/>
+      <a:schemeClr val="accent6"/>
+    </dgm:fillClrLst>
+    <dgm:linClrLst>
+      <a:schemeClr val="accent5"/>
+      <a:schemeClr val="accent6"/>
+    </dgm:linClrLst>
+    <dgm:effectClrLst/>
+    <dgm:txLinClrLst/>
+    <dgm:txFillClrLst/>
+    <dgm:txEffectClrLst/>
+  </dgm:styleLbl>
+  <dgm:styleLbl name="lnNode1">
+    <dgm:fillClrLst>
+      <a:schemeClr val="accent5"/>
+      <a:schemeClr val="accent6"/>
+    </dgm:fillClrLst>
+    <dgm:linClrLst meth="repeat">
+      <a:schemeClr val="lt1"/>
+    </dgm:linClrLst>
+    <dgm:effectClrLst/>
+    <dgm:txLinClrLst/>
+    <dgm:txFillClrLst/>
+    <dgm:txEffectClrLst/>
+  </dgm:styleLbl>
+  <dgm:styleLbl name="vennNode1">
+    <dgm:fillClrLst>
+      <a:schemeClr val="accent5">
+        <a:alpha val="50000"/>
+      </a:schemeClr>
+      <a:schemeClr val="accent6">
+        <a:alpha val="50000"/>
+      </a:schemeClr>
+    </dgm:fillClrLst>
+    <dgm:linClrLst meth="repeat">
+      <a:schemeClr val="lt1"/>
+    </dgm:linClrLst>
+    <dgm:effectClrLst/>
+    <dgm:txLinClrLst/>
+    <dgm:txFillClrLst/>
+    <dgm:txEffectClrLst/>
+  </dgm:styleLbl>
+  <dgm:styleLbl name="node2">
+    <dgm:fillClrLst>
+      <a:schemeClr val="accent6"/>
+    </dgm:fillClrLst>
+    <dgm:linClrLst meth="repeat">
+      <a:schemeClr val="lt1"/>
+    </dgm:linClrLst>
+    <dgm:effectClrLst/>
+    <dgm:txLinClrLst/>
+    <dgm:txFillClrLst/>
+    <dgm:txEffectClrLst/>
+  </dgm:styleLbl>
+  <dgm:styleLbl name="node3">
+    <dgm:fillClrLst>
+      <a:schemeClr val="accent1"/>
+    </dgm:fillClrLst>
+    <dgm:linClrLst meth="repeat">
+      <a:schemeClr val="lt1"/>
+    </dgm:linClrLst>
+    <dgm:effectClrLst/>
+    <dgm:txLinClrLst/>
+    <dgm:txFillClrLst/>
+    <dgm:txEffectClrLst/>
+  </dgm:styleLbl>
+  <dgm:styleLbl name="node4">
+    <dgm:fillClrLst>
+      <a:schemeClr val="accent2"/>
+    </dgm:fillClrLst>
+    <dgm:linClrLst meth="repeat">
+      <a:schemeClr val="lt1"/>
+    </dgm:linClrLst>
+    <dgm:effectClrLst/>
+    <dgm:txLinClrLst/>
+    <dgm:txFillClrLst/>
+    <dgm:txEffectClrLst/>
+  </dgm:styleLbl>
+  <dgm:styleLbl name="fgImgPlace1">
+    <dgm:fillClrLst>
+      <a:schemeClr val="accent5">
+        <a:tint val="50000"/>
+      </a:schemeClr>
+      <a:schemeClr val="accent6">
+        <a:tint val="50000"/>
+      </a:schemeClr>
+    </dgm:fillClrLst>
+    <dgm:linClrLst meth="repeat">
+      <a:schemeClr val="lt1"/>
+    </dgm:linClrLst>
+    <dgm:effectClrLst/>
+    <dgm:txLinClrLst/>
+    <dgm:txFillClrLst meth="repeat">
+      <a:schemeClr val="lt1"/>
+    </dgm:txFillClrLst>
+    <dgm:txEffectClrLst/>
+  </dgm:styleLbl>
+  <dgm:styleLbl name="alignImgPlace1">
+    <dgm:fillClrLst>
+      <a:schemeClr val="accent5">
+        <a:tint val="50000"/>
+      </a:schemeClr>
+      <a:schemeClr val="accent6">
+        <a:tint val="20000"/>
+      </a:schemeClr>
+    </dgm:fillClrLst>
+    <dgm:linClrLst meth="repeat">
+      <a:schemeClr val="lt1"/>
+    </dgm:linClrLst>
+    <dgm:effectClrLst/>
+    <dgm:txLinClrLst/>
+    <dgm:txFillClrLst meth="repeat">
+      <a:schemeClr val="lt1"/>
+    </dgm:txFillClrLst>
+    <dgm:txEffectClrLst/>
+  </dgm:styleLbl>
+  <dgm:styleLbl name="bgImgPlace1">
+    <dgm:fillClrLst>
+      <a:schemeClr val="accent5">
+        <a:tint val="50000"/>
+      </a:schemeClr>
+      <a:schemeClr val="accent6">
+        <a:tint val="20000"/>
+      </a:schemeClr>
+    </dgm:fillClrLst>
+    <dgm:linClrLst meth="repeat">
+      <a:schemeClr val="lt1"/>
+    </dgm:linClrLst>
+    <dgm:effectClrLst/>
+    <dgm:txLinClrLst/>
+    <dgm:txFillClrLst meth="repeat">
+      <a:schemeClr val="lt1"/>
+    </dgm:txFillClrLst>
+    <dgm:txEffectClrLst/>
+  </dgm:styleLbl>
+  <dgm:styleLbl name="sibTrans2D1">
+    <dgm:fillClrLst>
+      <a:schemeClr val="accent5"/>
+      <a:schemeClr val="accent6"/>
+    </dgm:fillClrLst>
+    <dgm:linClrLst meth="repeat">
+      <a:schemeClr val="lt1"/>
+    </dgm:linClrLst>
+    <dgm:effectClrLst/>
+    <dgm:txLinClrLst/>
+    <dgm:txFillClrLst/>
+    <dgm:txEffectClrLst/>
+  </dgm:styleLbl>
+  <dgm:styleLbl name="fgSibTrans2D1">
+    <dgm:fillClrLst>
+      <a:schemeClr val="accent5"/>
+      <a:schemeClr val="accent6"/>
+    </dgm:fillClrLst>
+    <dgm:linClrLst meth="repeat">
+      <a:schemeClr val="lt1"/>
+    </dgm:linClrLst>
+    <dgm:effectClrLst/>
+    <dgm:txLinClrLst/>
+    <dgm:txFillClrLst meth="repeat">
+      <a:schemeClr val="lt1"/>
+    </dgm:txFillClrLst>
+    <dgm:txEffectClrLst/>
+  </dgm:styleLbl>
+  <dgm:styleLbl name="bgSibTrans2D1">
+    <dgm:fillClrLst>
+      <a:schemeClr val="accent5"/>
+      <a:schemeClr val="accent6"/>
+    </dgm:fillClrLst>
+    <dgm:linClrLst meth="repeat">
+      <a:schemeClr val="lt1"/>
+    </dgm:linClrLst>
+    <dgm:effectClrLst/>
+    <dgm:txLinClrLst/>
+    <dgm:txFillClrLst meth="repeat">
+      <a:schemeClr val="lt1"/>
+    </dgm:txFillClrLst>
+    <dgm:txEffectClrLst/>
+  </dgm:styleLbl>
+  <dgm:styleLbl name="sibTrans1D1">
+    <dgm:fillClrLst/>
+    <dgm:linClrLst>
+      <a:schemeClr val="accent5"/>
+      <a:schemeClr val="accent6"/>
+    </dgm:linClrLst>
+    <dgm:effectClrLst/>
+    <dgm:txLinClrLst/>
+    <dgm:txFillClrLst meth="repeat">
+      <a:schemeClr val="tx1"/>
+    </dgm:txFillClrLst>
+    <dgm:txEffectClrLst/>
+  </dgm:styleLbl>
+  <dgm:styleLbl name="callout">
+    <dgm:fillClrLst meth="repeat">
+      <a:schemeClr val="accent5"/>
+    </dgm:fillClrLst>
+    <dgm:linClrLst meth="repeat">
+      <a:schemeClr val="accent5">
+        <a:tint val="50000"/>
+      </a:schemeClr>
+    </dgm:linClrLst>
+    <dgm:effectClrLst/>
+    <dgm:txLinClrLst/>
+    <dgm:txFillClrLst meth="repeat">
+      <a:schemeClr val="tx1"/>
+    </dgm:txFillClrLst>
+    <dgm:txEffectClrLst/>
+  </dgm:styleLbl>
+  <dgm:styleLbl name="asst0">
+    <dgm:fillClrLst meth="repeat">
+      <a:schemeClr val="accent5"/>
+    </dgm:fillClrLst>
+    <dgm:linClrLst meth="repeat">
+      <a:schemeClr val="lt1">
+        <a:shade val="80000"/>
+      </a:schemeClr>
+    </dgm:linClrLst>
+    <dgm:effectClrLst/>
+    <dgm:txLinClrLst/>
+    <dgm:txFillClrLst/>
+    <dgm:txEffectClrLst/>
+  </dgm:styleLbl>
+  <dgm:styleLbl name="asst1">
+    <dgm:fillClrLst meth="repeat">
+      <a:schemeClr val="accent6"/>
+    </dgm:fillClrLst>
+    <dgm:linClrLst meth="repeat">
+      <a:schemeClr val="lt1">
+        <a:shade val="80000"/>
+      </a:schemeClr>
+    </dgm:linClrLst>
+    <dgm:effectClrLst/>
+    <dgm:txLinClrLst/>
+    <dgm:txFillClrLst/>
+    <dgm:txEffectClrLst/>
+  </dgm:styleLbl>
+  <dgm:styleLbl name="asst2">
+    <dgm:fillClrLst>
+      <a:schemeClr val="accent1"/>
+    </dgm:fillClrLst>
+    <dgm:linClrLst meth="repeat">
+      <a:schemeClr val="lt1"/>
+    </dgm:linClrLst>
+    <dgm:effectClrLst/>
+    <dgm:txLinClrLst/>
+    <dgm:txFillClrLst/>
+    <dgm:txEffectClrLst/>
+  </dgm:styleLbl>
+  <dgm:styleLbl name="asst3">
+    <dgm:fillClrLst>
+      <a:schemeClr val="accent2"/>
+    </dgm:fillClrLst>
+    <dgm:linClrLst meth="repeat">
+      <a:schemeClr val="lt1"/>
+    </dgm:linClrLst>
+    <dgm:effectClrLst/>
+    <dgm:txLinClrLst/>
+    <dgm:txFillClrLst/>
+    <dgm:txEffectClrLst/>
+  </dgm:styleLbl>
+  <dgm:styleLbl name="asst4">
+    <dgm:fillClrLst>
+      <a:schemeClr val="accent3"/>
+    </dgm:fillClrLst>
+    <dgm:linClrLst meth="repeat">
+      <a:schemeClr val="lt1"/>
+    </dgm:linClrLst>
+    <dgm:effectClrLst/>
+    <dgm:txLinClrLst/>
+    <dgm:txFillClrLst/>
+    <dgm:txEffectClrLst/>
+  </dgm:styleLbl>
+  <dgm:styleLbl name="parChTrans2D1">
+    <dgm:fillClrLst meth="repeat">
+      <a:schemeClr val="accent5"/>
+    </dgm:fillClrLst>
+    <dgm:linClrLst meth="repeat">
+      <a:schemeClr val="lt1"/>
+    </dgm:linClrLst>
+    <dgm:effectClrLst/>
+    <dgm:txLinClrLst/>
+    <dgm:txFillClrLst meth="repeat">
+      <a:schemeClr val="lt1"/>
+    </dgm:txFillClrLst>
+    <dgm:txEffectClrLst/>
+  </dgm:styleLbl>
+  <dgm:styleLbl name="parChTrans2D2">
+    <dgm:fillClrLst meth="repeat">
+      <a:schemeClr val="accent6"/>
+    </dgm:fillClrLst>
+    <dgm:linClrLst meth="repeat">
+      <a:schemeClr val="lt1"/>
+    </dgm:linClrLst>
+    <dgm:effectClrLst/>
+    <dgm:txLinClrLst/>
+    <dgm:txFillClrLst/>
+    <dgm:txEffectClrLst/>
+  </dgm:styleLbl>
+  <dgm:styleLbl name="parChTrans2D3">
+    <dgm:fillClrLst meth="repeat">
+      <a:schemeClr val="accent6"/>
+    </dgm:fillClrLst>
+    <dgm:linClrLst meth="repeat">
+      <a:schemeClr val="lt1"/>
+    </dgm:linClrLst>
+    <dgm:effectClrLst/>
+    <dgm:txLinClrLst/>
+    <dgm:txFillClrLst/>
+    <dgm:txEffectClrLst/>
+  </dgm:styleLbl>
+  <dgm:styleLbl name="parChTrans2D4">
+    <dgm:fillClrLst meth="repeat">
+      <a:schemeClr val="accent1"/>
+    </dgm:fillClrLst>
+    <dgm:linClrLst meth="repeat">
+      <a:schemeClr val="lt1"/>
+    </dgm:linClrLst>
+    <dgm:effectClrLst/>
+    <dgm:txLinClrLst/>
+    <dgm:txFillClrLst meth="repeat">
+      <a:schemeClr val="lt1"/>
+    </dgm:txFillClrLst>
+    <dgm:txEffectClrLst/>
+  </dgm:styleLbl>
+  <dgm:styleLbl name="parChTrans1D1">
+    <dgm:fillClrLst meth="repeat">
+      <a:schemeClr val="accent5"/>
+    </dgm:fillClrLst>
+    <dgm:linClrLst meth="repeat">
+      <a:schemeClr val="accent5"/>
+    </dgm:linClrLst>
+    <dgm:effectClrLst/>
+    <dgm:txLinClrLst/>
+    <dgm:txFillClrLst meth="repeat">
+      <a:schemeClr val="tx1"/>
+    </dgm:txFillClrLst>
+    <dgm:txEffectClrLst/>
+  </dgm:styleLbl>
+  <dgm:styleLbl name="parChTrans1D2">
+    <dgm:fillClrLst meth="repeat">
+      <a:schemeClr val="accent6">
+        <a:tint val="90000"/>
+      </a:schemeClr>
+    </dgm:fillClrLst>
+    <dgm:linClrLst meth="repeat">
+      <a:schemeClr val="accent6"/>
+    </dgm:linClrLst>
+    <dgm:effectClrLst/>
+    <dgm:txLinClrLst/>
+    <dgm:txFillClrLst meth="repeat">
+      <a:schemeClr val="tx1"/>
+    </dgm:txFillClrLst>
+    <dgm:txEffectClrLst/>
+  </dgm:styleLbl>
+  <dgm:styleLbl name="parChTrans1D3">
+    <dgm:fillClrLst meth="repeat">
+      <a:schemeClr val="accent6">
+        <a:tint val="70000"/>
+      </a:schemeClr>
+    </dgm:fillClrLst>
+    <dgm:linClrLst meth="repeat">
+      <a:schemeClr val="accent1"/>
+    </dgm:linClrLst>
+    <dgm:effectClrLst/>
+    <dgm:txLinClrLst/>
+    <dgm:txFillClrLst meth="repeat">
+      <a:schemeClr val="tx1"/>
+    </dgm:txFillClrLst>
+    <dgm:txEffectClrLst/>
+  </dgm:styleLbl>
+  <dgm:styleLbl name="parChTrans1D4">
+    <dgm:fillClrLst meth="repeat">
+      <a:schemeClr val="accent6">
+        <a:tint val="50000"/>
+      </a:schemeClr>
+    </dgm:fillClrLst>
+    <dgm:linClrLst meth="repeat">
+      <a:schemeClr val="accent2"/>
+    </dgm:linClrLst>
+    <dgm:effectClrLst/>
+    <dgm:txLinClrLst/>
+    <dgm:txFillClrLst meth="repeat">
+      <a:schemeClr val="tx1"/>
+    </dgm:txFillClrLst>
+    <dgm:txEffectClrLst/>
+  </dgm:styleLbl>
+  <dgm:styleLbl name="fgAcc1">
+    <dgm:fillClrLst meth="repeat">
+      <a:schemeClr val="lt1">
+        <a:alpha val="90000"/>
+      </a:schemeClr>
+    </dgm:fillClrLst>
+    <dgm:linClrLst>
+      <a:schemeClr val="accent5"/>
+      <a:schemeClr val="accent6"/>
+    </dgm:linClrLst>
+    <dgm:effectClrLst/>
+    <dgm:txLinClrLst/>
+    <dgm:txFillClrLst meth="repeat">
+      <a:schemeClr val="dk1"/>
+    </dgm:txFillClrLst>
+    <dgm:txEffectClrLst/>
+  </dgm:styleLbl>
+  <dgm:styleLbl name="conFgAcc1">
+    <dgm:fillClrLst meth="repeat">
+      <a:schemeClr val="lt1">
+        <a:alpha val="90000"/>
+      </a:schemeClr>
+    </dgm:fillClrLst>
+    <dgm:linClrLst>
+      <a:schemeClr val="accent5"/>
+      <a:schemeClr val="accent6"/>
+    </dgm:linClrLst>
+    <dgm:effectClrLst/>
+    <dgm:txLinClrLst/>
+    <dgm:txFillClrLst meth="repeat">
+      <a:schemeClr val="dk1"/>
+    </dgm:txFillClrLst>
+    <dgm:txEffectClrLst/>
+  </dgm:styleLbl>
+  <dgm:styleLbl name="alignAcc1">
+    <dgm:fillClrLst meth="repeat">
+      <a:schemeClr val="lt1">
+        <a:alpha val="90000"/>
+      </a:schemeClr>
+    </dgm:fillClrLst>
+    <dgm:linClrLst>
+      <a:schemeClr val="accent5"/>
+      <a:schemeClr val="accent6"/>
+    </dgm:linClrLst>
+    <dgm:effectClrLst/>
+    <dgm:txLinClrLst/>
+    <dgm:txFillClrLst meth="repeat">
+      <a:schemeClr val="dk1"/>
+    </dgm:txFillClrLst>
+    <dgm:txEffectClrLst/>
+  </dgm:styleLbl>
+  <dgm:styleLbl name="trAlignAcc1">
+    <dgm:fillClrLst meth="repeat">
+      <a:schemeClr val="lt1">
+        <a:alpha val="40000"/>
+      </a:schemeClr>
+    </dgm:fillClrLst>
+    <dgm:linClrLst meth="repeat">
+      <a:schemeClr val="accent5"/>
+    </dgm:linClrLst>
+    <dgm:effectClrLst/>
+    <dgm:txLinClrLst/>
+    <dgm:txFillClrLst meth="repeat">
+      <a:schemeClr val="dk1"/>
+    </dgm:txFillClrLst>
+    <dgm:txEffectClrLst/>
+  </dgm:styleLbl>
+  <dgm:styleLbl name="bgAcc1">
+    <dgm:fillClrLst meth="repeat">
+      <a:schemeClr val="lt1">
+        <a:alpha val="90000"/>
+      </a:schemeClr>
+    </dgm:fillClrLst>
+    <dgm:linClrLst>
+      <a:schemeClr val="accent5"/>
+      <a:schemeClr val="accent6"/>
+    </dgm:linClrLst>
+    <dgm:effectClrLst/>
+    <dgm:txLinClrLst/>
+    <dgm:txFillClrLst meth="repeat">
+      <a:schemeClr val="dk1"/>
+    </dgm:txFillClrLst>
+    <dgm:txEffectClrLst/>
+  </dgm:styleLbl>
+  <dgm:styleLbl name="solidFgAcc1">
+    <dgm:fillClrLst meth="repeat">
+      <a:schemeClr val="lt1"/>
+    </dgm:fillClrLst>
+    <dgm:linClrLst>
+      <a:schemeClr val="accent5"/>
+      <a:schemeClr val="accent6"/>
+    </dgm:linClrLst>
+    <dgm:effectClrLst/>
+    <dgm:txLinClrLst/>
+    <dgm:txFillClrLst meth="repeat">
+      <a:schemeClr val="dk1"/>
+    </dgm:txFillClrLst>
+    <dgm:txEffectClrLst/>
+  </dgm:styleLbl>
+  <dgm:styleLbl name="solidAlignAcc1">
+    <dgm:fillClrLst meth="repeat">
+      <a:schemeClr val="lt1"/>
+    </dgm:fillClrLst>
+    <dgm:linClrLst>
+      <a:schemeClr val="accent5"/>
+      <a:schemeClr val="accent6"/>
+    </dgm:linClrLst>
+    <dgm:effectClrLst/>
+    <dgm:txLinClrLst/>
+    <dgm:txFillClrLst meth="repeat">
+      <a:schemeClr val="dk1"/>
+    </dgm:txFillClrLst>
+    <dgm:txEffectClrLst/>
+  </dgm:styleLbl>
+  <dgm:styleLbl name="solidBgAcc1">
+    <dgm:fillClrLst meth="repeat">
+      <a:schemeClr val="lt1"/>
+    </dgm:fillClrLst>
+    <dgm:linClrLst>
+      <a:schemeClr val="accent5"/>
+      <a:schemeClr val="accent6"/>
+    </dgm:linClrLst>
+    <dgm:effectClrLst/>
+    <dgm:txLinClrLst/>
+    <dgm:txFillClrLst meth="repeat">
+      <a:schemeClr val="dk1"/>
+    </dgm:txFillClrLst>
+    <dgm:txEffectClrLst/>
+  </dgm:styleLbl>
+  <dgm:styleLbl name="fgAccFollowNode1">
+    <dgm:fillClrLst>
+      <a:schemeClr val="accent5">
+        <a:tint val="40000"/>
+        <a:alpha val="90000"/>
+      </a:schemeClr>
+      <a:schemeClr val="accent6">
+        <a:tint val="40000"/>
+        <a:alpha val="90000"/>
+      </a:schemeClr>
+    </dgm:fillClrLst>
+    <dgm:linClrLst>
+      <a:schemeClr val="accent5">
+        <a:tint val="40000"/>
+        <a:alpha val="90000"/>
+      </a:schemeClr>
+      <a:schemeClr val="accent5">
+        <a:tint val="40000"/>
+        <a:alpha val="90000"/>
+      </a:schemeClr>
+    </dgm:linClrLst>
+    <dgm:effectClrLst/>
+    <dgm:txLinClrLst/>
+    <dgm:txFillClrLst meth="repeat">
+      <a:schemeClr val="dk1"/>
+    </dgm:txFillClrLst>
+    <dgm:txEffectClrLst/>
+  </dgm:styleLbl>
+  <dgm:styleLbl name="alignAccFollowNode1">
+    <dgm:fillClrLst>
+      <a:schemeClr val="accent5">
+        <a:tint val="40000"/>
+        <a:alpha val="90000"/>
+      </a:schemeClr>
+      <a:schemeClr val="accent6">
+        <a:tint val="40000"/>
+        <a:alpha val="90000"/>
+      </a:schemeClr>
+    </dgm:fillClrLst>
+    <dgm:linClrLst>
+      <a:schemeClr val="accent5">
+        <a:tint val="40000"/>
+        <a:alpha val="90000"/>
+      </a:schemeClr>
+      <a:schemeClr val="accent6">
+        <a:tint val="40000"/>
+        <a:alpha val="90000"/>
+      </a:schemeClr>
+    </dgm:linClrLst>
+    <dgm:effectClrLst/>
+    <dgm:txLinClrLst/>
+    <dgm:txFillClrLst meth="repeat">
+      <a:schemeClr val="dk1"/>
+    </dgm:txFillClrLst>
+    <dgm:txEffectClrLst/>
+  </dgm:styleLbl>
+  <dgm:styleLbl name="bgAccFollowNode1">
+    <dgm:fillClrLst>
+      <a:schemeClr val="accent5">
+        <a:tint val="40000"/>
+        <a:alpha val="90000"/>
+      </a:schemeClr>
+      <a:schemeClr val="accent6">
+        <a:tint val="40000"/>
+        <a:alpha val="90000"/>
+      </a:schemeClr>
+    </dgm:fillClrLst>
+    <dgm:linClrLst>
+      <a:schemeClr val="accent5">
+        <a:tint val="40000"/>
+        <a:alpha val="90000"/>
+      </a:schemeClr>
+      <a:schemeClr val="accent6">
+        <a:tint val="40000"/>
+        <a:alpha val="90000"/>
+      </a:schemeClr>
+    </dgm:linClrLst>
+    <dgm:effectClrLst/>
+    <dgm:txLinClrLst/>
+    <dgm:txFillClrLst meth="repeat">
+      <a:schemeClr val="dk1"/>
+    </dgm:txFillClrLst>
+    <dgm:txEffectClrLst/>
+  </dgm:styleLbl>
+  <dgm:styleLbl name="fgAcc0">
+    <dgm:fillClrLst meth="repeat">
+      <a:schemeClr val="lt1">
+        <a:alpha val="90000"/>
+      </a:schemeClr>
+    </dgm:fillClrLst>
+    <dgm:linClrLst>
+      <a:schemeClr val="accent4"/>
+    </dgm:linClrLst>
+    <dgm:effectClrLst/>
+    <dgm:txLinClrLst/>
+    <dgm:txFillClrLst meth="repeat">
+      <a:schemeClr val="dk1"/>
+    </dgm:txFillClrLst>
+    <dgm:txEffectClrLst/>
+  </dgm:styleLbl>
+  <dgm:styleLbl name="fgAcc2">
+    <dgm:fillClrLst meth="repeat">
+      <a:schemeClr val="lt1">
+        <a:alpha val="90000"/>
+      </a:schemeClr>
+    </dgm:fillClrLst>
+    <dgm:linClrLst>
+      <a:schemeClr val="accent6"/>
+    </dgm:linClrLst>
+    <dgm:effectClrLst/>
+    <dgm:txLinClrLst/>
+    <dgm:txFillClrLst meth="repeat">
+      <a:schemeClr val="dk1"/>
+    </dgm:txFillClrLst>
+    <dgm:txEffectClrLst/>
+  </dgm:styleLbl>
+  <dgm:styleLbl name="fgAcc3">
+    <dgm:fillClrLst meth="repeat">
+      <a:schemeClr val="lt1">
+        <a:alpha val="90000"/>
+      </a:schemeClr>
+    </dgm:fillClrLst>
+    <dgm:linClrLst>
+      <a:schemeClr val="accent1"/>
+    </dgm:linClrLst>
+    <dgm:effectClrLst/>
+    <dgm:txLinClrLst/>
+    <dgm:txFillClrLst meth="repeat">
+      <a:schemeClr val="dk1"/>
+    </dgm:txFillClrLst>
+    <dgm:txEffectClrLst/>
+  </dgm:styleLbl>
+  <dgm:styleLbl name="fgAcc4">
+    <dgm:fillClrLst meth="repeat">
+      <a:schemeClr val="lt1">
+        <a:alpha val="90000"/>
+      </a:schemeClr>
+    </dgm:fillClrLst>
+    <dgm:linClrLst>
+      <a:schemeClr val="accent2"/>
+    </dgm:linClrLst>
+    <dgm:effectClrLst/>
+    <dgm:txLinClrLst/>
+    <dgm:txFillClrLst meth="repeat">
+      <a:schemeClr val="dk1"/>
+    </dgm:txFillClrLst>
+    <dgm:txEffectClrLst/>
+  </dgm:styleLbl>
+  <dgm:styleLbl name="bgShp">
+    <dgm:fillClrLst meth="repeat">
+      <a:schemeClr val="accent5">
+        <a:tint val="40000"/>
+      </a:schemeClr>
+    </dgm:fillClrLst>
+    <dgm:linClrLst meth="repeat">
+      <a:schemeClr val="dk1"/>
+    </dgm:linClrLst>
+    <dgm:effectClrLst/>
+    <dgm:txLinClrLst/>
+    <dgm:txFillClrLst meth="repeat">
+      <a:schemeClr val="dk1"/>
+    </dgm:txFillClrLst>
+    <dgm:txEffectClrLst/>
+  </dgm:styleLbl>
+  <dgm:styleLbl name="dkBgShp">
+    <dgm:fillClrLst meth="repeat">
+      <a:schemeClr val="accent5">
+        <a:shade val="90000"/>
+      </a:schemeClr>
+    </dgm:fillClrLst>
+    <dgm:linClrLst meth="repeat">
+      <a:schemeClr val="dk1"/>
+    </dgm:linClrLst>
+    <dgm:effectClrLst/>
+    <dgm:txLinClrLst/>
+    <dgm:txFillClrLst meth="repeat">
+      <a:schemeClr val="lt1"/>
+    </dgm:txFillClrLst>
+    <dgm:txEffectClrLst/>
+  </dgm:styleLbl>
+  <dgm:styleLbl name="trBgShp">
+    <dgm:fillClrLst meth="repeat">
+      <a:schemeClr val="accent5">
+        <a:tint val="50000"/>
+        <a:alpha val="40000"/>
+      </a:schemeClr>
+    </dgm:fillClrLst>
+    <dgm:linClrLst meth="repeat">
+      <a:schemeClr val="accent5"/>
+    </dgm:linClrLst>
+    <dgm:effectClrLst/>
+    <dgm:txLinClrLst/>
+    <dgm:txFillClrLst meth="repeat">
+      <a:schemeClr val="lt1"/>
+    </dgm:txFillClrLst>
+    <dgm:txEffectClrLst/>
+  </dgm:styleLbl>
+  <dgm:styleLbl name="fgShp">
+    <dgm:fillClrLst meth="repeat">
+      <a:schemeClr val="accent5">
+        <a:tint val="40000"/>
       </a:schemeClr>
     </dgm:fillClrLst>
     <dgm:linClrLst meth="repeat">
@@ -3894,6 +4677,226 @@
     <dgm:cxn modelId="{9C318885-1538-491A-88B2-542D2F14B9C2}" type="presParOf" srcId="{F777C698-4E46-4CC7-998A-CCA7D158E4A3}" destId="{DDC58FFB-A206-40C4-9EB7-7D5311134EB2}" srcOrd="6" destOrd="0" presId="urn:microsoft.com/office/officeart/2005/8/layout/matrix1"/>
     <dgm:cxn modelId="{3228E16C-838C-4295-B6AA-8740C38EDB6C}" type="presParOf" srcId="{F777C698-4E46-4CC7-998A-CCA7D158E4A3}" destId="{DCFD2387-418F-42C6-B8FB-3059C8D00939}" srcOrd="7" destOrd="0" presId="urn:microsoft.com/office/officeart/2005/8/layout/matrix1"/>
     <dgm:cxn modelId="{3A2B05E4-AD45-4596-8905-DC98908FDBB5}" type="presParOf" srcId="{0C92250C-3B4E-438E-9C39-F0732F2F890B}" destId="{5077CBFA-167B-44B9-AFB9-8F326FD92C97}" srcOrd="1" destOrd="0" presId="urn:microsoft.com/office/officeart/2005/8/layout/matrix1"/>
+  </dgm:cxnLst>
+  <dgm:bg/>
+  <dgm:whole/>
+  <dgm:extLst>
+    <a:ext uri="http://schemas.microsoft.com/office/drawing/2008/diagram">
+      <dsp:dataModelExt xmlns:dsp="http://schemas.microsoft.com/office/drawing/2008/diagram" relId="rId6" minVer="http://schemas.openxmlformats.org/drawingml/2006/diagram"/>
+    </a:ext>
+  </dgm:extLst>
+</dgm:dataModel>
+</file>
+
+<file path=ppt/diagrams/data4.xml><?xml version="1.0" encoding="utf-8"?>
+<dgm:dataModel xmlns:dgm="http://schemas.openxmlformats.org/drawingml/2006/diagram" xmlns:a="http://schemas.openxmlformats.org/drawingml/2006/main">
+  <dgm:ptLst>
+    <dgm:pt modelId="{7BD97883-7248-4DAC-8CAB-1A5E3AD849A8}" type="doc">
+      <dgm:prSet loTypeId="urn:microsoft.com/office/officeart/2005/8/layout/process4" loCatId="list" qsTypeId="urn:microsoft.com/office/officeart/2005/8/quickstyle/simple2" qsCatId="simple" csTypeId="urn:microsoft.com/office/officeart/2005/8/colors/colorful5" csCatId="colorful" phldr="1"/>
+      <dgm:spPr/>
+    </dgm:pt>
+    <dgm:pt modelId="{BDB76F9D-93F9-4EE1-80FA-81E03546F22E}">
+      <dgm:prSet phldrT="[Text]"/>
+      <dgm:spPr/>
+      <dgm:t>
+        <a:bodyPr/>
+        <a:lstStyle/>
+        <a:p>
+          <a:r>
+            <a:rPr lang="en-GB" dirty="0" smtClean="0">
+              <a:latin typeface="Open Sans" pitchFamily="34" charset="0"/>
+              <a:ea typeface="Open Sans" pitchFamily="34" charset="0"/>
+              <a:cs typeface="Open Sans" pitchFamily="34" charset="0"/>
+            </a:rPr>
+            <a:t>Used </a:t>
+          </a:r>
+          <a:r>
+            <a:rPr lang="en-GB" dirty="0" err="1" smtClean="0">
+              <a:latin typeface="Open Sans" pitchFamily="34" charset="0"/>
+              <a:ea typeface="Open Sans" pitchFamily="34" charset="0"/>
+              <a:cs typeface="Open Sans" pitchFamily="34" charset="0"/>
+            </a:rPr>
+            <a:t>GitLab</a:t>
+          </a:r>
+          <a:r>
+            <a:rPr lang="en-GB" dirty="0" smtClean="0">
+              <a:latin typeface="Open Sans" pitchFamily="34" charset="0"/>
+              <a:ea typeface="Open Sans" pitchFamily="34" charset="0"/>
+              <a:cs typeface="Open Sans" pitchFamily="34" charset="0"/>
+            </a:rPr>
+            <a:t> for proper version control</a:t>
+          </a:r>
+          <a:endParaRPr lang="en-IN" dirty="0"/>
+        </a:p>
+      </dgm:t>
+    </dgm:pt>
+    <dgm:pt modelId="{878E70BC-94EB-4B26-A2C3-3FB95BD6D109}" type="parTrans" cxnId="{5D8CFA61-EE2C-41C5-BFA3-B1E5ED80ECB8}">
+      <dgm:prSet/>
+      <dgm:spPr/>
+      <dgm:t>
+        <a:bodyPr/>
+        <a:lstStyle/>
+        <a:p>
+          <a:endParaRPr lang="en-IN"/>
+        </a:p>
+      </dgm:t>
+    </dgm:pt>
+    <dgm:pt modelId="{CD73DF39-1500-4E3D-A4FE-296CBDCD1C01}" type="sibTrans" cxnId="{5D8CFA61-EE2C-41C5-BFA3-B1E5ED80ECB8}">
+      <dgm:prSet/>
+      <dgm:spPr/>
+      <dgm:t>
+        <a:bodyPr/>
+        <a:lstStyle/>
+        <a:p>
+          <a:endParaRPr lang="en-IN"/>
+        </a:p>
+      </dgm:t>
+    </dgm:pt>
+    <dgm:pt modelId="{D5282CBB-3C37-432A-BFB2-1396362157A8}">
+      <dgm:prSet phldrT="[Text]"/>
+      <dgm:spPr/>
+      <dgm:t>
+        <a:bodyPr/>
+        <a:lstStyle/>
+        <a:p>
+          <a:r>
+            <a:rPr lang="en-GB" smtClean="0">
+              <a:latin typeface="Open Sans" pitchFamily="34" charset="0"/>
+              <a:ea typeface="Open Sans" pitchFamily="34" charset="0"/>
+              <a:cs typeface="Open Sans" pitchFamily="34" charset="0"/>
+            </a:rPr>
+            <a:t>PHP for classes to prevent accidental damage to database by restricting  functionality</a:t>
+          </a:r>
+          <a:endParaRPr lang="en-IN" dirty="0"/>
+        </a:p>
+      </dgm:t>
+    </dgm:pt>
+    <dgm:pt modelId="{9548D8C7-F834-44C2-8115-AD26B804B9D5}" type="parTrans" cxnId="{10307CF5-80B0-493D-A48E-80A5A8FFDE4B}">
+      <dgm:prSet/>
+      <dgm:spPr/>
+      <dgm:t>
+        <a:bodyPr/>
+        <a:lstStyle/>
+        <a:p>
+          <a:endParaRPr lang="en-IN"/>
+        </a:p>
+      </dgm:t>
+    </dgm:pt>
+    <dgm:pt modelId="{94EBB39E-9CCF-4324-BDC3-6BE0CF09762B}" type="sibTrans" cxnId="{10307CF5-80B0-493D-A48E-80A5A8FFDE4B}">
+      <dgm:prSet/>
+      <dgm:spPr/>
+      <dgm:t>
+        <a:bodyPr/>
+        <a:lstStyle/>
+        <a:p>
+          <a:endParaRPr lang="en-IN"/>
+        </a:p>
+      </dgm:t>
+    </dgm:pt>
+    <dgm:pt modelId="{78A95B10-6165-4220-8F56-D1D5E0CCD850}">
+      <dgm:prSet/>
+      <dgm:spPr/>
+      <dgm:t>
+        <a:bodyPr/>
+        <a:lstStyle/>
+        <a:p>
+          <a:r>
+            <a:rPr lang="en-GB" smtClean="0">
+              <a:latin typeface="Open Sans" pitchFamily="34" charset="0"/>
+              <a:ea typeface="Open Sans" pitchFamily="34" charset="0"/>
+              <a:cs typeface="Open Sans" pitchFamily="34" charset="0"/>
+            </a:rPr>
+            <a:t>Included template files for consistent layout</a:t>
+          </a:r>
+          <a:endParaRPr lang="en-GB" dirty="0" smtClean="0">
+            <a:latin typeface="Open Sans" pitchFamily="34" charset="0"/>
+            <a:ea typeface="Open Sans" pitchFamily="34" charset="0"/>
+            <a:cs typeface="Open Sans" pitchFamily="34" charset="0"/>
+          </a:endParaRPr>
+        </a:p>
+      </dgm:t>
+    </dgm:pt>
+    <dgm:pt modelId="{F4D09CEF-184C-46B7-AC10-930686A42E12}" type="parTrans" cxnId="{CE99D476-4DDD-4294-8099-715272E45E17}">
+      <dgm:prSet/>
+      <dgm:spPr/>
+      <dgm:t>
+        <a:bodyPr/>
+        <a:lstStyle/>
+        <a:p>
+          <a:endParaRPr lang="en-IN"/>
+        </a:p>
+      </dgm:t>
+    </dgm:pt>
+    <dgm:pt modelId="{9C1E4C9E-2833-4CC1-AAD9-4C7541467F9D}" type="sibTrans" cxnId="{CE99D476-4DDD-4294-8099-715272E45E17}">
+      <dgm:prSet/>
+      <dgm:spPr/>
+      <dgm:t>
+        <a:bodyPr/>
+        <a:lstStyle/>
+        <a:p>
+          <a:endParaRPr lang="en-IN"/>
+        </a:p>
+      </dgm:t>
+    </dgm:pt>
+    <dgm:pt modelId="{C5C3F552-E783-4B32-AD0E-8E580DF0F35F}" type="pres">
+      <dgm:prSet presAssocID="{7BD97883-7248-4DAC-8CAB-1A5E3AD849A8}" presName="Name0" presStyleCnt="0">
+        <dgm:presLayoutVars>
+          <dgm:dir/>
+          <dgm:animLvl val="lvl"/>
+          <dgm:resizeHandles val="exact"/>
+        </dgm:presLayoutVars>
+      </dgm:prSet>
+      <dgm:spPr/>
+    </dgm:pt>
+    <dgm:pt modelId="{D7920B7D-A1D7-4BF9-9C95-E705D934D233}" type="pres">
+      <dgm:prSet presAssocID="{D5282CBB-3C37-432A-BFB2-1396362157A8}" presName="boxAndChildren" presStyleCnt="0"/>
+      <dgm:spPr/>
+    </dgm:pt>
+    <dgm:pt modelId="{3D7CEC65-198C-4EE1-8E19-3AA55B81F021}" type="pres">
+      <dgm:prSet presAssocID="{D5282CBB-3C37-432A-BFB2-1396362157A8}" presName="parentTextBox" presStyleLbl="node1" presStyleIdx="0" presStyleCnt="3"/>
+      <dgm:spPr/>
+    </dgm:pt>
+    <dgm:pt modelId="{19E43FDA-A60D-4ABC-B9BB-2D7B6E146909}" type="pres">
+      <dgm:prSet presAssocID="{9C1E4C9E-2833-4CC1-AAD9-4C7541467F9D}" presName="sp" presStyleCnt="0"/>
+      <dgm:spPr/>
+    </dgm:pt>
+    <dgm:pt modelId="{F4586888-F050-434A-B06B-2ED1B3E39357}" type="pres">
+      <dgm:prSet presAssocID="{78A95B10-6165-4220-8F56-D1D5E0CCD850}" presName="arrowAndChildren" presStyleCnt="0"/>
+      <dgm:spPr/>
+    </dgm:pt>
+    <dgm:pt modelId="{E01CD33E-06F7-45B3-B412-2DE69FC00279}" type="pres">
+      <dgm:prSet presAssocID="{78A95B10-6165-4220-8F56-D1D5E0CCD850}" presName="parentTextArrow" presStyleLbl="node1" presStyleIdx="1" presStyleCnt="3"/>
+      <dgm:spPr/>
+    </dgm:pt>
+    <dgm:pt modelId="{2393DD15-770F-4644-AA6E-EC7E3A83B34D}" type="pres">
+      <dgm:prSet presAssocID="{CD73DF39-1500-4E3D-A4FE-296CBDCD1C01}" presName="sp" presStyleCnt="0"/>
+      <dgm:spPr/>
+    </dgm:pt>
+    <dgm:pt modelId="{764C7638-473E-4A39-9745-2A8AC5010D4D}" type="pres">
+      <dgm:prSet presAssocID="{BDB76F9D-93F9-4EE1-80FA-81E03546F22E}" presName="arrowAndChildren" presStyleCnt="0"/>
+      <dgm:spPr/>
+    </dgm:pt>
+    <dgm:pt modelId="{A494BB34-E253-4BD5-8314-3F6049A043D3}" type="pres">
+      <dgm:prSet presAssocID="{BDB76F9D-93F9-4EE1-80FA-81E03546F22E}" presName="parentTextArrow" presStyleLbl="node1" presStyleIdx="2" presStyleCnt="3"/>
+      <dgm:spPr/>
+    </dgm:pt>
+  </dgm:ptLst>
+  <dgm:cxnLst>
+    <dgm:cxn modelId="{CDE9DC05-1640-4655-B9F7-9AD1B3F58B14}" type="presOf" srcId="{BDB76F9D-93F9-4EE1-80FA-81E03546F22E}" destId="{A494BB34-E253-4BD5-8314-3F6049A043D3}" srcOrd="0" destOrd="0" presId="urn:microsoft.com/office/officeart/2005/8/layout/process4"/>
+    <dgm:cxn modelId="{A7B45065-51B1-4856-A688-31F3CD61C179}" type="presOf" srcId="{D5282CBB-3C37-432A-BFB2-1396362157A8}" destId="{3D7CEC65-198C-4EE1-8E19-3AA55B81F021}" srcOrd="0" destOrd="0" presId="urn:microsoft.com/office/officeart/2005/8/layout/process4"/>
+    <dgm:cxn modelId="{CD105677-2453-427C-B288-93BB56D046C0}" type="presOf" srcId="{78A95B10-6165-4220-8F56-D1D5E0CCD850}" destId="{E01CD33E-06F7-45B3-B412-2DE69FC00279}" srcOrd="0" destOrd="0" presId="urn:microsoft.com/office/officeart/2005/8/layout/process4"/>
+    <dgm:cxn modelId="{5D8CFA61-EE2C-41C5-BFA3-B1E5ED80ECB8}" srcId="{7BD97883-7248-4DAC-8CAB-1A5E3AD849A8}" destId="{BDB76F9D-93F9-4EE1-80FA-81E03546F22E}" srcOrd="0" destOrd="0" parTransId="{878E70BC-94EB-4B26-A2C3-3FB95BD6D109}" sibTransId="{CD73DF39-1500-4E3D-A4FE-296CBDCD1C01}"/>
+    <dgm:cxn modelId="{10307CF5-80B0-493D-A48E-80A5A8FFDE4B}" srcId="{7BD97883-7248-4DAC-8CAB-1A5E3AD849A8}" destId="{D5282CBB-3C37-432A-BFB2-1396362157A8}" srcOrd="2" destOrd="0" parTransId="{9548D8C7-F834-44C2-8115-AD26B804B9D5}" sibTransId="{94EBB39E-9CCF-4324-BDC3-6BE0CF09762B}"/>
+    <dgm:cxn modelId="{CE99D476-4DDD-4294-8099-715272E45E17}" srcId="{7BD97883-7248-4DAC-8CAB-1A5E3AD849A8}" destId="{78A95B10-6165-4220-8F56-D1D5E0CCD850}" srcOrd="1" destOrd="0" parTransId="{F4D09CEF-184C-46B7-AC10-930686A42E12}" sibTransId="{9C1E4C9E-2833-4CC1-AAD9-4C7541467F9D}"/>
+    <dgm:cxn modelId="{A8665451-080E-47C8-86E4-0BC1492355D0}" type="presOf" srcId="{7BD97883-7248-4DAC-8CAB-1A5E3AD849A8}" destId="{C5C3F552-E783-4B32-AD0E-8E580DF0F35F}" srcOrd="0" destOrd="0" presId="urn:microsoft.com/office/officeart/2005/8/layout/process4"/>
+    <dgm:cxn modelId="{206BCFE3-A4C4-4305-AD74-E6A2CFBC9BE4}" type="presParOf" srcId="{C5C3F552-E783-4B32-AD0E-8E580DF0F35F}" destId="{D7920B7D-A1D7-4BF9-9C95-E705D934D233}" srcOrd="0" destOrd="0" presId="urn:microsoft.com/office/officeart/2005/8/layout/process4"/>
+    <dgm:cxn modelId="{50DEC263-C885-4546-913C-A2DF7EE90095}" type="presParOf" srcId="{D7920B7D-A1D7-4BF9-9C95-E705D934D233}" destId="{3D7CEC65-198C-4EE1-8E19-3AA55B81F021}" srcOrd="0" destOrd="0" presId="urn:microsoft.com/office/officeart/2005/8/layout/process4"/>
+    <dgm:cxn modelId="{283BC67C-FE8D-40AD-8AA8-30AC15E0974D}" type="presParOf" srcId="{C5C3F552-E783-4B32-AD0E-8E580DF0F35F}" destId="{19E43FDA-A60D-4ABC-B9BB-2D7B6E146909}" srcOrd="1" destOrd="0" presId="urn:microsoft.com/office/officeart/2005/8/layout/process4"/>
+    <dgm:cxn modelId="{F9D95C20-D9CB-4CDF-8108-751F4BA128C5}" type="presParOf" srcId="{C5C3F552-E783-4B32-AD0E-8E580DF0F35F}" destId="{F4586888-F050-434A-B06B-2ED1B3E39357}" srcOrd="2" destOrd="0" presId="urn:microsoft.com/office/officeart/2005/8/layout/process4"/>
+    <dgm:cxn modelId="{156EE2FB-241F-4E85-AC24-5FA2E2A6841B}" type="presParOf" srcId="{F4586888-F050-434A-B06B-2ED1B3E39357}" destId="{E01CD33E-06F7-45B3-B412-2DE69FC00279}" srcOrd="0" destOrd="0" presId="urn:microsoft.com/office/officeart/2005/8/layout/process4"/>
+    <dgm:cxn modelId="{7FA25626-EB22-4E18-A844-1C7937627B2E}" type="presParOf" srcId="{C5C3F552-E783-4B32-AD0E-8E580DF0F35F}" destId="{2393DD15-770F-4644-AA6E-EC7E3A83B34D}" srcOrd="3" destOrd="0" presId="urn:microsoft.com/office/officeart/2005/8/layout/process4"/>
+    <dgm:cxn modelId="{4DB89367-9C64-4D50-AF1E-EBE2920AB59D}" type="presParOf" srcId="{C5C3F552-E783-4B32-AD0E-8E580DF0F35F}" destId="{764C7638-473E-4A39-9745-2A8AC5010D4D}" srcOrd="4" destOrd="0" presId="urn:microsoft.com/office/officeart/2005/8/layout/process4"/>
+    <dgm:cxn modelId="{96DCE37D-30A0-441A-B345-30F4A5D6FD5A}" type="presParOf" srcId="{764C7638-473E-4A39-9745-2A8AC5010D4D}" destId="{A494BB34-E253-4BD5-8314-3F6049A043D3}" srcOrd="0" destOrd="0" presId="urn:microsoft.com/office/officeart/2005/8/layout/process4"/>
   </dgm:cxnLst>
   <dgm:bg/>
   <dgm:whole/>
@@ -5541,6 +6544,281 @@
 </dsp:drawing>
 </file>
 
+<file path=ppt/diagrams/drawing4.xml><?xml version="1.0" encoding="utf-8"?>
+<dsp:drawing xmlns:dgm="http://schemas.openxmlformats.org/drawingml/2006/diagram" xmlns:dsp="http://schemas.microsoft.com/office/drawing/2008/diagram" xmlns:a="http://schemas.openxmlformats.org/drawingml/2006/main">
+  <dsp:spTree>
+    <dsp:nvGrpSpPr>
+      <dsp:cNvPr id="0" name=""/>
+      <dsp:cNvGrpSpPr/>
+    </dsp:nvGrpSpPr>
+    <dsp:grpSpPr/>
+    <dsp:sp modelId="{3D7CEC65-198C-4EE1-8E19-3AA55B81F021}">
+      <dsp:nvSpPr>
+        <dsp:cNvPr id="0" name=""/>
+        <dsp:cNvSpPr/>
+      </dsp:nvSpPr>
+      <dsp:spPr>
+        <a:xfrm>
+          <a:off x="0" y="3302181"/>
+          <a:ext cx="7511245" cy="1083849"/>
+        </a:xfrm>
+        <a:prstGeom prst="rect">
+          <a:avLst/>
+        </a:prstGeom>
+        <a:solidFill>
+          <a:schemeClr val="accent5">
+            <a:hueOff val="0"/>
+            <a:satOff val="0"/>
+            <a:lumOff val="0"/>
+            <a:alphaOff val="0"/>
+          </a:schemeClr>
+        </a:solidFill>
+        <a:ln w="25400" cap="flat" cmpd="sng" algn="ctr">
+          <a:solidFill>
+            <a:schemeClr val="lt1">
+              <a:hueOff val="0"/>
+              <a:satOff val="0"/>
+              <a:lumOff val="0"/>
+              <a:alphaOff val="0"/>
+            </a:schemeClr>
+          </a:solidFill>
+          <a:prstDash val="solid"/>
+        </a:ln>
+        <a:effectLst/>
+      </dsp:spPr>
+      <dsp:style>
+        <a:lnRef idx="3">
+          <a:scrgbClr r="0" g="0" b="0"/>
+        </a:lnRef>
+        <a:fillRef idx="1">
+          <a:scrgbClr r="0" g="0" b="0"/>
+        </a:fillRef>
+        <a:effectRef idx="1">
+          <a:scrgbClr r="0" g="0" b="0"/>
+        </a:effectRef>
+        <a:fontRef idx="minor">
+          <a:schemeClr val="lt1"/>
+        </a:fontRef>
+      </dsp:style>
+      <dsp:txBody>
+        <a:bodyPr spcFirstLastPara="0" vert="horz" wrap="square" lIns="163576" tIns="163576" rIns="163576" bIns="163576" numCol="1" spcCol="1270" anchor="ctr" anchorCtr="0">
+          <a:noAutofit/>
+        </a:bodyPr>
+        <a:lstStyle/>
+        <a:p>
+          <a:pPr lvl="0" algn="ctr" defTabSz="1022350">
+            <a:lnSpc>
+              <a:spcPct val="90000"/>
+            </a:lnSpc>
+            <a:spcBef>
+              <a:spcPct val="0"/>
+            </a:spcBef>
+            <a:spcAft>
+              <a:spcPct val="35000"/>
+            </a:spcAft>
+          </a:pPr>
+          <a:r>
+            <a:rPr lang="en-GB" sz="2300" kern="1200" smtClean="0">
+              <a:latin typeface="Open Sans" pitchFamily="34" charset="0"/>
+              <a:ea typeface="Open Sans" pitchFamily="34" charset="0"/>
+              <a:cs typeface="Open Sans" pitchFamily="34" charset="0"/>
+            </a:rPr>
+            <a:t>PHP for classes to prevent accidental damage to database by restricting  functionality</a:t>
+          </a:r>
+          <a:endParaRPr lang="en-IN" sz="2300" kern="1200" dirty="0"/>
+        </a:p>
+      </dsp:txBody>
+      <dsp:txXfrm>
+        <a:off x="0" y="3302181"/>
+        <a:ext cx="7511245" cy="1083849"/>
+      </dsp:txXfrm>
+    </dsp:sp>
+    <dsp:sp modelId="{E01CD33E-06F7-45B3-B412-2DE69FC00279}">
+      <dsp:nvSpPr>
+        <dsp:cNvPr id="0" name=""/>
+        <dsp:cNvSpPr/>
+      </dsp:nvSpPr>
+      <dsp:spPr>
+        <a:xfrm rot="10800000">
+          <a:off x="0" y="1651478"/>
+          <a:ext cx="7511245" cy="1666960"/>
+        </a:xfrm>
+        <a:prstGeom prst="upArrowCallout">
+          <a:avLst/>
+        </a:prstGeom>
+        <a:solidFill>
+          <a:schemeClr val="accent5">
+            <a:hueOff val="1063560"/>
+            <a:satOff val="-11946"/>
+            <a:lumOff val="-2549"/>
+            <a:alphaOff val="0"/>
+          </a:schemeClr>
+        </a:solidFill>
+        <a:ln w="25400" cap="flat" cmpd="sng" algn="ctr">
+          <a:solidFill>
+            <a:schemeClr val="lt1">
+              <a:hueOff val="0"/>
+              <a:satOff val="0"/>
+              <a:lumOff val="0"/>
+              <a:alphaOff val="0"/>
+            </a:schemeClr>
+          </a:solidFill>
+          <a:prstDash val="solid"/>
+        </a:ln>
+        <a:effectLst/>
+      </dsp:spPr>
+      <dsp:style>
+        <a:lnRef idx="3">
+          <a:scrgbClr r="0" g="0" b="0"/>
+        </a:lnRef>
+        <a:fillRef idx="1">
+          <a:scrgbClr r="0" g="0" b="0"/>
+        </a:fillRef>
+        <a:effectRef idx="1">
+          <a:scrgbClr r="0" g="0" b="0"/>
+        </a:effectRef>
+        <a:fontRef idx="minor">
+          <a:schemeClr val="lt1"/>
+        </a:fontRef>
+      </dsp:style>
+      <dsp:txBody>
+        <a:bodyPr spcFirstLastPara="0" vert="horz" wrap="square" lIns="163576" tIns="163576" rIns="163576" bIns="163576" numCol="1" spcCol="1270" anchor="ctr" anchorCtr="0">
+          <a:noAutofit/>
+        </a:bodyPr>
+        <a:lstStyle/>
+        <a:p>
+          <a:pPr lvl="0" algn="ctr" defTabSz="1022350">
+            <a:lnSpc>
+              <a:spcPct val="90000"/>
+            </a:lnSpc>
+            <a:spcBef>
+              <a:spcPct val="0"/>
+            </a:spcBef>
+            <a:spcAft>
+              <a:spcPct val="35000"/>
+            </a:spcAft>
+          </a:pPr>
+          <a:r>
+            <a:rPr lang="en-GB" sz="2300" kern="1200" smtClean="0">
+              <a:latin typeface="Open Sans" pitchFamily="34" charset="0"/>
+              <a:ea typeface="Open Sans" pitchFamily="34" charset="0"/>
+              <a:cs typeface="Open Sans" pitchFamily="34" charset="0"/>
+            </a:rPr>
+            <a:t>Included template files for consistent layout</a:t>
+          </a:r>
+          <a:endParaRPr lang="en-GB" sz="2300" kern="1200" dirty="0" smtClean="0">
+            <a:latin typeface="Open Sans" pitchFamily="34" charset="0"/>
+            <a:ea typeface="Open Sans" pitchFamily="34" charset="0"/>
+            <a:cs typeface="Open Sans" pitchFamily="34" charset="0"/>
+          </a:endParaRPr>
+        </a:p>
+      </dsp:txBody>
+      <dsp:txXfrm rot="10800000">
+        <a:off x="0" y="1651478"/>
+        <a:ext cx="7511245" cy="1083141"/>
+      </dsp:txXfrm>
+    </dsp:sp>
+    <dsp:sp modelId="{A494BB34-E253-4BD5-8314-3F6049A043D3}">
+      <dsp:nvSpPr>
+        <dsp:cNvPr id="0" name=""/>
+        <dsp:cNvSpPr/>
+      </dsp:nvSpPr>
+      <dsp:spPr>
+        <a:xfrm rot="10800000">
+          <a:off x="0" y="775"/>
+          <a:ext cx="7511245" cy="1666960"/>
+        </a:xfrm>
+        <a:prstGeom prst="upArrowCallout">
+          <a:avLst/>
+        </a:prstGeom>
+        <a:solidFill>
+          <a:schemeClr val="accent5">
+            <a:hueOff val="2127120"/>
+            <a:satOff val="-23891"/>
+            <a:lumOff val="-5098"/>
+            <a:alphaOff val="0"/>
+          </a:schemeClr>
+        </a:solidFill>
+        <a:ln w="25400" cap="flat" cmpd="sng" algn="ctr">
+          <a:solidFill>
+            <a:schemeClr val="lt1">
+              <a:hueOff val="0"/>
+              <a:satOff val="0"/>
+              <a:lumOff val="0"/>
+              <a:alphaOff val="0"/>
+            </a:schemeClr>
+          </a:solidFill>
+          <a:prstDash val="solid"/>
+        </a:ln>
+        <a:effectLst/>
+      </dsp:spPr>
+      <dsp:style>
+        <a:lnRef idx="3">
+          <a:scrgbClr r="0" g="0" b="0"/>
+        </a:lnRef>
+        <a:fillRef idx="1">
+          <a:scrgbClr r="0" g="0" b="0"/>
+        </a:fillRef>
+        <a:effectRef idx="1">
+          <a:scrgbClr r="0" g="0" b="0"/>
+        </a:effectRef>
+        <a:fontRef idx="minor">
+          <a:schemeClr val="lt1"/>
+        </a:fontRef>
+      </dsp:style>
+      <dsp:txBody>
+        <a:bodyPr spcFirstLastPara="0" vert="horz" wrap="square" lIns="163576" tIns="163576" rIns="163576" bIns="163576" numCol="1" spcCol="1270" anchor="ctr" anchorCtr="0">
+          <a:noAutofit/>
+        </a:bodyPr>
+        <a:lstStyle/>
+        <a:p>
+          <a:pPr lvl="0" algn="ctr" defTabSz="1022350">
+            <a:lnSpc>
+              <a:spcPct val="90000"/>
+            </a:lnSpc>
+            <a:spcBef>
+              <a:spcPct val="0"/>
+            </a:spcBef>
+            <a:spcAft>
+              <a:spcPct val="35000"/>
+            </a:spcAft>
+          </a:pPr>
+          <a:r>
+            <a:rPr lang="en-GB" sz="2300" kern="1200" dirty="0" smtClean="0">
+              <a:latin typeface="Open Sans" pitchFamily="34" charset="0"/>
+              <a:ea typeface="Open Sans" pitchFamily="34" charset="0"/>
+              <a:cs typeface="Open Sans" pitchFamily="34" charset="0"/>
+            </a:rPr>
+            <a:t>Used </a:t>
+          </a:r>
+          <a:r>
+            <a:rPr lang="en-GB" sz="2300" kern="1200" dirty="0" err="1" smtClean="0">
+              <a:latin typeface="Open Sans" pitchFamily="34" charset="0"/>
+              <a:ea typeface="Open Sans" pitchFamily="34" charset="0"/>
+              <a:cs typeface="Open Sans" pitchFamily="34" charset="0"/>
+            </a:rPr>
+            <a:t>GitLab</a:t>
+          </a:r>
+          <a:r>
+            <a:rPr lang="en-GB" sz="2300" kern="1200" dirty="0" smtClean="0">
+              <a:latin typeface="Open Sans" pitchFamily="34" charset="0"/>
+              <a:ea typeface="Open Sans" pitchFamily="34" charset="0"/>
+              <a:cs typeface="Open Sans" pitchFamily="34" charset="0"/>
+            </a:rPr>
+            <a:t> for proper version control</a:t>
+          </a:r>
+          <a:endParaRPr lang="en-IN" sz="2300" kern="1200" dirty="0"/>
+        </a:p>
+      </dsp:txBody>
+      <dsp:txXfrm rot="10800000">
+        <a:off x="0" y="775"/>
+        <a:ext cx="7511245" cy="1083141"/>
+      </dsp:txXfrm>
+    </dsp:sp>
+  </dsp:spTree>
+</dsp:drawing>
+</file>
+
 <file path=ppt/diagrams/layout1.xml><?xml version="1.0" encoding="utf-8"?>
 <dgm:layoutDef xmlns:dgm="http://schemas.openxmlformats.org/drawingml/2006/diagram" xmlns:a="http://schemas.openxmlformats.org/drawingml/2006/main" uniqueId="urn:microsoft.com/office/officeart/2009/3/layout/StepUpProcess">
   <dgm:title val=""/>
@@ -6493,6 +7771,359 @@
 </dgm:layoutDef>
 </file>
 
+<file path=ppt/diagrams/layout4.xml><?xml version="1.0" encoding="utf-8"?>
+<dgm:layoutDef xmlns:dgm="http://schemas.openxmlformats.org/drawingml/2006/diagram" xmlns:a="http://schemas.openxmlformats.org/drawingml/2006/main" uniqueId="urn:microsoft.com/office/officeart/2005/8/layout/process4">
+  <dgm:title val=""/>
+  <dgm:desc val=""/>
+  <dgm:catLst>
+    <dgm:cat type="process" pri="16000"/>
+    <dgm:cat type="list" pri="20000"/>
+  </dgm:catLst>
+  <dgm:sampData>
+    <dgm:dataModel>
+      <dgm:ptLst>
+        <dgm:pt modelId="0" type="doc"/>
+        <dgm:pt modelId="1">
+          <dgm:prSet phldr="1"/>
+        </dgm:pt>
+        <dgm:pt modelId="11">
+          <dgm:prSet phldr="1"/>
+        </dgm:pt>
+        <dgm:pt modelId="12">
+          <dgm:prSet phldr="1"/>
+        </dgm:pt>
+        <dgm:pt modelId="2">
+          <dgm:prSet phldr="1"/>
+        </dgm:pt>
+        <dgm:pt modelId="21">
+          <dgm:prSet phldr="1"/>
+        </dgm:pt>
+        <dgm:pt modelId="22">
+          <dgm:prSet phldr="1"/>
+        </dgm:pt>
+        <dgm:pt modelId="3">
+          <dgm:prSet phldr="1"/>
+        </dgm:pt>
+        <dgm:pt modelId="31">
+          <dgm:prSet phldr="1"/>
+        </dgm:pt>
+        <dgm:pt modelId="32">
+          <dgm:prSet phldr="1"/>
+        </dgm:pt>
+      </dgm:ptLst>
+      <dgm:cxnLst>
+        <dgm:cxn modelId="4" srcId="0" destId="1" srcOrd="0" destOrd="0"/>
+        <dgm:cxn modelId="5" srcId="0" destId="2" srcOrd="1" destOrd="0"/>
+        <dgm:cxn modelId="6" srcId="0" destId="3" srcOrd="2" destOrd="0"/>
+        <dgm:cxn modelId="13" srcId="1" destId="11" srcOrd="0" destOrd="0"/>
+        <dgm:cxn modelId="14" srcId="1" destId="12" srcOrd="1" destOrd="0"/>
+        <dgm:cxn modelId="23" srcId="2" destId="21" srcOrd="0" destOrd="0"/>
+        <dgm:cxn modelId="24" srcId="2" destId="22" srcOrd="1" destOrd="0"/>
+        <dgm:cxn modelId="33" srcId="3" destId="31" srcOrd="0" destOrd="0"/>
+        <dgm:cxn modelId="34" srcId="3" destId="32" srcOrd="1" destOrd="0"/>
+      </dgm:cxnLst>
+      <dgm:bg/>
+      <dgm:whole/>
+    </dgm:dataModel>
+  </dgm:sampData>
+  <dgm:styleData>
+    <dgm:dataModel>
+      <dgm:ptLst>
+        <dgm:pt modelId="0" type="doc"/>
+        <dgm:pt modelId="1"/>
+        <dgm:pt modelId="11"/>
+        <dgm:pt modelId="2"/>
+        <dgm:pt modelId="21"/>
+      </dgm:ptLst>
+      <dgm:cxnLst>
+        <dgm:cxn modelId="4" srcId="0" destId="1" srcOrd="0" destOrd="0"/>
+        <dgm:cxn modelId="5" srcId="0" destId="2" srcOrd="1" destOrd="0"/>
+        <dgm:cxn modelId="13" srcId="1" destId="11" srcOrd="0" destOrd="0"/>
+        <dgm:cxn modelId="23" srcId="2" destId="21" srcOrd="0" destOrd="0"/>
+      </dgm:cxnLst>
+      <dgm:bg/>
+      <dgm:whole/>
+    </dgm:dataModel>
+  </dgm:styleData>
+  <dgm:clrData>
+    <dgm:dataModel>
+      <dgm:ptLst>
+        <dgm:pt modelId="0" type="doc"/>
+        <dgm:pt modelId="1"/>
+        <dgm:pt modelId="11"/>
+        <dgm:pt modelId="2"/>
+        <dgm:pt modelId="21"/>
+        <dgm:pt modelId="3"/>
+        <dgm:pt modelId="31"/>
+        <dgm:pt modelId="4"/>
+        <dgm:pt modelId="41"/>
+      </dgm:ptLst>
+      <dgm:cxnLst>
+        <dgm:cxn modelId="5" srcId="0" destId="1" srcOrd="0" destOrd="0"/>
+        <dgm:cxn modelId="6" srcId="0" destId="2" srcOrd="1" destOrd="0"/>
+        <dgm:cxn modelId="7" srcId="0" destId="3" srcOrd="2" destOrd="0"/>
+        <dgm:cxn modelId="8" srcId="0" destId="4" srcOrd="3" destOrd="0"/>
+        <dgm:cxn modelId="13" srcId="1" destId="11" srcOrd="0" destOrd="0"/>
+        <dgm:cxn modelId="23" srcId="2" destId="21" srcOrd="0" destOrd="0"/>
+        <dgm:cxn modelId="33" srcId="3" destId="31" srcOrd="0" destOrd="0"/>
+        <dgm:cxn modelId="43" srcId="4" destId="41" srcOrd="0" destOrd="0"/>
+      </dgm:cxnLst>
+      <dgm:bg/>
+      <dgm:whole/>
+    </dgm:dataModel>
+  </dgm:clrData>
+  <dgm:layoutNode name="Name0">
+    <dgm:varLst>
+      <dgm:dir/>
+      <dgm:animLvl val="lvl"/>
+      <dgm:resizeHandles val="exact"/>
+    </dgm:varLst>
+    <dgm:alg type="lin">
+      <dgm:param type="linDir" val="fromB"/>
+    </dgm:alg>
+    <dgm:shape xmlns:r="http://schemas.openxmlformats.org/officeDocument/2006/relationships" r:blip="">
+      <dgm:adjLst/>
+    </dgm:shape>
+    <dgm:presOf/>
+    <dgm:constrLst>
+      <dgm:constr type="h" for="ch" forName="boxAndChildren" refType="h"/>
+      <dgm:constr type="h" for="ch" forName="arrowAndChildren" refType="h" refFor="ch" refForName="boxAndChildren" op="equ" fact="1.538"/>
+      <dgm:constr type="w" for="ch" forName="arrowAndChildren" refType="w"/>
+      <dgm:constr type="w" for="ch" forName="boxAndChildren" refType="w"/>
+      <dgm:constr type="h" for="ch" forName="sp" refType="h" fact="-0.015"/>
+      <dgm:constr type="primFontSz" for="des" forName="parentTextBox" val="65"/>
+      <dgm:constr type="primFontSz" for="des" forName="parentTextArrow" refType="primFontSz" refFor="des" refForName="parentTextBox" op="equ"/>
+      <dgm:constr type="primFontSz" for="des" forName="childTextArrow" val="65"/>
+      <dgm:constr type="primFontSz" for="des" forName="childTextBox" refType="primFontSz" refFor="des" refForName="childTextArrow" op="equ"/>
+    </dgm:constrLst>
+    <dgm:ruleLst/>
+    <dgm:forEach name="Name1" axis="ch" ptType="node" st="-1" step="-1">
+      <dgm:choose name="Name2">
+        <dgm:if name="Name3" axis="self" ptType="node" func="revPos" op="equ" val="1">
+          <dgm:layoutNode name="boxAndChildren">
+            <dgm:alg type="composite"/>
+            <dgm:shape xmlns:r="http://schemas.openxmlformats.org/officeDocument/2006/relationships" r:blip="">
+              <dgm:adjLst/>
+            </dgm:shape>
+            <dgm:presOf/>
+            <dgm:choose name="Name4">
+              <dgm:if name="Name5" axis="ch" ptType="node" func="cnt" op="gte" val="1">
+                <dgm:constrLst>
+                  <dgm:constr type="w" for="ch" forName="parentTextBox" refType="w"/>
+                  <dgm:constr type="h" for="ch" forName="parentTextBox" refType="h" fact="0.54"/>
+                  <dgm:constr type="t" for="ch" forName="parentTextBox"/>
+                  <dgm:constr type="w" for="ch" forName="entireBox" refType="w"/>
+                  <dgm:constr type="h" for="ch" forName="entireBox" refType="h"/>
+                  <dgm:constr type="w" for="ch" forName="descendantBox" refType="w"/>
+                  <dgm:constr type="b" for="ch" forName="descendantBox" refType="h" fact="0.98"/>
+                  <dgm:constr type="h" for="ch" forName="descendantBox" refType="h" fact="0.46"/>
+                </dgm:constrLst>
+              </dgm:if>
+              <dgm:else name="Name6">
+                <dgm:constrLst>
+                  <dgm:constr type="w" for="ch" forName="parentTextBox" refType="w"/>
+                  <dgm:constr type="h" for="ch" forName="parentTextBox" refType="h"/>
+                </dgm:constrLst>
+              </dgm:else>
+            </dgm:choose>
+            <dgm:ruleLst/>
+            <dgm:layoutNode name="parentTextBox">
+              <dgm:alg type="tx"/>
+              <dgm:choose name="Name7">
+                <dgm:if name="Name8" axis="ch" ptType="node" func="cnt" op="gte" val="1">
+                  <dgm:shape xmlns:r="http://schemas.openxmlformats.org/officeDocument/2006/relationships" type="rect" r:blip="" zOrderOff="1" hideGeom="1">
+                    <dgm:adjLst/>
+                  </dgm:shape>
+                </dgm:if>
+                <dgm:else name="Name9">
+                  <dgm:shape xmlns:r="http://schemas.openxmlformats.org/officeDocument/2006/relationships" type="rect" r:blip="">
+                    <dgm:adjLst/>
+                  </dgm:shape>
+                </dgm:else>
+              </dgm:choose>
+              <dgm:presOf axis="self"/>
+              <dgm:constrLst/>
+              <dgm:ruleLst>
+                <dgm:rule type="primFontSz" val="5" fact="NaN" max="NaN"/>
+              </dgm:ruleLst>
+            </dgm:layoutNode>
+            <dgm:choose name="Name10">
+              <dgm:if name="Name11" axis="ch" ptType="node" func="cnt" op="gte" val="1">
+                <dgm:layoutNode name="entireBox">
+                  <dgm:alg type="sp"/>
+                  <dgm:shape xmlns:r="http://schemas.openxmlformats.org/officeDocument/2006/relationships" type="rect" r:blip="">
+                    <dgm:adjLst/>
+                  </dgm:shape>
+                  <dgm:presOf axis="self"/>
+                  <dgm:constrLst/>
+                  <dgm:ruleLst/>
+                </dgm:layoutNode>
+                <dgm:layoutNode name="descendantBox" styleLbl="fgAccFollowNode1">
+                  <dgm:choose name="Name12">
+                    <dgm:if name="Name13" func="var" arg="dir" op="equ" val="norm">
+                      <dgm:alg type="lin"/>
+                    </dgm:if>
+                    <dgm:else name="Name14">
+                      <dgm:alg type="lin">
+                        <dgm:param type="linDir" val="fromR"/>
+                      </dgm:alg>
+                    </dgm:else>
+                  </dgm:choose>
+                  <dgm:shape xmlns:r="http://schemas.openxmlformats.org/officeDocument/2006/relationships" r:blip="">
+                    <dgm:adjLst/>
+                  </dgm:shape>
+                  <dgm:presOf/>
+                  <dgm:constrLst>
+                    <dgm:constr type="w" for="ch" forName="childTextBox" refType="w"/>
+                    <dgm:constr type="h" for="ch" forName="childTextBox" refType="h"/>
+                  </dgm:constrLst>
+                  <dgm:ruleLst/>
+                  <dgm:forEach name="Name15" axis="ch" ptType="node">
+                    <dgm:layoutNode name="childTextBox" styleLbl="fgAccFollowNode1">
+                      <dgm:varLst>
+                        <dgm:bulletEnabled val="1"/>
+                      </dgm:varLst>
+                      <dgm:alg type="tx"/>
+                      <dgm:shape xmlns:r="http://schemas.openxmlformats.org/officeDocument/2006/relationships" type="rect" r:blip="">
+                        <dgm:adjLst/>
+                      </dgm:shape>
+                      <dgm:presOf axis="desOrSelf" ptType="node"/>
+                      <dgm:constrLst>
+                        <dgm:constr type="tMarg" refType="primFontSz" fact="0.1"/>
+                        <dgm:constr type="bMarg" refType="primFontSz" fact="0.1"/>
+                      </dgm:constrLst>
+                      <dgm:ruleLst>
+                        <dgm:rule type="primFontSz" val="5" fact="NaN" max="NaN"/>
+                      </dgm:ruleLst>
+                    </dgm:layoutNode>
+                  </dgm:forEach>
+                </dgm:layoutNode>
+              </dgm:if>
+              <dgm:else name="Name16"/>
+            </dgm:choose>
+          </dgm:layoutNode>
+        </dgm:if>
+        <dgm:else name="Name17">
+          <dgm:layoutNode name="arrowAndChildren">
+            <dgm:alg type="composite"/>
+            <dgm:shape xmlns:r="http://schemas.openxmlformats.org/officeDocument/2006/relationships" r:blip="">
+              <dgm:adjLst/>
+            </dgm:shape>
+            <dgm:presOf/>
+            <dgm:choose name="Name18">
+              <dgm:if name="Name19" axis="ch" ptType="node" func="cnt" op="gte" val="1">
+                <dgm:constrLst>
+                  <dgm:constr type="w" for="ch" forName="parentTextArrow" refType="w"/>
+                  <dgm:constr type="t" for="ch" forName="parentTextArrow"/>
+                  <dgm:constr type="h" for="ch" forName="parentTextArrow" refType="h" fact="0.351"/>
+                  <dgm:constr type="w" for="ch" forName="arrow" refType="w"/>
+                  <dgm:constr type="h" for="ch" forName="arrow" refType="h"/>
+                  <dgm:constr type="w" for="ch" forName="descendantArrow" refType="w"/>
+                  <dgm:constr type="b" for="ch" forName="descendantArrow" refType="h" fact="0.65"/>
+                  <dgm:constr type="h" for="ch" forName="descendantArrow" refType="h" fact="0.299"/>
+                </dgm:constrLst>
+              </dgm:if>
+              <dgm:else name="Name20">
+                <dgm:constrLst>
+                  <dgm:constr type="w" for="ch" forName="parentTextArrow" refType="w"/>
+                  <dgm:constr type="h" for="ch" forName="parentTextArrow" refType="h"/>
+                </dgm:constrLst>
+              </dgm:else>
+            </dgm:choose>
+            <dgm:ruleLst/>
+            <dgm:layoutNode name="parentTextArrow">
+              <dgm:alg type="tx"/>
+              <dgm:choose name="Name21">
+                <dgm:if name="Name22" axis="ch" ptType="node" func="cnt" op="gte" val="1">
+                  <dgm:shape xmlns:r="http://schemas.openxmlformats.org/officeDocument/2006/relationships" type="rect" r:blip="" zOrderOff="1" hideGeom="1">
+                    <dgm:adjLst/>
+                  </dgm:shape>
+                </dgm:if>
+                <dgm:else name="Name23">
+                  <dgm:shape xmlns:r="http://schemas.openxmlformats.org/officeDocument/2006/relationships" rot="180" type="upArrowCallout" r:blip="">
+                    <dgm:adjLst/>
+                  </dgm:shape>
+                </dgm:else>
+              </dgm:choose>
+              <dgm:presOf axis="self"/>
+              <dgm:constrLst/>
+              <dgm:ruleLst>
+                <dgm:rule type="primFontSz" val="5" fact="NaN" max="NaN"/>
+              </dgm:ruleLst>
+            </dgm:layoutNode>
+            <dgm:choose name="Name24">
+              <dgm:if name="Name25" axis="ch" ptType="node" func="cnt" op="gte" val="1">
+                <dgm:layoutNode name="arrow">
+                  <dgm:alg type="sp"/>
+                  <dgm:shape xmlns:r="http://schemas.openxmlformats.org/officeDocument/2006/relationships" rot="180" type="upArrowCallout" r:blip="">
+                    <dgm:adjLst/>
+                  </dgm:shape>
+                  <dgm:presOf axis="self"/>
+                  <dgm:constrLst/>
+                  <dgm:ruleLst/>
+                </dgm:layoutNode>
+                <dgm:layoutNode name="descendantArrow">
+                  <dgm:choose name="Name26">
+                    <dgm:if name="Name27" func="var" arg="dir" op="equ" val="norm">
+                      <dgm:alg type="lin"/>
+                    </dgm:if>
+                    <dgm:else name="Name28">
+                      <dgm:alg type="lin">
+                        <dgm:param type="linDir" val="fromR"/>
+                      </dgm:alg>
+                    </dgm:else>
+                  </dgm:choose>
+                  <dgm:shape xmlns:r="http://schemas.openxmlformats.org/officeDocument/2006/relationships" r:blip="">
+                    <dgm:adjLst/>
+                  </dgm:shape>
+                  <dgm:presOf/>
+                  <dgm:constrLst>
+                    <dgm:constr type="w" for="ch" forName="childTextArrow" refType="w"/>
+                    <dgm:constr type="h" for="ch" forName="childTextArrow" refType="h"/>
+                  </dgm:constrLst>
+                  <dgm:ruleLst/>
+                  <dgm:forEach name="Name29" axis="ch" ptType="node">
+                    <dgm:layoutNode name="childTextArrow" styleLbl="fgAccFollowNode1">
+                      <dgm:varLst>
+                        <dgm:bulletEnabled val="1"/>
+                      </dgm:varLst>
+                      <dgm:alg type="tx"/>
+                      <dgm:shape xmlns:r="http://schemas.openxmlformats.org/officeDocument/2006/relationships" type="rect" r:blip="">
+                        <dgm:adjLst/>
+                      </dgm:shape>
+                      <dgm:presOf axis="desOrSelf" ptType="node"/>
+                      <dgm:constrLst>
+                        <dgm:constr type="tMarg" refType="primFontSz" fact="0.1"/>
+                        <dgm:constr type="bMarg" refType="primFontSz" fact="0.1"/>
+                      </dgm:constrLst>
+                      <dgm:ruleLst>
+                        <dgm:rule type="primFontSz" val="5" fact="NaN" max="NaN"/>
+                      </dgm:ruleLst>
+                    </dgm:layoutNode>
+                  </dgm:forEach>
+                </dgm:layoutNode>
+              </dgm:if>
+              <dgm:else name="Name30"/>
+            </dgm:choose>
+          </dgm:layoutNode>
+        </dgm:else>
+      </dgm:choose>
+      <dgm:forEach name="Name31" axis="precedSib" ptType="sibTrans" st="-1" cnt="1">
+        <dgm:layoutNode name="sp">
+          <dgm:alg type="sp"/>
+          <dgm:shape xmlns:r="http://schemas.openxmlformats.org/officeDocument/2006/relationships" r:blip="">
+            <dgm:adjLst/>
+          </dgm:shape>
+          <dgm:presOf axis="self"/>
+          <dgm:constrLst/>
+          <dgm:ruleLst/>
+        </dgm:layoutNode>
+      </dgm:forEach>
+    </dgm:forEach>
+  </dgm:layoutNode>
+</dgm:layoutDef>
+</file>
+
 <file path=ppt/diagrams/quickStyle1.xml><?xml version="1.0" encoding="utf-8"?>
 <dgm:styleDef xmlns:dgm="http://schemas.openxmlformats.org/drawingml/2006/diagram" xmlns:a="http://schemas.openxmlformats.org/drawingml/2006/main" uniqueId="urn:microsoft.com/office/officeart/2005/8/quickstyle/simple2">
   <dgm:title val=""/>
@@ -8562,6 +10193,1040 @@
 </file>
 
 <file path=ppt/diagrams/quickStyle3.xml><?xml version="1.0" encoding="utf-8"?>
+<dgm:styleDef xmlns:dgm="http://schemas.openxmlformats.org/drawingml/2006/diagram" xmlns:a="http://schemas.openxmlformats.org/drawingml/2006/main" uniqueId="urn:microsoft.com/office/officeart/2005/8/quickstyle/simple2">
+  <dgm:title val=""/>
+  <dgm:desc val=""/>
+  <dgm:catLst>
+    <dgm:cat type="simple" pri="10200"/>
+  </dgm:catLst>
+  <dgm:scene3d>
+    <a:camera prst="orthographicFront"/>
+    <a:lightRig rig="threePt" dir="t"/>
+  </dgm:scene3d>
+  <dgm:styleLbl name="node0">
+    <dgm:scene3d>
+      <a:camera prst="orthographicFront"/>
+      <a:lightRig rig="threePt" dir="t"/>
+    </dgm:scene3d>
+    <dgm:sp3d/>
+    <dgm:txPr/>
+    <dgm:style>
+      <a:lnRef idx="3">
+        <a:scrgbClr r="0" g="0" b="0"/>
+      </a:lnRef>
+      <a:fillRef idx="1">
+        <a:scrgbClr r="0" g="0" b="0"/>
+      </a:fillRef>
+      <a:effectRef idx="1">
+        <a:scrgbClr r="0" g="0" b="0"/>
+      </a:effectRef>
+      <a:fontRef idx="minor">
+        <a:schemeClr val="lt1"/>
+      </a:fontRef>
+    </dgm:style>
+  </dgm:styleLbl>
+  <dgm:styleLbl name="lnNode1">
+    <dgm:scene3d>
+      <a:camera prst="orthographicFront"/>
+      <a:lightRig rig="threePt" dir="t"/>
+    </dgm:scene3d>
+    <dgm:sp3d/>
+    <dgm:txPr/>
+    <dgm:style>
+      <a:lnRef idx="3">
+        <a:scrgbClr r="0" g="0" b="0"/>
+      </a:lnRef>
+      <a:fillRef idx="1">
+        <a:scrgbClr r="0" g="0" b="0"/>
+      </a:fillRef>
+      <a:effectRef idx="1">
+        <a:scrgbClr r="0" g="0" b="0"/>
+      </a:effectRef>
+      <a:fontRef idx="minor">
+        <a:schemeClr val="lt1"/>
+      </a:fontRef>
+    </dgm:style>
+  </dgm:styleLbl>
+  <dgm:styleLbl name="vennNode1">
+    <dgm:scene3d>
+      <a:camera prst="orthographicFront"/>
+      <a:lightRig rig="threePt" dir="t"/>
+    </dgm:scene3d>
+    <dgm:sp3d/>
+    <dgm:txPr/>
+    <dgm:style>
+      <a:lnRef idx="3">
+        <a:scrgbClr r="0" g="0" b="0"/>
+      </a:lnRef>
+      <a:fillRef idx="1">
+        <a:scrgbClr r="0" g="0" b="0"/>
+      </a:fillRef>
+      <a:effectRef idx="0">
+        <a:scrgbClr r="0" g="0" b="0"/>
+      </a:effectRef>
+      <a:fontRef idx="minor">
+        <a:schemeClr val="tx1"/>
+      </a:fontRef>
+    </dgm:style>
+  </dgm:styleLbl>
+  <dgm:styleLbl name="alignNode1">
+    <dgm:scene3d>
+      <a:camera prst="orthographicFront"/>
+      <a:lightRig rig="threePt" dir="t"/>
+    </dgm:scene3d>
+    <dgm:sp3d/>
+    <dgm:txPr/>
+    <dgm:style>
+      <a:lnRef idx="2">
+        <a:scrgbClr r="0" g="0" b="0"/>
+      </a:lnRef>
+      <a:fillRef idx="1">
+        <a:scrgbClr r="0" g="0" b="0"/>
+      </a:fillRef>
+      <a:effectRef idx="1">
+        <a:scrgbClr r="0" g="0" b="0"/>
+      </a:effectRef>
+      <a:fontRef idx="minor">
+        <a:schemeClr val="lt1"/>
+      </a:fontRef>
+    </dgm:style>
+  </dgm:styleLbl>
+  <dgm:styleLbl name="node1">
+    <dgm:scene3d>
+      <a:camera prst="orthographicFront"/>
+      <a:lightRig rig="threePt" dir="t"/>
+    </dgm:scene3d>
+    <dgm:sp3d/>
+    <dgm:txPr/>
+    <dgm:style>
+      <a:lnRef idx="3">
+        <a:scrgbClr r="0" g="0" b="0"/>
+      </a:lnRef>
+      <a:fillRef idx="1">
+        <a:scrgbClr r="0" g="0" b="0"/>
+      </a:fillRef>
+      <a:effectRef idx="1">
+        <a:scrgbClr r="0" g="0" b="0"/>
+      </a:effectRef>
+      <a:fontRef idx="minor">
+        <a:schemeClr val="lt1"/>
+      </a:fontRef>
+    </dgm:style>
+  </dgm:styleLbl>
+  <dgm:styleLbl name="node2">
+    <dgm:scene3d>
+      <a:camera prst="orthographicFront"/>
+      <a:lightRig rig="threePt" dir="t"/>
+    </dgm:scene3d>
+    <dgm:sp3d/>
+    <dgm:txPr/>
+    <dgm:style>
+      <a:lnRef idx="3">
+        <a:scrgbClr r="0" g="0" b="0"/>
+      </a:lnRef>
+      <a:fillRef idx="1">
+        <a:scrgbClr r="0" g="0" b="0"/>
+      </a:fillRef>
+      <a:effectRef idx="1">
+        <a:scrgbClr r="0" g="0" b="0"/>
+      </a:effectRef>
+      <a:fontRef idx="minor">
+        <a:schemeClr val="lt1"/>
+      </a:fontRef>
+    </dgm:style>
+  </dgm:styleLbl>
+  <dgm:styleLbl name="node3">
+    <dgm:scene3d>
+      <a:camera prst="orthographicFront"/>
+      <a:lightRig rig="threePt" dir="t"/>
+    </dgm:scene3d>
+    <dgm:sp3d/>
+    <dgm:txPr/>
+    <dgm:style>
+      <a:lnRef idx="3">
+        <a:scrgbClr r="0" g="0" b="0"/>
+      </a:lnRef>
+      <a:fillRef idx="1">
+        <a:scrgbClr r="0" g="0" b="0"/>
+      </a:fillRef>
+      <a:effectRef idx="1">
+        <a:scrgbClr r="0" g="0" b="0"/>
+      </a:effectRef>
+      <a:fontRef idx="minor">
+        <a:schemeClr val="lt1"/>
+      </a:fontRef>
+    </dgm:style>
+  </dgm:styleLbl>
+  <dgm:styleLbl name="node4">
+    <dgm:scene3d>
+      <a:camera prst="orthographicFront"/>
+      <a:lightRig rig="threePt" dir="t"/>
+    </dgm:scene3d>
+    <dgm:sp3d/>
+    <dgm:txPr/>
+    <dgm:style>
+      <a:lnRef idx="3">
+        <a:scrgbClr r="0" g="0" b="0"/>
+      </a:lnRef>
+      <a:fillRef idx="1">
+        <a:scrgbClr r="0" g="0" b="0"/>
+      </a:fillRef>
+      <a:effectRef idx="1">
+        <a:scrgbClr r="0" g="0" b="0"/>
+      </a:effectRef>
+      <a:fontRef idx="minor">
+        <a:schemeClr val="lt1"/>
+      </a:fontRef>
+    </dgm:style>
+  </dgm:styleLbl>
+  <dgm:styleLbl name="fgImgPlace1">
+    <dgm:scene3d>
+      <a:camera prst="orthographicFront"/>
+      <a:lightRig rig="threePt" dir="t"/>
+    </dgm:scene3d>
+    <dgm:sp3d/>
+    <dgm:txPr/>
+    <dgm:style>
+      <a:lnRef idx="3">
+        <a:scrgbClr r="0" g="0" b="0"/>
+      </a:lnRef>
+      <a:fillRef idx="1">
+        <a:scrgbClr r="0" g="0" b="0"/>
+      </a:fillRef>
+      <a:effectRef idx="1">
+        <a:scrgbClr r="0" g="0" b="0"/>
+      </a:effectRef>
+      <a:fontRef idx="minor"/>
+    </dgm:style>
+  </dgm:styleLbl>
+  <dgm:styleLbl name="alignImgPlace1">
+    <dgm:scene3d>
+      <a:camera prst="orthographicFront"/>
+      <a:lightRig rig="threePt" dir="t"/>
+    </dgm:scene3d>
+    <dgm:sp3d/>
+    <dgm:txPr/>
+    <dgm:style>
+      <a:lnRef idx="3">
+        <a:scrgbClr r="0" g="0" b="0"/>
+      </a:lnRef>
+      <a:fillRef idx="1">
+        <a:scrgbClr r="0" g="0" b="0"/>
+      </a:fillRef>
+      <a:effectRef idx="1">
+        <a:scrgbClr r="0" g="0" b="0"/>
+      </a:effectRef>
+      <a:fontRef idx="minor"/>
+    </dgm:style>
+  </dgm:styleLbl>
+  <dgm:styleLbl name="bgImgPlace1">
+    <dgm:scene3d>
+      <a:camera prst="orthographicFront"/>
+      <a:lightRig rig="threePt" dir="t"/>
+    </dgm:scene3d>
+    <dgm:sp3d/>
+    <dgm:txPr/>
+    <dgm:style>
+      <a:lnRef idx="3">
+        <a:scrgbClr r="0" g="0" b="0"/>
+      </a:lnRef>
+      <a:fillRef idx="1">
+        <a:scrgbClr r="0" g="0" b="0"/>
+      </a:fillRef>
+      <a:effectRef idx="1">
+        <a:scrgbClr r="0" g="0" b="0"/>
+      </a:effectRef>
+      <a:fontRef idx="minor"/>
+    </dgm:style>
+  </dgm:styleLbl>
+  <dgm:styleLbl name="sibTrans2D1">
+    <dgm:scene3d>
+      <a:camera prst="orthographicFront"/>
+      <a:lightRig rig="threePt" dir="t"/>
+    </dgm:scene3d>
+    <dgm:sp3d/>
+    <dgm:txPr/>
+    <dgm:style>
+      <a:lnRef idx="0">
+        <a:scrgbClr r="0" g="0" b="0"/>
+      </a:lnRef>
+      <a:fillRef idx="1">
+        <a:scrgbClr r="0" g="0" b="0"/>
+      </a:fillRef>
+      <a:effectRef idx="1">
+        <a:scrgbClr r="0" g="0" b="0"/>
+      </a:effectRef>
+      <a:fontRef idx="minor">
+        <a:schemeClr val="lt1"/>
+      </a:fontRef>
+    </dgm:style>
+  </dgm:styleLbl>
+  <dgm:styleLbl name="fgSibTrans2D1">
+    <dgm:scene3d>
+      <a:camera prst="orthographicFront"/>
+      <a:lightRig rig="threePt" dir="t"/>
+    </dgm:scene3d>
+    <dgm:sp3d/>
+    <dgm:txPr/>
+    <dgm:style>
+      <a:lnRef idx="0">
+        <a:scrgbClr r="0" g="0" b="0"/>
+      </a:lnRef>
+      <a:fillRef idx="1">
+        <a:scrgbClr r="0" g="0" b="0"/>
+      </a:fillRef>
+      <a:effectRef idx="1">
+        <a:scrgbClr r="0" g="0" b="0"/>
+      </a:effectRef>
+      <a:fontRef idx="minor">
+        <a:schemeClr val="lt1"/>
+      </a:fontRef>
+    </dgm:style>
+  </dgm:styleLbl>
+  <dgm:styleLbl name="bgSibTrans2D1">
+    <dgm:scene3d>
+      <a:camera prst="orthographicFront"/>
+      <a:lightRig rig="threePt" dir="t"/>
+    </dgm:scene3d>
+    <dgm:sp3d/>
+    <dgm:txPr/>
+    <dgm:style>
+      <a:lnRef idx="0">
+        <a:scrgbClr r="0" g="0" b="0"/>
+      </a:lnRef>
+      <a:fillRef idx="1">
+        <a:scrgbClr r="0" g="0" b="0"/>
+      </a:fillRef>
+      <a:effectRef idx="1">
+        <a:scrgbClr r="0" g="0" b="0"/>
+      </a:effectRef>
+      <a:fontRef idx="minor">
+        <a:schemeClr val="lt1"/>
+      </a:fontRef>
+    </dgm:style>
+  </dgm:styleLbl>
+  <dgm:styleLbl name="sibTrans1D1">
+    <dgm:scene3d>
+      <a:camera prst="orthographicFront"/>
+      <a:lightRig rig="threePt" dir="t"/>
+    </dgm:scene3d>
+    <dgm:sp3d/>
+    <dgm:txPr/>
+    <dgm:style>
+      <a:lnRef idx="1">
+        <a:scrgbClr r="0" g="0" b="0"/>
+      </a:lnRef>
+      <a:fillRef idx="0">
+        <a:scrgbClr r="0" g="0" b="0"/>
+      </a:fillRef>
+      <a:effectRef idx="0">
+        <a:scrgbClr r="0" g="0" b="0"/>
+      </a:effectRef>
+      <a:fontRef idx="minor"/>
+    </dgm:style>
+  </dgm:styleLbl>
+  <dgm:styleLbl name="callout">
+    <dgm:scene3d>
+      <a:camera prst="orthographicFront"/>
+      <a:lightRig rig="threePt" dir="t"/>
+    </dgm:scene3d>
+    <dgm:sp3d/>
+    <dgm:txPr/>
+    <dgm:style>
+      <a:lnRef idx="2">
+        <a:scrgbClr r="0" g="0" b="0"/>
+      </a:lnRef>
+      <a:fillRef idx="1">
+        <a:scrgbClr r="0" g="0" b="0"/>
+      </a:fillRef>
+      <a:effectRef idx="1">
+        <a:scrgbClr r="0" g="0" b="0"/>
+      </a:effectRef>
+      <a:fontRef idx="minor"/>
+    </dgm:style>
+  </dgm:styleLbl>
+  <dgm:styleLbl name="asst0">
+    <dgm:scene3d>
+      <a:camera prst="orthographicFront"/>
+      <a:lightRig rig="threePt" dir="t"/>
+    </dgm:scene3d>
+    <dgm:sp3d/>
+    <dgm:txPr/>
+    <dgm:style>
+      <a:lnRef idx="3">
+        <a:scrgbClr r="0" g="0" b="0"/>
+      </a:lnRef>
+      <a:fillRef idx="1">
+        <a:scrgbClr r="0" g="0" b="0"/>
+      </a:fillRef>
+      <a:effectRef idx="1">
+        <a:scrgbClr r="0" g="0" b="0"/>
+      </a:effectRef>
+      <a:fontRef idx="minor">
+        <a:schemeClr val="lt1"/>
+      </a:fontRef>
+    </dgm:style>
+  </dgm:styleLbl>
+  <dgm:styleLbl name="asst1">
+    <dgm:scene3d>
+      <a:camera prst="orthographicFront"/>
+      <a:lightRig rig="threePt" dir="t"/>
+    </dgm:scene3d>
+    <dgm:sp3d/>
+    <dgm:txPr/>
+    <dgm:style>
+      <a:lnRef idx="3">
+        <a:scrgbClr r="0" g="0" b="0"/>
+      </a:lnRef>
+      <a:fillRef idx="1">
+        <a:scrgbClr r="0" g="0" b="0"/>
+      </a:fillRef>
+      <a:effectRef idx="1">
+        <a:scrgbClr r="0" g="0" b="0"/>
+      </a:effectRef>
+      <a:fontRef idx="minor">
+        <a:schemeClr val="lt1"/>
+      </a:fontRef>
+    </dgm:style>
+  </dgm:styleLbl>
+  <dgm:styleLbl name="asst2">
+    <dgm:scene3d>
+      <a:camera prst="orthographicFront"/>
+      <a:lightRig rig="threePt" dir="t"/>
+    </dgm:scene3d>
+    <dgm:sp3d/>
+    <dgm:txPr/>
+    <dgm:style>
+      <a:lnRef idx="3">
+        <a:scrgbClr r="0" g="0" b="0"/>
+      </a:lnRef>
+      <a:fillRef idx="1">
+        <a:scrgbClr r="0" g="0" b="0"/>
+      </a:fillRef>
+      <a:effectRef idx="1">
+        <a:scrgbClr r="0" g="0" b="0"/>
+      </a:effectRef>
+      <a:fontRef idx="minor">
+        <a:schemeClr val="lt1"/>
+      </a:fontRef>
+    </dgm:style>
+  </dgm:styleLbl>
+  <dgm:styleLbl name="asst3">
+    <dgm:scene3d>
+      <a:camera prst="orthographicFront"/>
+      <a:lightRig rig="threePt" dir="t"/>
+    </dgm:scene3d>
+    <dgm:sp3d/>
+    <dgm:txPr/>
+    <dgm:style>
+      <a:lnRef idx="3">
+        <a:scrgbClr r="0" g="0" b="0"/>
+      </a:lnRef>
+      <a:fillRef idx="1">
+        <a:scrgbClr r="0" g="0" b="0"/>
+      </a:fillRef>
+      <a:effectRef idx="1">
+        <a:scrgbClr r="0" g="0" b="0"/>
+      </a:effectRef>
+      <a:fontRef idx="minor">
+        <a:schemeClr val="lt1"/>
+      </a:fontRef>
+    </dgm:style>
+  </dgm:styleLbl>
+  <dgm:styleLbl name="asst4">
+    <dgm:scene3d>
+      <a:camera prst="orthographicFront"/>
+      <a:lightRig rig="threePt" dir="t"/>
+    </dgm:scene3d>
+    <dgm:sp3d/>
+    <dgm:txPr/>
+    <dgm:style>
+      <a:lnRef idx="3">
+        <a:scrgbClr r="0" g="0" b="0"/>
+      </a:lnRef>
+      <a:fillRef idx="1">
+        <a:scrgbClr r="0" g="0" b="0"/>
+      </a:fillRef>
+      <a:effectRef idx="1">
+        <a:scrgbClr r="0" g="0" b="0"/>
+      </a:effectRef>
+      <a:fontRef idx="minor">
+        <a:schemeClr val="lt1"/>
+      </a:fontRef>
+    </dgm:style>
+  </dgm:styleLbl>
+  <dgm:styleLbl name="parChTrans2D1">
+    <dgm:scene3d>
+      <a:camera prst="orthographicFront"/>
+      <a:lightRig rig="threePt" dir="t"/>
+    </dgm:scene3d>
+    <dgm:sp3d/>
+    <dgm:txPr/>
+    <dgm:style>
+      <a:lnRef idx="3">
+        <a:scrgbClr r="0" g="0" b="0"/>
+      </a:lnRef>
+      <a:fillRef idx="1">
+        <a:scrgbClr r="0" g="0" b="0"/>
+      </a:fillRef>
+      <a:effectRef idx="1">
+        <a:scrgbClr r="0" g="0" b="0"/>
+      </a:effectRef>
+      <a:fontRef idx="minor">
+        <a:schemeClr val="lt1"/>
+      </a:fontRef>
+    </dgm:style>
+  </dgm:styleLbl>
+  <dgm:styleLbl name="parChTrans2D2">
+    <dgm:scene3d>
+      <a:camera prst="orthographicFront"/>
+      <a:lightRig rig="threePt" dir="t"/>
+    </dgm:scene3d>
+    <dgm:sp3d/>
+    <dgm:txPr/>
+    <dgm:style>
+      <a:lnRef idx="3">
+        <a:scrgbClr r="0" g="0" b="0"/>
+      </a:lnRef>
+      <a:fillRef idx="1">
+        <a:scrgbClr r="0" g="0" b="0"/>
+      </a:fillRef>
+      <a:effectRef idx="1">
+        <a:scrgbClr r="0" g="0" b="0"/>
+      </a:effectRef>
+      <a:fontRef idx="minor">
+        <a:schemeClr val="lt1"/>
+      </a:fontRef>
+    </dgm:style>
+  </dgm:styleLbl>
+  <dgm:styleLbl name="parChTrans2D3">
+    <dgm:scene3d>
+      <a:camera prst="orthographicFront"/>
+      <a:lightRig rig="threePt" dir="t"/>
+    </dgm:scene3d>
+    <dgm:sp3d/>
+    <dgm:txPr/>
+    <dgm:style>
+      <a:lnRef idx="3">
+        <a:scrgbClr r="0" g="0" b="0"/>
+      </a:lnRef>
+      <a:fillRef idx="1">
+        <a:scrgbClr r="0" g="0" b="0"/>
+      </a:fillRef>
+      <a:effectRef idx="1">
+        <a:scrgbClr r="0" g="0" b="0"/>
+      </a:effectRef>
+      <a:fontRef idx="minor">
+        <a:schemeClr val="lt1"/>
+      </a:fontRef>
+    </dgm:style>
+  </dgm:styleLbl>
+  <dgm:styleLbl name="parChTrans2D4">
+    <dgm:scene3d>
+      <a:camera prst="orthographicFront"/>
+      <a:lightRig rig="threePt" dir="t"/>
+    </dgm:scene3d>
+    <dgm:sp3d/>
+    <dgm:txPr/>
+    <dgm:style>
+      <a:lnRef idx="3">
+        <a:scrgbClr r="0" g="0" b="0"/>
+      </a:lnRef>
+      <a:fillRef idx="1">
+        <a:scrgbClr r="0" g="0" b="0"/>
+      </a:fillRef>
+      <a:effectRef idx="1">
+        <a:scrgbClr r="0" g="0" b="0"/>
+      </a:effectRef>
+      <a:fontRef idx="minor">
+        <a:schemeClr val="lt1"/>
+      </a:fontRef>
+    </dgm:style>
+  </dgm:styleLbl>
+  <dgm:styleLbl name="parChTrans1D1">
+    <dgm:scene3d>
+      <a:camera prst="orthographicFront"/>
+      <a:lightRig rig="threePt" dir="t"/>
+    </dgm:scene3d>
+    <dgm:sp3d/>
+    <dgm:txPr/>
+    <dgm:style>
+      <a:lnRef idx="2">
+        <a:scrgbClr r="0" g="0" b="0"/>
+      </a:lnRef>
+      <a:fillRef idx="0">
+        <a:scrgbClr r="0" g="0" b="0"/>
+      </a:fillRef>
+      <a:effectRef idx="0">
+        <a:scrgbClr r="0" g="0" b="0"/>
+      </a:effectRef>
+      <a:fontRef idx="minor"/>
+    </dgm:style>
+  </dgm:styleLbl>
+  <dgm:styleLbl name="parChTrans1D2">
+    <dgm:scene3d>
+      <a:camera prst="orthographicFront"/>
+      <a:lightRig rig="threePt" dir="t"/>
+    </dgm:scene3d>
+    <dgm:sp3d/>
+    <dgm:txPr/>
+    <dgm:style>
+      <a:lnRef idx="2">
+        <a:scrgbClr r="0" g="0" b="0"/>
+      </a:lnRef>
+      <a:fillRef idx="0">
+        <a:scrgbClr r="0" g="0" b="0"/>
+      </a:fillRef>
+      <a:effectRef idx="0">
+        <a:scrgbClr r="0" g="0" b="0"/>
+      </a:effectRef>
+      <a:fontRef idx="minor"/>
+    </dgm:style>
+  </dgm:styleLbl>
+  <dgm:styleLbl name="parChTrans1D3">
+    <dgm:scene3d>
+      <a:camera prst="orthographicFront"/>
+      <a:lightRig rig="threePt" dir="t"/>
+    </dgm:scene3d>
+    <dgm:sp3d/>
+    <dgm:txPr/>
+    <dgm:style>
+      <a:lnRef idx="2">
+        <a:scrgbClr r="0" g="0" b="0"/>
+      </a:lnRef>
+      <a:fillRef idx="0">
+        <a:scrgbClr r="0" g="0" b="0"/>
+      </a:fillRef>
+      <a:effectRef idx="0">
+        <a:scrgbClr r="0" g="0" b="0"/>
+      </a:effectRef>
+      <a:fontRef idx="minor"/>
+    </dgm:style>
+  </dgm:styleLbl>
+  <dgm:styleLbl name="parChTrans1D4">
+    <dgm:scene3d>
+      <a:camera prst="orthographicFront"/>
+      <a:lightRig rig="threePt" dir="t"/>
+    </dgm:scene3d>
+    <dgm:sp3d/>
+    <dgm:txPr/>
+    <dgm:style>
+      <a:lnRef idx="2">
+        <a:scrgbClr r="0" g="0" b="0"/>
+      </a:lnRef>
+      <a:fillRef idx="0">
+        <a:scrgbClr r="0" g="0" b="0"/>
+      </a:fillRef>
+      <a:effectRef idx="0">
+        <a:scrgbClr r="0" g="0" b="0"/>
+      </a:effectRef>
+      <a:fontRef idx="minor"/>
+    </dgm:style>
+  </dgm:styleLbl>
+  <dgm:styleLbl name="fgAcc1">
+    <dgm:scene3d>
+      <a:camera prst="orthographicFront"/>
+      <a:lightRig rig="threePt" dir="t"/>
+    </dgm:scene3d>
+    <dgm:sp3d/>
+    <dgm:txPr/>
+    <dgm:style>
+      <a:lnRef idx="2">
+        <a:scrgbClr r="0" g="0" b="0"/>
+      </a:lnRef>
+      <a:fillRef idx="1">
+        <a:scrgbClr r="0" g="0" b="0"/>
+      </a:fillRef>
+      <a:effectRef idx="0">
+        <a:scrgbClr r="0" g="0" b="0"/>
+      </a:effectRef>
+      <a:fontRef idx="minor"/>
+    </dgm:style>
+  </dgm:styleLbl>
+  <dgm:styleLbl name="conFgAcc1">
+    <dgm:scene3d>
+      <a:camera prst="orthographicFront"/>
+      <a:lightRig rig="threePt" dir="t"/>
+    </dgm:scene3d>
+    <dgm:sp3d/>
+    <dgm:txPr/>
+    <dgm:style>
+      <a:lnRef idx="2">
+        <a:scrgbClr r="0" g="0" b="0"/>
+      </a:lnRef>
+      <a:fillRef idx="1">
+        <a:scrgbClr r="0" g="0" b="0"/>
+      </a:fillRef>
+      <a:effectRef idx="0">
+        <a:scrgbClr r="0" g="0" b="0"/>
+      </a:effectRef>
+      <a:fontRef idx="minor"/>
+    </dgm:style>
+  </dgm:styleLbl>
+  <dgm:styleLbl name="alignAcc1">
+    <dgm:scene3d>
+      <a:camera prst="orthographicFront"/>
+      <a:lightRig rig="threePt" dir="t"/>
+    </dgm:scene3d>
+    <dgm:sp3d/>
+    <dgm:txPr/>
+    <dgm:style>
+      <a:lnRef idx="2">
+        <a:scrgbClr r="0" g="0" b="0"/>
+      </a:lnRef>
+      <a:fillRef idx="1">
+        <a:scrgbClr r="0" g="0" b="0"/>
+      </a:fillRef>
+      <a:effectRef idx="0">
+        <a:scrgbClr r="0" g="0" b="0"/>
+      </a:effectRef>
+      <a:fontRef idx="minor"/>
+    </dgm:style>
+  </dgm:styleLbl>
+  <dgm:styleLbl name="trAlignAcc1">
+    <dgm:scene3d>
+      <a:camera prst="orthographicFront"/>
+      <a:lightRig rig="threePt" dir="t"/>
+    </dgm:scene3d>
+    <dgm:sp3d/>
+    <dgm:txPr/>
+    <dgm:style>
+      <a:lnRef idx="1">
+        <a:scrgbClr r="0" g="0" b="0"/>
+      </a:lnRef>
+      <a:fillRef idx="1">
+        <a:scrgbClr r="0" g="0" b="0"/>
+      </a:fillRef>
+      <a:effectRef idx="0">
+        <a:scrgbClr r="0" g="0" b="0"/>
+      </a:effectRef>
+      <a:fontRef idx="minor"/>
+    </dgm:style>
+  </dgm:styleLbl>
+  <dgm:styleLbl name="bgAcc1">
+    <dgm:scene3d>
+      <a:camera prst="orthographicFront"/>
+      <a:lightRig rig="threePt" dir="t"/>
+    </dgm:scene3d>
+    <dgm:sp3d/>
+    <dgm:txPr/>
+    <dgm:style>
+      <a:lnRef idx="2">
+        <a:scrgbClr r="0" g="0" b="0"/>
+      </a:lnRef>
+      <a:fillRef idx="1">
+        <a:scrgbClr r="0" g="0" b="0"/>
+      </a:fillRef>
+      <a:effectRef idx="0">
+        <a:scrgbClr r="0" g="0" b="0"/>
+      </a:effectRef>
+      <a:fontRef idx="minor"/>
+    </dgm:style>
+  </dgm:styleLbl>
+  <dgm:styleLbl name="solidFgAcc1">
+    <dgm:scene3d>
+      <a:camera prst="orthographicFront"/>
+      <a:lightRig rig="threePt" dir="t"/>
+    </dgm:scene3d>
+    <dgm:sp3d/>
+    <dgm:txPr/>
+    <dgm:style>
+      <a:lnRef idx="2">
+        <a:scrgbClr r="0" g="0" b="0"/>
+      </a:lnRef>
+      <a:fillRef idx="1">
+        <a:scrgbClr r="0" g="0" b="0"/>
+      </a:fillRef>
+      <a:effectRef idx="0">
+        <a:scrgbClr r="0" g="0" b="0"/>
+      </a:effectRef>
+      <a:fontRef idx="minor"/>
+    </dgm:style>
+  </dgm:styleLbl>
+  <dgm:styleLbl name="solidAlignAcc1">
+    <dgm:scene3d>
+      <a:camera prst="orthographicFront"/>
+      <a:lightRig rig="threePt" dir="t"/>
+    </dgm:scene3d>
+    <dgm:sp3d/>
+    <dgm:txPr/>
+    <dgm:style>
+      <a:lnRef idx="2">
+        <a:scrgbClr r="0" g="0" b="0"/>
+      </a:lnRef>
+      <a:fillRef idx="1">
+        <a:scrgbClr r="0" g="0" b="0"/>
+      </a:fillRef>
+      <a:effectRef idx="0">
+        <a:scrgbClr r="0" g="0" b="0"/>
+      </a:effectRef>
+      <a:fontRef idx="minor"/>
+    </dgm:style>
+  </dgm:styleLbl>
+  <dgm:styleLbl name="solidBgAcc1">
+    <dgm:scene3d>
+      <a:camera prst="orthographicFront"/>
+      <a:lightRig rig="threePt" dir="t"/>
+    </dgm:scene3d>
+    <dgm:sp3d/>
+    <dgm:txPr/>
+    <dgm:style>
+      <a:lnRef idx="2">
+        <a:scrgbClr r="0" g="0" b="0"/>
+      </a:lnRef>
+      <a:fillRef idx="1">
+        <a:scrgbClr r="0" g="0" b="0"/>
+      </a:fillRef>
+      <a:effectRef idx="0">
+        <a:scrgbClr r="0" g="0" b="0"/>
+      </a:effectRef>
+      <a:fontRef idx="minor"/>
+    </dgm:style>
+  </dgm:styleLbl>
+  <dgm:styleLbl name="fgAccFollowNode1">
+    <dgm:scene3d>
+      <a:camera prst="orthographicFront"/>
+      <a:lightRig rig="threePt" dir="t"/>
+    </dgm:scene3d>
+    <dgm:sp3d/>
+    <dgm:txPr/>
+    <dgm:style>
+      <a:lnRef idx="2">
+        <a:scrgbClr r="0" g="0" b="0"/>
+      </a:lnRef>
+      <a:fillRef idx="1">
+        <a:scrgbClr r="0" g="0" b="0"/>
+      </a:fillRef>
+      <a:effectRef idx="0">
+        <a:scrgbClr r="0" g="0" b="0"/>
+      </a:effectRef>
+      <a:fontRef idx="minor"/>
+    </dgm:style>
+  </dgm:styleLbl>
+  <dgm:styleLbl name="alignAccFollowNode1">
+    <dgm:scene3d>
+      <a:camera prst="orthographicFront"/>
+      <a:lightRig rig="threePt" dir="t"/>
+    </dgm:scene3d>
+    <dgm:sp3d/>
+    <dgm:txPr/>
+    <dgm:style>
+      <a:lnRef idx="2">
+        <a:scrgbClr r="0" g="0" b="0"/>
+      </a:lnRef>
+      <a:fillRef idx="1">
+        <a:scrgbClr r="0" g="0" b="0"/>
+      </a:fillRef>
+      <a:effectRef idx="0">
+        <a:scrgbClr r="0" g="0" b="0"/>
+      </a:effectRef>
+      <a:fontRef idx="minor"/>
+    </dgm:style>
+  </dgm:styleLbl>
+  <dgm:styleLbl name="bgAccFollowNode1">
+    <dgm:scene3d>
+      <a:camera prst="orthographicFront"/>
+      <a:lightRig rig="threePt" dir="t"/>
+    </dgm:scene3d>
+    <dgm:sp3d/>
+    <dgm:txPr/>
+    <dgm:style>
+      <a:lnRef idx="2">
+        <a:scrgbClr r="0" g="0" b="0"/>
+      </a:lnRef>
+      <a:fillRef idx="1">
+        <a:scrgbClr r="0" g="0" b="0"/>
+      </a:fillRef>
+      <a:effectRef idx="0">
+        <a:scrgbClr r="0" g="0" b="0"/>
+      </a:effectRef>
+      <a:fontRef idx="minor"/>
+    </dgm:style>
+  </dgm:styleLbl>
+  <dgm:styleLbl name="fgAcc0">
+    <dgm:scene3d>
+      <a:camera prst="orthographicFront"/>
+      <a:lightRig rig="threePt" dir="t"/>
+    </dgm:scene3d>
+    <dgm:sp3d/>
+    <dgm:txPr/>
+    <dgm:style>
+      <a:lnRef idx="2">
+        <a:scrgbClr r="0" g="0" b="0"/>
+      </a:lnRef>
+      <a:fillRef idx="1">
+        <a:scrgbClr r="0" g="0" b="0"/>
+      </a:fillRef>
+      <a:effectRef idx="0">
+        <a:scrgbClr r="0" g="0" b="0"/>
+      </a:effectRef>
+      <a:fontRef idx="minor"/>
+    </dgm:style>
+  </dgm:styleLbl>
+  <dgm:styleLbl name="fgAcc2">
+    <dgm:scene3d>
+      <a:camera prst="orthographicFront"/>
+      <a:lightRig rig="threePt" dir="t"/>
+    </dgm:scene3d>
+    <dgm:sp3d/>
+    <dgm:txPr/>
+    <dgm:style>
+      <a:lnRef idx="2">
+        <a:scrgbClr r="0" g="0" b="0"/>
+      </a:lnRef>
+      <a:fillRef idx="1">
+        <a:scrgbClr r="0" g="0" b="0"/>
+      </a:fillRef>
+      <a:effectRef idx="0">
+        <a:scrgbClr r="0" g="0" b="0"/>
+      </a:effectRef>
+      <a:fontRef idx="minor"/>
+    </dgm:style>
+  </dgm:styleLbl>
+  <dgm:styleLbl name="fgAcc3">
+    <dgm:scene3d>
+      <a:camera prst="orthographicFront"/>
+      <a:lightRig rig="threePt" dir="t"/>
+    </dgm:scene3d>
+    <dgm:sp3d/>
+    <dgm:txPr/>
+    <dgm:style>
+      <a:lnRef idx="2">
+        <a:scrgbClr r="0" g="0" b="0"/>
+      </a:lnRef>
+      <a:fillRef idx="1">
+        <a:scrgbClr r="0" g="0" b="0"/>
+      </a:fillRef>
+      <a:effectRef idx="0">
+        <a:scrgbClr r="0" g="0" b="0"/>
+      </a:effectRef>
+      <a:fontRef idx="minor"/>
+    </dgm:style>
+  </dgm:styleLbl>
+  <dgm:styleLbl name="fgAcc4">
+    <dgm:scene3d>
+      <a:camera prst="orthographicFront"/>
+      <a:lightRig rig="threePt" dir="t"/>
+    </dgm:scene3d>
+    <dgm:sp3d/>
+    <dgm:txPr/>
+    <dgm:style>
+      <a:lnRef idx="2">
+        <a:scrgbClr r="0" g="0" b="0"/>
+      </a:lnRef>
+      <a:fillRef idx="1">
+        <a:scrgbClr r="0" g="0" b="0"/>
+      </a:fillRef>
+      <a:effectRef idx="0">
+        <a:scrgbClr r="0" g="0" b="0"/>
+      </a:effectRef>
+      <a:fontRef idx="minor"/>
+    </dgm:style>
+  </dgm:styleLbl>
+  <dgm:styleLbl name="bgShp">
+    <dgm:scene3d>
+      <a:camera prst="orthographicFront"/>
+      <a:lightRig rig="threePt" dir="t"/>
+    </dgm:scene3d>
+    <dgm:sp3d/>
+    <dgm:txPr/>
+    <dgm:style>
+      <a:lnRef idx="0">
+        <a:scrgbClr r="0" g="0" b="0"/>
+      </a:lnRef>
+      <a:fillRef idx="1">
+        <a:scrgbClr r="0" g="0" b="0"/>
+      </a:fillRef>
+      <a:effectRef idx="0">
+        <a:scrgbClr r="0" g="0" b="0"/>
+      </a:effectRef>
+      <a:fontRef idx="minor"/>
+    </dgm:style>
+  </dgm:styleLbl>
+  <dgm:styleLbl name="dkBgShp">
+    <dgm:scene3d>
+      <a:camera prst="orthographicFront"/>
+      <a:lightRig rig="threePt" dir="t"/>
+    </dgm:scene3d>
+    <dgm:sp3d/>
+    <dgm:txPr/>
+    <dgm:style>
+      <a:lnRef idx="0">
+        <a:scrgbClr r="0" g="0" b="0"/>
+      </a:lnRef>
+      <a:fillRef idx="1">
+        <a:scrgbClr r="0" g="0" b="0"/>
+      </a:fillRef>
+      <a:effectRef idx="0">
+        <a:scrgbClr r="0" g="0" b="0"/>
+      </a:effectRef>
+      <a:fontRef idx="minor"/>
+    </dgm:style>
+  </dgm:styleLbl>
+  <dgm:styleLbl name="trBgShp">
+    <dgm:scene3d>
+      <a:camera prst="orthographicFront"/>
+      <a:lightRig rig="threePt" dir="t"/>
+    </dgm:scene3d>
+    <dgm:sp3d/>
+    <dgm:txPr/>
+    <dgm:style>
+      <a:lnRef idx="0">
+        <a:scrgbClr r="0" g="0" b="0"/>
+      </a:lnRef>
+      <a:fillRef idx="1">
+        <a:scrgbClr r="0" g="0" b="0"/>
+      </a:fillRef>
+      <a:effectRef idx="0">
+        <a:scrgbClr r="0" g="0" b="0"/>
+      </a:effectRef>
+      <a:fontRef idx="minor"/>
+    </dgm:style>
+  </dgm:styleLbl>
+  <dgm:styleLbl name="fgShp">
+    <dgm:scene3d>
+      <a:camera prst="orthographicFront"/>
+      <a:lightRig rig="threePt" dir="t"/>
+    </dgm:scene3d>
+    <dgm:sp3d/>
+    <dgm:txPr/>
+    <dgm:style>
+      <a:lnRef idx="3">
+        <a:scrgbClr r="0" g="0" b="0"/>
+      </a:lnRef>
+      <a:fillRef idx="1">
+        <a:scrgbClr r="0" g="0" b="0"/>
+      </a:fillRef>
+      <a:effectRef idx="1">
+        <a:scrgbClr r="0" g="0" b="0"/>
+      </a:effectRef>
+      <a:fontRef idx="minor"/>
+    </dgm:style>
+  </dgm:styleLbl>
+  <dgm:styleLbl name="revTx">
+    <dgm:scene3d>
+      <a:camera prst="orthographicFront"/>
+      <a:lightRig rig="threePt" dir="t"/>
+    </dgm:scene3d>
+    <dgm:sp3d/>
+    <dgm:txPr/>
+    <dgm:style>
+      <a:lnRef idx="0">
+        <a:scrgbClr r="0" g="0" b="0"/>
+      </a:lnRef>
+      <a:fillRef idx="0">
+        <a:scrgbClr r="0" g="0" b="0"/>
+      </a:fillRef>
+      <a:effectRef idx="0">
+        <a:scrgbClr r="0" g="0" b="0"/>
+      </a:effectRef>
+      <a:fontRef idx="minor"/>
+    </dgm:style>
+  </dgm:styleLbl>
+</dgm:styleDef>
+</file>
+
+<file path=ppt/diagrams/quickStyle4.xml><?xml version="1.0" encoding="utf-8"?>
 <dgm:styleDef xmlns:dgm="http://schemas.openxmlformats.org/drawingml/2006/diagram" xmlns:a="http://schemas.openxmlformats.org/drawingml/2006/main" uniqueId="urn:microsoft.com/office/officeart/2005/8/quickstyle/simple2">
   <dgm:title val=""/>
   <dgm:desc val=""/>
@@ -9983,7 +12648,7 @@
           <a:p>
             <a:pPr lvl="0"/>
             <a:fld id="{4F94452D-8B2E-460E-ACCC-B56C3D8CECF5}" type="slidenum">
-              <a:t>17</a:t>
+              <a:t>18</a:t>
             </a:fld>
             <a:endParaRPr lang="en-GB" dirty="0"/>
           </a:p>
@@ -10087,7 +12752,7 @@
           <a:p>
             <a:pPr lvl="0"/>
             <a:fld id="{0EC48DF0-F3ED-4D6D-9A17-3F10BD05F2E6}" type="slidenum">
-              <a:t>18</a:t>
+              <a:t>19</a:t>
             </a:fld>
             <a:endParaRPr lang="en-GB"/>
           </a:p>
@@ -10189,7 +12854,7 @@
           <a:p>
             <a:pPr lvl="0"/>
             <a:fld id="{DDC9E417-7D99-40E6-93CF-40159C6409E5}" type="slidenum">
-              <a:t>25</a:t>
+              <a:t>26</a:t>
             </a:fld>
             <a:endParaRPr lang="en-GB"/>
           </a:p>
@@ -10295,7 +12960,7 @@
           <a:p>
             <a:pPr lvl="0"/>
             <a:fld id="{913CF9F0-0137-498F-83FB-9E925AC6D187}" type="slidenum">
-              <a:t>27</a:t>
+              <a:t>28</a:t>
             </a:fld>
             <a:endParaRPr lang="en-GB"/>
           </a:p>
@@ -18740,6 +21405,398 @@
         </p:nvSpPr>
         <p:spPr>
           <a:xfrm>
+            <a:off x="0" y="-269875"/>
+            <a:ext cx="12192000" cy="1450975"/>
+          </a:xfrm>
+        </p:spPr>
+        <p:txBody>
+          <a:bodyPr/>
+          <a:lstStyle/>
+          <a:p>
+            <a:pPr algn="ctr"/>
+            <a:r>
+              <a:rPr lang="en-IN" dirty="0" smtClean="0">
+                <a:latin typeface="Open Sans" pitchFamily="34" charset="0"/>
+                <a:ea typeface="Open Sans" pitchFamily="34" charset="0"/>
+                <a:cs typeface="Open Sans" pitchFamily="34" charset="0"/>
+              </a:rPr>
+              <a:t>Techniques: </a:t>
+            </a:r>
+            <a:r>
+              <a:rPr lang="en-IN" dirty="0" smtClean="0">
+                <a:solidFill>
+                  <a:schemeClr val="bg1">
+                    <a:lumMod val="65000"/>
+                  </a:schemeClr>
+                </a:solidFill>
+                <a:latin typeface="Open Sans" pitchFamily="34" charset="0"/>
+                <a:ea typeface="Open Sans" pitchFamily="34" charset="0"/>
+                <a:cs typeface="Open Sans" pitchFamily="34" charset="0"/>
+              </a:rPr>
+              <a:t>MySQL</a:t>
+            </a:r>
+            <a:endParaRPr lang="en-IN" dirty="0">
+              <a:solidFill>
+                <a:schemeClr val="bg1">
+                  <a:lumMod val="65000"/>
+                </a:schemeClr>
+              </a:solidFill>
+              <a:latin typeface="Open Sans" pitchFamily="34" charset="0"/>
+              <a:ea typeface="Open Sans" pitchFamily="34" charset="0"/>
+              <a:cs typeface="Open Sans" pitchFamily="34" charset="0"/>
+            </a:endParaRPr>
+          </a:p>
+        </p:txBody>
+      </p:sp>
+      <p:graphicFrame>
+        <p:nvGraphicFramePr>
+          <p:cNvPr id="7" name="Diagram 6"/>
+          <p:cNvGraphicFramePr/>
+          <p:nvPr>
+            <p:extLst>
+              <p:ext uri="{D42A27DB-BD31-4B8C-83A1-F6EECF244321}">
+                <p14:modId xmlns:p14="http://schemas.microsoft.com/office/powerpoint/2010/main" val="72933400"/>
+              </p:ext>
+            </p:extLst>
+          </p:nvPr>
+        </p:nvGraphicFramePr>
+        <p:xfrm>
+          <a:off x="2482574" y="1497495"/>
+          <a:ext cx="7310783" cy="4492487"/>
+        </p:xfrm>
+        <a:graphic>
+          <a:graphicData uri="http://schemas.openxmlformats.org/drawingml/2006/diagram">
+            <dgm:relIds xmlns:dgm="http://schemas.openxmlformats.org/drawingml/2006/diagram" xmlns:r="http://schemas.openxmlformats.org/officeDocument/2006/relationships" r:dm="rId2" r:lo="rId3" r:qs="rId4" r:cs="rId5"/>
+          </a:graphicData>
+        </a:graphic>
+      </p:graphicFrame>
+    </p:spTree>
+    <p:extLst>
+      <p:ext uri="{BB962C8B-B14F-4D97-AF65-F5344CB8AC3E}">
+        <p14:creationId xmlns:p14="http://schemas.microsoft.com/office/powerpoint/2010/main" val="2019775461"/>
+      </p:ext>
+    </p:extLst>
+  </p:cSld>
+  <p:clrMapOvr>
+    <a:masterClrMapping/>
+  </p:clrMapOvr>
+  <p:transition spd="slow">
+    <p:push dir="u"/>
+  </p:transition>
+  <p:timing>
+    <p:tnLst>
+      <p:par>
+        <p:cTn id="1" dur="indefinite" restart="never" nodeType="tmRoot">
+          <p:childTnLst>
+            <p:seq concurrent="1" nextAc="seek">
+              <p:cTn id="2" dur="indefinite" nodeType="mainSeq">
+                <p:childTnLst>
+                  <p:par>
+                    <p:cTn id="3" fill="hold">
+                      <p:stCondLst>
+                        <p:cond delay="indefinite"/>
+                      </p:stCondLst>
+                      <p:childTnLst>
+                        <p:par>
+                          <p:cTn id="4" fill="hold">
+                            <p:stCondLst>
+                              <p:cond delay="0"/>
+                            </p:stCondLst>
+                            <p:childTnLst>
+                              <p:par>
+                                <p:cTn id="5" presetID="1" presetClass="entr" presetSubtype="0" fill="hold" grpId="0" nodeType="clickEffect">
+                                  <p:stCondLst>
+                                    <p:cond delay="0"/>
+                                  </p:stCondLst>
+                                  <p:childTnLst>
+                                    <p:set>
+                                      <p:cBhvr>
+                                        <p:cTn id="6" dur="1" fill="hold">
+                                          <p:stCondLst>
+                                            <p:cond delay="0"/>
+                                          </p:stCondLst>
+                                        </p:cTn>
+                                        <p:tgtEl>
+                                          <p:spTgt spid="7">
+                                            <p:graphicEl>
+                                              <a:dgm id="{5077CBFA-167B-44B9-AFB9-8F326FD92C97}"/>
+                                            </p:graphicEl>
+                                          </p:spTgt>
+                                        </p:tgtEl>
+                                        <p:attrNameLst>
+                                          <p:attrName>style.visibility</p:attrName>
+                                        </p:attrNameLst>
+                                      </p:cBhvr>
+                                      <p:to>
+                                        <p:strVal val="visible"/>
+                                      </p:to>
+                                    </p:set>
+                                  </p:childTnLst>
+                                </p:cTn>
+                              </p:par>
+                            </p:childTnLst>
+                          </p:cTn>
+                        </p:par>
+                      </p:childTnLst>
+                    </p:cTn>
+                  </p:par>
+                  <p:par>
+                    <p:cTn id="7" fill="hold">
+                      <p:stCondLst>
+                        <p:cond delay="indefinite"/>
+                      </p:stCondLst>
+                      <p:childTnLst>
+                        <p:par>
+                          <p:cTn id="8" fill="hold">
+                            <p:stCondLst>
+                              <p:cond delay="0"/>
+                            </p:stCondLst>
+                            <p:childTnLst>
+                              <p:par>
+                                <p:cTn id="9" presetID="1" presetClass="entr" presetSubtype="0" fill="hold" grpId="0" nodeType="clickEffect">
+                                  <p:stCondLst>
+                                    <p:cond delay="0"/>
+                                  </p:stCondLst>
+                                  <p:childTnLst>
+                                    <p:set>
+                                      <p:cBhvr>
+                                        <p:cTn id="10" dur="1" fill="hold">
+                                          <p:stCondLst>
+                                            <p:cond delay="0"/>
+                                          </p:stCondLst>
+                                        </p:cTn>
+                                        <p:tgtEl>
+                                          <p:spTgt spid="7">
+                                            <p:graphicEl>
+                                              <a:dgm id="{65228C78-EA2E-4251-B727-6E7AF5669052}"/>
+                                            </p:graphicEl>
+                                          </p:spTgt>
+                                        </p:tgtEl>
+                                        <p:attrNameLst>
+                                          <p:attrName>style.visibility</p:attrName>
+                                        </p:attrNameLst>
+                                      </p:cBhvr>
+                                      <p:to>
+                                        <p:strVal val="visible"/>
+                                      </p:to>
+                                    </p:set>
+                                  </p:childTnLst>
+                                </p:cTn>
+                              </p:par>
+                            </p:childTnLst>
+                          </p:cTn>
+                        </p:par>
+                      </p:childTnLst>
+                    </p:cTn>
+                  </p:par>
+                  <p:par>
+                    <p:cTn id="11" fill="hold">
+                      <p:stCondLst>
+                        <p:cond delay="indefinite"/>
+                      </p:stCondLst>
+                      <p:childTnLst>
+                        <p:par>
+                          <p:cTn id="12" fill="hold">
+                            <p:stCondLst>
+                              <p:cond delay="0"/>
+                            </p:stCondLst>
+                            <p:childTnLst>
+                              <p:par>
+                                <p:cTn id="13" presetID="1" presetClass="entr" presetSubtype="0" fill="hold" grpId="0" nodeType="clickEffect">
+                                  <p:stCondLst>
+                                    <p:cond delay="0"/>
+                                  </p:stCondLst>
+                                  <p:childTnLst>
+                                    <p:set>
+                                      <p:cBhvr>
+                                        <p:cTn id="14" dur="1" fill="hold">
+                                          <p:stCondLst>
+                                            <p:cond delay="0"/>
+                                          </p:stCondLst>
+                                        </p:cTn>
+                                        <p:tgtEl>
+                                          <p:spTgt spid="7">
+                                            <p:graphicEl>
+                                              <a:dgm id="{73A82232-9D14-4B08-BB63-817F8BE45117}"/>
+                                            </p:graphicEl>
+                                          </p:spTgt>
+                                        </p:tgtEl>
+                                        <p:attrNameLst>
+                                          <p:attrName>style.visibility</p:attrName>
+                                        </p:attrNameLst>
+                                      </p:cBhvr>
+                                      <p:to>
+                                        <p:strVal val="visible"/>
+                                      </p:to>
+                                    </p:set>
+                                  </p:childTnLst>
+                                </p:cTn>
+                              </p:par>
+                            </p:childTnLst>
+                          </p:cTn>
+                        </p:par>
+                      </p:childTnLst>
+                    </p:cTn>
+                  </p:par>
+                  <p:par>
+                    <p:cTn id="15" fill="hold">
+                      <p:stCondLst>
+                        <p:cond delay="indefinite"/>
+                      </p:stCondLst>
+                      <p:childTnLst>
+                        <p:par>
+                          <p:cTn id="16" fill="hold">
+                            <p:stCondLst>
+                              <p:cond delay="0"/>
+                            </p:stCondLst>
+                            <p:childTnLst>
+                              <p:par>
+                                <p:cTn id="17" presetID="1" presetClass="entr" presetSubtype="0" fill="hold" grpId="0" nodeType="clickEffect">
+                                  <p:stCondLst>
+                                    <p:cond delay="0"/>
+                                  </p:stCondLst>
+                                  <p:childTnLst>
+                                    <p:set>
+                                      <p:cBhvr>
+                                        <p:cTn id="18" dur="1" fill="hold">
+                                          <p:stCondLst>
+                                            <p:cond delay="0"/>
+                                          </p:stCondLst>
+                                        </p:cTn>
+                                        <p:tgtEl>
+                                          <p:spTgt spid="7">
+                                            <p:graphicEl>
+                                              <a:dgm id="{C07CDEF2-4961-4A63-9027-A5DC54E1EF3F}"/>
+                                            </p:graphicEl>
+                                          </p:spTgt>
+                                        </p:tgtEl>
+                                        <p:attrNameLst>
+                                          <p:attrName>style.visibility</p:attrName>
+                                        </p:attrNameLst>
+                                      </p:cBhvr>
+                                      <p:to>
+                                        <p:strVal val="visible"/>
+                                      </p:to>
+                                    </p:set>
+                                  </p:childTnLst>
+                                </p:cTn>
+                              </p:par>
+                            </p:childTnLst>
+                          </p:cTn>
+                        </p:par>
+                      </p:childTnLst>
+                    </p:cTn>
+                  </p:par>
+                  <p:par>
+                    <p:cTn id="19" fill="hold">
+                      <p:stCondLst>
+                        <p:cond delay="indefinite"/>
+                      </p:stCondLst>
+                      <p:childTnLst>
+                        <p:par>
+                          <p:cTn id="20" fill="hold">
+                            <p:stCondLst>
+                              <p:cond delay="0"/>
+                            </p:stCondLst>
+                            <p:childTnLst>
+                              <p:par>
+                                <p:cTn id="21" presetID="1" presetClass="entr" presetSubtype="0" fill="hold" grpId="0" nodeType="clickEffect">
+                                  <p:stCondLst>
+                                    <p:cond delay="0"/>
+                                  </p:stCondLst>
+                                  <p:childTnLst>
+                                    <p:set>
+                                      <p:cBhvr>
+                                        <p:cTn id="22" dur="1" fill="hold">
+                                          <p:stCondLst>
+                                            <p:cond delay="0"/>
+                                          </p:stCondLst>
+                                        </p:cTn>
+                                        <p:tgtEl>
+                                          <p:spTgt spid="7">
+                                            <p:graphicEl>
+                                              <a:dgm id="{DDC58FFB-A206-40C4-9EB7-7D5311134EB2}"/>
+                                            </p:graphicEl>
+                                          </p:spTgt>
+                                        </p:tgtEl>
+                                        <p:attrNameLst>
+                                          <p:attrName>style.visibility</p:attrName>
+                                        </p:attrNameLst>
+                                      </p:cBhvr>
+                                      <p:to>
+                                        <p:strVal val="visible"/>
+                                      </p:to>
+                                    </p:set>
+                                  </p:childTnLst>
+                                </p:cTn>
+                              </p:par>
+                            </p:childTnLst>
+                          </p:cTn>
+                        </p:par>
+                      </p:childTnLst>
+                    </p:cTn>
+                  </p:par>
+                </p:childTnLst>
+              </p:cTn>
+              <p:prevCondLst>
+                <p:cond evt="onPrev" delay="0">
+                  <p:tgtEl>
+                    <p:sldTgt/>
+                  </p:tgtEl>
+                </p:cond>
+              </p:prevCondLst>
+              <p:nextCondLst>
+                <p:cond evt="onNext" delay="0">
+                  <p:tgtEl>
+                    <p:sldTgt/>
+                  </p:tgtEl>
+                </p:cond>
+              </p:nextCondLst>
+            </p:seq>
+          </p:childTnLst>
+        </p:cTn>
+      </p:par>
+    </p:tnLst>
+    <p:bldLst>
+      <p:bldGraphic spid="7" grpId="0" uiExpand="1">
+        <p:bldSub>
+          <a:bldDgm bld="lvlOne"/>
+        </p:bldSub>
+      </p:bldGraphic>
+    </p:bldLst>
+  </p:timing>
+</p:sld>
+</file>
+
+<file path=ppt/slides/slide11.xml><?xml version="1.0" encoding="utf-8"?>
+<p:sld xmlns:a="http://schemas.openxmlformats.org/drawingml/2006/main" xmlns:r="http://schemas.openxmlformats.org/officeDocument/2006/relationships" xmlns:p="http://schemas.openxmlformats.org/presentationml/2006/main">
+  <p:cSld>
+    <p:spTree>
+      <p:nvGrpSpPr>
+        <p:cNvPr id="1" name=""/>
+        <p:cNvGrpSpPr/>
+        <p:nvPr/>
+      </p:nvGrpSpPr>
+      <p:grpSpPr>
+        <a:xfrm>
+          <a:off x="0" y="0"/>
+          <a:ext cx="0" cy="0"/>
+          <a:chOff x="0" y="0"/>
+          <a:chExt cx="0" cy="0"/>
+        </a:xfrm>
+      </p:grpSpPr>
+      <p:sp>
+        <p:nvSpPr>
+          <p:cNvPr id="2" name="Title 1"/>
+          <p:cNvSpPr>
+            <a:spLocks noGrp="1"/>
+          </p:cNvSpPr>
+          <p:nvPr>
+            <p:ph type="title" idx="4294967295"/>
+          </p:nvPr>
+        </p:nvSpPr>
+        <p:spPr>
+          <a:xfrm>
             <a:off x="0" y="2446338"/>
             <a:ext cx="12192000" cy="1450975"/>
           </a:xfrm>
@@ -18788,7 +21845,7 @@
 </p:sld>
 </file>
 
-<file path=ppt/slides/slide11.xml><?xml version="1.0" encoding="utf-8"?>
+<file path=ppt/slides/slide12.xml><?xml version="1.0" encoding="utf-8"?>
 <p:sld xmlns:a="http://schemas.openxmlformats.org/drawingml/2006/main" xmlns:r="http://schemas.openxmlformats.org/officeDocument/2006/relationships" xmlns:p="http://schemas.openxmlformats.org/presentationml/2006/main">
   <p:cSld>
     <p:spTree>
@@ -19022,7 +22079,7 @@
 </p:sld>
 </file>
 
-<file path=ppt/slides/slide12.xml><?xml version="1.0" encoding="utf-8"?>
+<file path=ppt/slides/slide13.xml><?xml version="1.0" encoding="utf-8"?>
 <p:sld xmlns:a="http://schemas.openxmlformats.org/drawingml/2006/main" xmlns:r="http://schemas.openxmlformats.org/officeDocument/2006/relationships" xmlns:p="http://schemas.openxmlformats.org/presentationml/2006/main">
   <p:cSld>
     <p:spTree>
@@ -19355,7 +22412,7 @@
 </p:sld>
 </file>
 
-<file path=ppt/slides/slide13.xml><?xml version="1.0" encoding="utf-8"?>
+<file path=ppt/slides/slide14.xml><?xml version="1.0" encoding="utf-8"?>
 <p:sld xmlns:a="http://schemas.openxmlformats.org/drawingml/2006/main" xmlns:r="http://schemas.openxmlformats.org/officeDocument/2006/relationships" xmlns:p="http://schemas.openxmlformats.org/presentationml/2006/main">
   <p:cSld>
     <p:spTree>
@@ -19553,187 +22610,6 @@
 </p:sld>
 </file>
 
-<file path=ppt/slides/slide14.xml><?xml version="1.0" encoding="utf-8"?>
-<p:sld xmlns:a="http://schemas.openxmlformats.org/drawingml/2006/main" xmlns:r="http://schemas.openxmlformats.org/officeDocument/2006/relationships" xmlns:p="http://schemas.openxmlformats.org/presentationml/2006/main">
-  <p:cSld>
-    <p:spTree>
-      <p:nvGrpSpPr>
-        <p:cNvPr id="1" name=""/>
-        <p:cNvGrpSpPr/>
-        <p:nvPr/>
-      </p:nvGrpSpPr>
-      <p:grpSpPr>
-        <a:xfrm>
-          <a:off x="0" y="0"/>
-          <a:ext cx="0" cy="0"/>
-          <a:chOff x="0" y="0"/>
-          <a:chExt cx="0" cy="0"/>
-        </a:xfrm>
-      </p:grpSpPr>
-      <p:sp>
-        <p:nvSpPr>
-          <p:cNvPr id="2" name="Title 1"/>
-          <p:cNvSpPr>
-            <a:spLocks noGrp="1"/>
-          </p:cNvSpPr>
-          <p:nvPr>
-            <p:ph type="title"/>
-          </p:nvPr>
-        </p:nvSpPr>
-        <p:spPr/>
-        <p:txBody>
-          <a:bodyPr/>
-          <a:lstStyle/>
-          <a:p>
-            <a:r>
-              <a:rPr lang="en-GB" dirty="0" smtClean="0"/>
-              <a:t>Social Networking: </a:t>
-            </a:r>
-            <a:r>
-              <a:rPr lang="en-GB" dirty="0" smtClean="0">
-                <a:solidFill>
-                  <a:schemeClr val="bg1">
-                    <a:lumMod val="65000"/>
-                  </a:schemeClr>
-                </a:solidFill>
-              </a:rPr>
-              <a:t>Messaging</a:t>
-            </a:r>
-            <a:endParaRPr lang="en-GB" dirty="0">
-              <a:solidFill>
-                <a:schemeClr val="bg1">
-                  <a:lumMod val="65000"/>
-                </a:schemeClr>
-              </a:solidFill>
-            </a:endParaRPr>
-          </a:p>
-        </p:txBody>
-      </p:sp>
-      <p:sp>
-        <p:nvSpPr>
-          <p:cNvPr id="3" name="Content Placeholder 2"/>
-          <p:cNvSpPr>
-            <a:spLocks noGrp="1"/>
-          </p:cNvSpPr>
-          <p:nvPr>
-            <p:ph idx="1"/>
-          </p:nvPr>
-        </p:nvSpPr>
-        <p:spPr>
-          <a:xfrm>
-            <a:off x="1084401" y="2193464"/>
-            <a:ext cx="10058400" cy="4023360"/>
-          </a:xfrm>
-        </p:spPr>
-        <p:txBody>
-          <a:bodyPr/>
-          <a:lstStyle/>
-          <a:p>
-            <a:pPr lvl="1">
-              <a:buFont typeface="Arial" panose="020B0604020202020204" pitchFamily="34" charset="0"/>
-              <a:buChar char="•"/>
-            </a:pPr>
-            <a:r>
-              <a:rPr lang="en-GB" sz="2400" dirty="0" smtClean="0"/>
-              <a:t>Added features to send messages and instant chat system.</a:t>
-            </a:r>
-          </a:p>
-          <a:p>
-            <a:pPr marL="201168" lvl="1" indent="0">
-              <a:buNone/>
-            </a:pPr>
-            <a:endParaRPr lang="en-GB" sz="2400" dirty="0" smtClean="0"/>
-          </a:p>
-          <a:p>
-            <a:pPr lvl="1">
-              <a:buFont typeface="Arial" panose="020B0604020202020204" pitchFamily="34" charset="0"/>
-              <a:buChar char="•"/>
-            </a:pPr>
-            <a:r>
-              <a:rPr lang="en-GB" sz="2400" dirty="0"/>
-              <a:t>Remove the need to use alternate websites such as Facebook to </a:t>
-            </a:r>
-            <a:r>
-              <a:rPr lang="en-GB" sz="2400" dirty="0" smtClean="0"/>
-              <a:t>communicate</a:t>
-            </a:r>
-          </a:p>
-          <a:p>
-            <a:pPr marL="201168" lvl="1" indent="0">
-              <a:buNone/>
-            </a:pPr>
-            <a:endParaRPr lang="en-GB" sz="2400" dirty="0"/>
-          </a:p>
-          <a:p>
-            <a:pPr lvl="1">
-              <a:buFont typeface="Arial" panose="020B0604020202020204" pitchFamily="34" charset="0"/>
-              <a:buChar char="•"/>
-            </a:pPr>
-            <a:r>
-              <a:rPr lang="en-GB" sz="2400" dirty="0"/>
-              <a:t>Allow users to communicate better with </a:t>
-            </a:r>
-            <a:r>
-              <a:rPr lang="en-GB" dirty="0" smtClean="0"/>
-              <a:t>people </a:t>
-            </a:r>
-            <a:r>
-              <a:rPr lang="en-GB" sz="2400" dirty="0" smtClean="0"/>
-              <a:t>they </a:t>
-            </a:r>
-            <a:r>
-              <a:rPr lang="en-GB" sz="2400" dirty="0"/>
-              <a:t>are matched </a:t>
-            </a:r>
-            <a:r>
-              <a:rPr lang="en-GB" sz="2400" dirty="0" smtClean="0"/>
-              <a:t>with.</a:t>
-            </a:r>
-          </a:p>
-          <a:p>
-            <a:pPr lvl="1">
-              <a:buFont typeface="Arial" panose="020B0604020202020204" pitchFamily="34" charset="0"/>
-              <a:buChar char="•"/>
-            </a:pPr>
-            <a:endParaRPr lang="en-GB" sz="2400" dirty="0"/>
-          </a:p>
-          <a:p>
-            <a:pPr marL="0" indent="0">
-              <a:buNone/>
-            </a:pPr>
-            <a:endParaRPr lang="en-GB" dirty="0" smtClean="0"/>
-          </a:p>
-          <a:p>
-            <a:endParaRPr lang="en-GB" dirty="0"/>
-          </a:p>
-          <a:p>
-            <a:endParaRPr lang="en-GB" dirty="0"/>
-          </a:p>
-        </p:txBody>
-      </p:sp>
-    </p:spTree>
-    <p:extLst>
-      <p:ext uri="{BB962C8B-B14F-4D97-AF65-F5344CB8AC3E}">
-        <p14:creationId xmlns:p14="http://schemas.microsoft.com/office/powerpoint/2010/main" val="93455588"/>
-      </p:ext>
-    </p:extLst>
-  </p:cSld>
-  <p:clrMapOvr>
-    <a:masterClrMapping/>
-  </p:clrMapOvr>
-  <p:transition spd="slow">
-    <p:push dir="u"/>
-  </p:transition>
-  <p:timing>
-    <p:tnLst>
-      <p:par>
-        <p:cTn id="1" dur="indefinite" restart="never" nodeType="tmRoot"/>
-      </p:par>
-    </p:tnLst>
-  </p:timing>
-</p:sld>
-</file>
-
 <file path=ppt/slides/slide15.xml><?xml version="1.0" encoding="utf-8"?>
 <p:sld xmlns:a="http://schemas.openxmlformats.org/drawingml/2006/main" xmlns:r="http://schemas.openxmlformats.org/officeDocument/2006/relationships" xmlns:p="http://schemas.openxmlformats.org/presentationml/2006/main">
   <p:cSld>
@@ -19767,6 +22643,187 @@
           <a:lstStyle/>
           <a:p>
             <a:r>
+              <a:rPr lang="en-GB" dirty="0" smtClean="0"/>
+              <a:t>Social Networking: </a:t>
+            </a:r>
+            <a:r>
+              <a:rPr lang="en-GB" dirty="0" smtClean="0">
+                <a:solidFill>
+                  <a:schemeClr val="bg1">
+                    <a:lumMod val="65000"/>
+                  </a:schemeClr>
+                </a:solidFill>
+              </a:rPr>
+              <a:t>Messaging</a:t>
+            </a:r>
+            <a:endParaRPr lang="en-GB" dirty="0">
+              <a:solidFill>
+                <a:schemeClr val="bg1">
+                  <a:lumMod val="65000"/>
+                </a:schemeClr>
+              </a:solidFill>
+            </a:endParaRPr>
+          </a:p>
+        </p:txBody>
+      </p:sp>
+      <p:sp>
+        <p:nvSpPr>
+          <p:cNvPr id="3" name="Content Placeholder 2"/>
+          <p:cNvSpPr>
+            <a:spLocks noGrp="1"/>
+          </p:cNvSpPr>
+          <p:nvPr>
+            <p:ph idx="1"/>
+          </p:nvPr>
+        </p:nvSpPr>
+        <p:spPr>
+          <a:xfrm>
+            <a:off x="1084401" y="2193464"/>
+            <a:ext cx="10058400" cy="4023360"/>
+          </a:xfrm>
+        </p:spPr>
+        <p:txBody>
+          <a:bodyPr/>
+          <a:lstStyle/>
+          <a:p>
+            <a:pPr lvl="1">
+              <a:buFont typeface="Arial" panose="020B0604020202020204" pitchFamily="34" charset="0"/>
+              <a:buChar char="•"/>
+            </a:pPr>
+            <a:r>
+              <a:rPr lang="en-GB" sz="2400" dirty="0" smtClean="0"/>
+              <a:t>Added features to send messages and instant chat system.</a:t>
+            </a:r>
+          </a:p>
+          <a:p>
+            <a:pPr marL="201168" lvl="1" indent="0">
+              <a:buNone/>
+            </a:pPr>
+            <a:endParaRPr lang="en-GB" sz="2400" dirty="0" smtClean="0"/>
+          </a:p>
+          <a:p>
+            <a:pPr lvl="1">
+              <a:buFont typeface="Arial" panose="020B0604020202020204" pitchFamily="34" charset="0"/>
+              <a:buChar char="•"/>
+            </a:pPr>
+            <a:r>
+              <a:rPr lang="en-GB" sz="2400" dirty="0"/>
+              <a:t>Remove the need to use alternate websites such as Facebook to </a:t>
+            </a:r>
+            <a:r>
+              <a:rPr lang="en-GB" sz="2400" dirty="0" smtClean="0"/>
+              <a:t>communicate</a:t>
+            </a:r>
+          </a:p>
+          <a:p>
+            <a:pPr marL="201168" lvl="1" indent="0">
+              <a:buNone/>
+            </a:pPr>
+            <a:endParaRPr lang="en-GB" sz="2400" dirty="0"/>
+          </a:p>
+          <a:p>
+            <a:pPr lvl="1">
+              <a:buFont typeface="Arial" panose="020B0604020202020204" pitchFamily="34" charset="0"/>
+              <a:buChar char="•"/>
+            </a:pPr>
+            <a:r>
+              <a:rPr lang="en-GB" sz="2400" dirty="0"/>
+              <a:t>Allow users to communicate better with </a:t>
+            </a:r>
+            <a:r>
+              <a:rPr lang="en-GB" dirty="0" smtClean="0"/>
+              <a:t>people </a:t>
+            </a:r>
+            <a:r>
+              <a:rPr lang="en-GB" sz="2400" dirty="0" smtClean="0"/>
+              <a:t>they </a:t>
+            </a:r>
+            <a:r>
+              <a:rPr lang="en-GB" sz="2400" dirty="0"/>
+              <a:t>are matched </a:t>
+            </a:r>
+            <a:r>
+              <a:rPr lang="en-GB" sz="2400" dirty="0" smtClean="0"/>
+              <a:t>with.</a:t>
+            </a:r>
+          </a:p>
+          <a:p>
+            <a:pPr lvl="1">
+              <a:buFont typeface="Arial" panose="020B0604020202020204" pitchFamily="34" charset="0"/>
+              <a:buChar char="•"/>
+            </a:pPr>
+            <a:endParaRPr lang="en-GB" sz="2400" dirty="0"/>
+          </a:p>
+          <a:p>
+            <a:pPr marL="0" indent="0">
+              <a:buNone/>
+            </a:pPr>
+            <a:endParaRPr lang="en-GB" dirty="0" smtClean="0"/>
+          </a:p>
+          <a:p>
+            <a:endParaRPr lang="en-GB" dirty="0"/>
+          </a:p>
+          <a:p>
+            <a:endParaRPr lang="en-GB" dirty="0"/>
+          </a:p>
+        </p:txBody>
+      </p:sp>
+    </p:spTree>
+    <p:extLst>
+      <p:ext uri="{BB962C8B-B14F-4D97-AF65-F5344CB8AC3E}">
+        <p14:creationId xmlns:p14="http://schemas.microsoft.com/office/powerpoint/2010/main" val="93455588"/>
+      </p:ext>
+    </p:extLst>
+  </p:cSld>
+  <p:clrMapOvr>
+    <a:masterClrMapping/>
+  </p:clrMapOvr>
+  <p:transition spd="slow">
+    <p:push dir="u"/>
+  </p:transition>
+  <p:timing>
+    <p:tnLst>
+      <p:par>
+        <p:cTn id="1" dur="indefinite" restart="never" nodeType="tmRoot"/>
+      </p:par>
+    </p:tnLst>
+  </p:timing>
+</p:sld>
+</file>
+
+<file path=ppt/slides/slide16.xml><?xml version="1.0" encoding="utf-8"?>
+<p:sld xmlns:a="http://schemas.openxmlformats.org/drawingml/2006/main" xmlns:r="http://schemas.openxmlformats.org/officeDocument/2006/relationships" xmlns:p="http://schemas.openxmlformats.org/presentationml/2006/main">
+  <p:cSld>
+    <p:spTree>
+      <p:nvGrpSpPr>
+        <p:cNvPr id="1" name=""/>
+        <p:cNvGrpSpPr/>
+        <p:nvPr/>
+      </p:nvGrpSpPr>
+      <p:grpSpPr>
+        <a:xfrm>
+          <a:off x="0" y="0"/>
+          <a:ext cx="0" cy="0"/>
+          <a:chOff x="0" y="0"/>
+          <a:chExt cx="0" cy="0"/>
+        </a:xfrm>
+      </p:grpSpPr>
+      <p:sp>
+        <p:nvSpPr>
+          <p:cNvPr id="2" name="Title 1"/>
+          <p:cNvSpPr>
+            <a:spLocks noGrp="1"/>
+          </p:cNvSpPr>
+          <p:nvPr>
+            <p:ph type="title"/>
+          </p:nvPr>
+        </p:nvSpPr>
+        <p:spPr/>
+        <p:txBody>
+          <a:bodyPr/>
+          <a:lstStyle/>
+          <a:p>
+            <a:r>
               <a:rPr lang="en-IN" dirty="0" smtClean="0"/>
               <a:t>Messaging: </a:t>
             </a:r>
@@ -19888,7 +22945,7 @@
 </p:sld>
 </file>
 
-<file path=ppt/slides/slide16.xml><?xml version="1.0" encoding="utf-8"?>
+<file path=ppt/slides/slide17.xml><?xml version="1.0" encoding="utf-8"?>
 <p:sld xmlns:a="http://schemas.openxmlformats.org/drawingml/2006/main" xmlns:r="http://schemas.openxmlformats.org/officeDocument/2006/relationships" xmlns:p="http://schemas.openxmlformats.org/presentationml/2006/main">
   <p:cSld>
     <p:spTree>
@@ -19958,7 +23015,7 @@
 </p:sld>
 </file>
 
-<file path=ppt/slides/slide17.xml><?xml version="1.0" encoding="utf-8"?>
+<file path=ppt/slides/slide18.xml><?xml version="1.0" encoding="utf-8"?>
 <p:sld xmlns:a="http://schemas.openxmlformats.org/drawingml/2006/main" xmlns:r="http://schemas.openxmlformats.org/officeDocument/2006/relationships" xmlns:p="http://schemas.openxmlformats.org/presentationml/2006/main">
   <p:cSld>
     <p:spTree>
@@ -20419,7 +23476,7 @@
 </p:sld>
 </file>
 
-<file path=ppt/slides/slide18.xml><?xml version="1.0" encoding="utf-8"?>
+<file path=ppt/slides/slide19.xml><?xml version="1.0" encoding="utf-8"?>
 <p:sld xmlns:a="http://schemas.openxmlformats.org/drawingml/2006/main" xmlns:r="http://schemas.openxmlformats.org/officeDocument/2006/relationships" xmlns:p="http://schemas.openxmlformats.org/presentationml/2006/main">
   <p:cSld>
     <p:spTree>
@@ -20887,83 +23944,6 @@
 </p:sld>
 </file>
 
-<file path=ppt/slides/slide19.xml><?xml version="1.0" encoding="utf-8"?>
-<p:sld xmlns:a="http://schemas.openxmlformats.org/drawingml/2006/main" xmlns:r="http://schemas.openxmlformats.org/officeDocument/2006/relationships" xmlns:p="http://schemas.openxmlformats.org/presentationml/2006/main">
-  <p:cSld>
-    <p:spTree>
-      <p:nvGrpSpPr>
-        <p:cNvPr id="1" name=""/>
-        <p:cNvGrpSpPr/>
-        <p:nvPr/>
-      </p:nvGrpSpPr>
-      <p:grpSpPr>
-        <a:xfrm>
-          <a:off x="0" y="0"/>
-          <a:ext cx="0" cy="0"/>
-          <a:chOff x="0" y="0"/>
-          <a:chExt cx="0" cy="0"/>
-        </a:xfrm>
-      </p:grpSpPr>
-      <p:sp>
-        <p:nvSpPr>
-          <p:cNvPr id="2" name="Title 1"/>
-          <p:cNvSpPr>
-            <a:spLocks noGrp="1"/>
-          </p:cNvSpPr>
-          <p:nvPr>
-            <p:ph type="title" idx="4294967295"/>
-          </p:nvPr>
-        </p:nvSpPr>
-        <p:spPr>
-          <a:xfrm>
-            <a:off x="0" y="2525713"/>
-            <a:ext cx="12192000" cy="1450975"/>
-          </a:xfrm>
-        </p:spPr>
-        <p:txBody>
-          <a:bodyPr/>
-          <a:lstStyle/>
-          <a:p>
-            <a:pPr algn="ctr"/>
-            <a:r>
-              <a:rPr lang="en-IN" dirty="0" smtClean="0">
-                <a:latin typeface="Open Sans" pitchFamily="34" charset="0"/>
-                <a:ea typeface="Open Sans" pitchFamily="34" charset="0"/>
-                <a:cs typeface="Open Sans" pitchFamily="34" charset="0"/>
-              </a:rPr>
-              <a:t>Implementation &amp; Structure</a:t>
-            </a:r>
-            <a:endParaRPr lang="en-IN" dirty="0">
-              <a:latin typeface="Open Sans" pitchFamily="34" charset="0"/>
-              <a:ea typeface="Open Sans" pitchFamily="34" charset="0"/>
-              <a:cs typeface="Open Sans" pitchFamily="34" charset="0"/>
-            </a:endParaRPr>
-          </a:p>
-        </p:txBody>
-      </p:sp>
-    </p:spTree>
-    <p:extLst>
-      <p:ext uri="{BB962C8B-B14F-4D97-AF65-F5344CB8AC3E}">
-        <p14:creationId xmlns:p14="http://schemas.microsoft.com/office/powerpoint/2010/main" val="387657542"/>
-      </p:ext>
-    </p:extLst>
-  </p:cSld>
-  <p:clrMapOvr>
-    <a:masterClrMapping/>
-  </p:clrMapOvr>
-  <p:transition spd="slow">
-    <p:push dir="u"/>
-  </p:transition>
-  <p:timing>
-    <p:tnLst>
-      <p:par>
-        <p:cTn id="1" dur="indefinite" restart="never" nodeType="tmRoot"/>
-      </p:par>
-    </p:tnLst>
-  </p:timing>
-</p:sld>
-</file>
-
 <file path=ppt/slides/slide2.xml><?xml version="1.0" encoding="utf-8"?>
 <p:sld xmlns:a="http://schemas.openxmlformats.org/drawingml/2006/main" xmlns:r="http://schemas.openxmlformats.org/officeDocument/2006/relationships" xmlns:p="http://schemas.openxmlformats.org/presentationml/2006/main">
   <p:cSld>
@@ -21083,6 +24063,83 @@
 </file>
 
 <file path=ppt/slides/slide20.xml><?xml version="1.0" encoding="utf-8"?>
+<p:sld xmlns:a="http://schemas.openxmlformats.org/drawingml/2006/main" xmlns:r="http://schemas.openxmlformats.org/officeDocument/2006/relationships" xmlns:p="http://schemas.openxmlformats.org/presentationml/2006/main">
+  <p:cSld>
+    <p:spTree>
+      <p:nvGrpSpPr>
+        <p:cNvPr id="1" name=""/>
+        <p:cNvGrpSpPr/>
+        <p:nvPr/>
+      </p:nvGrpSpPr>
+      <p:grpSpPr>
+        <a:xfrm>
+          <a:off x="0" y="0"/>
+          <a:ext cx="0" cy="0"/>
+          <a:chOff x="0" y="0"/>
+          <a:chExt cx="0" cy="0"/>
+        </a:xfrm>
+      </p:grpSpPr>
+      <p:sp>
+        <p:nvSpPr>
+          <p:cNvPr id="2" name="Title 1"/>
+          <p:cNvSpPr>
+            <a:spLocks noGrp="1"/>
+          </p:cNvSpPr>
+          <p:nvPr>
+            <p:ph type="title" idx="4294967295"/>
+          </p:nvPr>
+        </p:nvSpPr>
+        <p:spPr>
+          <a:xfrm>
+            <a:off x="0" y="2525713"/>
+            <a:ext cx="12192000" cy="1450975"/>
+          </a:xfrm>
+        </p:spPr>
+        <p:txBody>
+          <a:bodyPr/>
+          <a:lstStyle/>
+          <a:p>
+            <a:pPr algn="ctr"/>
+            <a:r>
+              <a:rPr lang="en-IN" dirty="0" smtClean="0">
+                <a:latin typeface="Open Sans" pitchFamily="34" charset="0"/>
+                <a:ea typeface="Open Sans" pitchFamily="34" charset="0"/>
+                <a:cs typeface="Open Sans" pitchFamily="34" charset="0"/>
+              </a:rPr>
+              <a:t>Implementation &amp; Structure</a:t>
+            </a:r>
+            <a:endParaRPr lang="en-IN" dirty="0">
+              <a:latin typeface="Open Sans" pitchFamily="34" charset="0"/>
+              <a:ea typeface="Open Sans" pitchFamily="34" charset="0"/>
+              <a:cs typeface="Open Sans" pitchFamily="34" charset="0"/>
+            </a:endParaRPr>
+          </a:p>
+        </p:txBody>
+      </p:sp>
+    </p:spTree>
+    <p:extLst>
+      <p:ext uri="{BB962C8B-B14F-4D97-AF65-F5344CB8AC3E}">
+        <p14:creationId xmlns:p14="http://schemas.microsoft.com/office/powerpoint/2010/main" val="387657542"/>
+      </p:ext>
+    </p:extLst>
+  </p:cSld>
+  <p:clrMapOvr>
+    <a:masterClrMapping/>
+  </p:clrMapOvr>
+  <p:transition spd="slow">
+    <p:push dir="u"/>
+  </p:transition>
+  <p:timing>
+    <p:tnLst>
+      <p:par>
+        <p:cTn id="1" dur="indefinite" restart="never" nodeType="tmRoot"/>
+      </p:par>
+    </p:tnLst>
+  </p:timing>
+</p:sld>
+</file>
+
+<file path=ppt/slides/slide21.xml><?xml version="1.0" encoding="utf-8"?>
 <p:sld xmlns:a="http://schemas.openxmlformats.org/drawingml/2006/main" xmlns:r="http://schemas.openxmlformats.org/officeDocument/2006/relationships" xmlns:p="http://schemas.openxmlformats.org/presentationml/2006/main">
   <p:cSld>
     <p:spTree>
@@ -21188,7 +24245,7 @@
 </p:sld>
 </file>
 
-<file path=ppt/slides/slide21.xml><?xml version="1.0" encoding="utf-8"?>
+<file path=ppt/slides/slide22.xml><?xml version="1.0" encoding="utf-8"?>
 <p:sld xmlns:a="http://schemas.openxmlformats.org/drawingml/2006/main" xmlns:r="http://schemas.openxmlformats.org/officeDocument/2006/relationships" xmlns:p="http://schemas.openxmlformats.org/presentationml/2006/main">
   <p:cSld>
     <p:spTree>
@@ -22235,7 +25292,7 @@
 </p:sld>
 </file>
 
-<file path=ppt/slides/slide22.xml><?xml version="1.0" encoding="utf-8"?>
+<file path=ppt/slides/slide23.xml><?xml version="1.0" encoding="utf-8"?>
 <p:sld xmlns:a="http://schemas.openxmlformats.org/drawingml/2006/main" xmlns:r="http://schemas.openxmlformats.org/officeDocument/2006/relationships" xmlns:p="http://schemas.openxmlformats.org/presentationml/2006/main">
   <p:cSld>
     <p:spTree>
@@ -22322,7 +25379,7 @@
         <p:spPr>
           <a:xfrm>
             <a:off x="925437" y="2158868"/>
-            <a:ext cx="9264844" cy="2308324"/>
+            <a:ext cx="184731" cy="830997"/>
           </a:xfrm>
           <a:prstGeom prst="rect">
             <a:avLst/>
@@ -22334,71 +25391,6 @@
             <a:spAutoFit/>
           </a:bodyPr>
           <a:lstStyle/>
-          <a:p>
-            <a:pPr marL="342900" indent="-342900">
-              <a:buClr>
-                <a:schemeClr val="accent1"/>
-              </a:buClr>
-              <a:buFont typeface="Arial" pitchFamily="34" charset="0"/>
-              <a:buChar char="•"/>
-            </a:pPr>
-            <a:r>
-              <a:rPr lang="en-GB" sz="2400" dirty="0" smtClean="0">
-                <a:solidFill>
-                  <a:schemeClr val="tx1">
-                    <a:lumMod val="75000"/>
-                    <a:lumOff val="25000"/>
-                  </a:schemeClr>
-                </a:solidFill>
-                <a:latin typeface="Open Sans" pitchFamily="34" charset="0"/>
-                <a:ea typeface="Open Sans" pitchFamily="34" charset="0"/>
-                <a:cs typeface="Open Sans" pitchFamily="34" charset="0"/>
-              </a:rPr>
-              <a:t>Used </a:t>
-            </a:r>
-            <a:r>
-              <a:rPr lang="en-GB" sz="2400" dirty="0" err="1" smtClean="0">
-                <a:solidFill>
-                  <a:schemeClr val="tx1">
-                    <a:lumMod val="75000"/>
-                    <a:lumOff val="25000"/>
-                  </a:schemeClr>
-                </a:solidFill>
-                <a:latin typeface="Open Sans" pitchFamily="34" charset="0"/>
-                <a:ea typeface="Open Sans" pitchFamily="34" charset="0"/>
-                <a:cs typeface="Open Sans" pitchFamily="34" charset="0"/>
-              </a:rPr>
-              <a:t>GitLab</a:t>
-            </a:r>
-            <a:r>
-              <a:rPr lang="en-GB" sz="2400" dirty="0">
-                <a:solidFill>
-                  <a:schemeClr val="tx1">
-                    <a:lumMod val="75000"/>
-                    <a:lumOff val="25000"/>
-                  </a:schemeClr>
-                </a:solidFill>
-                <a:latin typeface="Open Sans" pitchFamily="34" charset="0"/>
-                <a:ea typeface="Open Sans" pitchFamily="34" charset="0"/>
-                <a:cs typeface="Open Sans" pitchFamily="34" charset="0"/>
-              </a:rPr>
-              <a:t> </a:t>
-            </a:r>
-            <a:r>
-              <a:rPr lang="en-GB" sz="2400" dirty="0" smtClean="0">
-                <a:solidFill>
-                  <a:schemeClr val="tx1">
-                    <a:lumMod val="75000"/>
-                    <a:lumOff val="25000"/>
-                  </a:schemeClr>
-                </a:solidFill>
-                <a:latin typeface="Open Sans" pitchFamily="34" charset="0"/>
-                <a:ea typeface="Open Sans" pitchFamily="34" charset="0"/>
-                <a:cs typeface="Open Sans" pitchFamily="34" charset="0"/>
-              </a:rPr>
-              <a:t>for proper version control</a:t>
-            </a:r>
-          </a:p>
           <a:p>
             <a:pPr>
               <a:buClr>
@@ -22418,29 +25410,6 @@
             </a:endParaRPr>
           </a:p>
           <a:p>
-            <a:pPr marL="285750" indent="-285750">
-              <a:buClr>
-                <a:schemeClr val="accent1"/>
-              </a:buClr>
-              <a:buFont typeface="Arial" panose="020B0604020202020204" pitchFamily="34" charset="0"/>
-              <a:buChar char="•"/>
-            </a:pPr>
-            <a:r>
-              <a:rPr lang="en-GB" sz="2400" dirty="0" smtClean="0">
-                <a:solidFill>
-                  <a:schemeClr val="tx1">
-                    <a:lumMod val="75000"/>
-                    <a:lumOff val="25000"/>
-                  </a:schemeClr>
-                </a:solidFill>
-                <a:latin typeface="Open Sans" pitchFamily="34" charset="0"/>
-                <a:ea typeface="Open Sans" pitchFamily="34" charset="0"/>
-                <a:cs typeface="Open Sans" pitchFamily="34" charset="0"/>
-              </a:rPr>
-              <a:t>Included template files for consistent layout</a:t>
-            </a:r>
-          </a:p>
-          <a:p>
             <a:pPr>
               <a:buClr>
                 <a:schemeClr val="accent1"/>
@@ -22458,66 +25427,30 @@
               <a:cs typeface="Open Sans" pitchFamily="34" charset="0"/>
             </a:endParaRPr>
           </a:p>
-          <a:p>
-            <a:pPr marL="285750" indent="-285750">
-              <a:buClr>
-                <a:schemeClr val="accent1"/>
-              </a:buClr>
-              <a:buFont typeface="Arial" panose="020B0604020202020204" pitchFamily="34" charset="0"/>
-              <a:buChar char="•"/>
-            </a:pPr>
-            <a:r>
-              <a:rPr lang="en-GB" sz="2400" dirty="0" smtClean="0">
-                <a:solidFill>
-                  <a:schemeClr val="tx1">
-                    <a:lumMod val="75000"/>
-                    <a:lumOff val="25000"/>
-                  </a:schemeClr>
-                </a:solidFill>
-                <a:latin typeface="Open Sans" pitchFamily="34" charset="0"/>
-                <a:ea typeface="Open Sans" pitchFamily="34" charset="0"/>
-                <a:cs typeface="Open Sans" pitchFamily="34" charset="0"/>
-              </a:rPr>
-              <a:t>PHP for classes to prevent accidental damage to database by </a:t>
-            </a:r>
-          </a:p>
-          <a:p>
-            <a:pPr>
-              <a:buClr>
-                <a:schemeClr val="accent1"/>
-              </a:buClr>
-            </a:pPr>
-            <a:r>
-              <a:rPr lang="en-GB" sz="2400" dirty="0">
-                <a:solidFill>
-                  <a:schemeClr val="tx1">
-                    <a:lumMod val="75000"/>
-                    <a:lumOff val="25000"/>
-                  </a:schemeClr>
-                </a:solidFill>
-                <a:latin typeface="Open Sans" pitchFamily="34" charset="0"/>
-                <a:ea typeface="Open Sans" pitchFamily="34" charset="0"/>
-                <a:cs typeface="Open Sans" pitchFamily="34" charset="0"/>
-              </a:rPr>
-              <a:t> </a:t>
-            </a:r>
-            <a:r>
-              <a:rPr lang="en-GB" sz="2400" dirty="0" smtClean="0">
-                <a:solidFill>
-                  <a:schemeClr val="tx1">
-                    <a:lumMod val="75000"/>
-                    <a:lumOff val="25000"/>
-                  </a:schemeClr>
-                </a:solidFill>
-                <a:latin typeface="Open Sans" pitchFamily="34" charset="0"/>
-                <a:ea typeface="Open Sans" pitchFamily="34" charset="0"/>
-                <a:cs typeface="Open Sans" pitchFamily="34" charset="0"/>
-              </a:rPr>
-              <a:t>   restricting  functionality</a:t>
-            </a:r>
-          </a:p>
         </p:txBody>
       </p:sp>
+      <p:graphicFrame>
+        <p:nvGraphicFramePr>
+          <p:cNvPr id="4" name="Diagram 3"/>
+          <p:cNvGraphicFramePr/>
+          <p:nvPr>
+            <p:extLst>
+              <p:ext uri="{D42A27DB-BD31-4B8C-83A1-F6EECF244321}">
+                <p14:modId xmlns:p14="http://schemas.microsoft.com/office/powerpoint/2010/main" val="1269748970"/>
+              </p:ext>
+            </p:extLst>
+          </p:nvPr>
+        </p:nvGraphicFramePr>
+        <p:xfrm>
+          <a:off x="1967606" y="1815921"/>
+          <a:ext cx="7511245" cy="4386806"/>
+        </p:xfrm>
+        <a:graphic>
+          <a:graphicData uri="http://schemas.openxmlformats.org/drawingml/2006/diagram">
+            <dgm:relIds xmlns:dgm="http://schemas.openxmlformats.org/drawingml/2006/diagram" xmlns:r="http://schemas.openxmlformats.org/officeDocument/2006/relationships" r:dm="rId2" r:lo="rId3" r:qs="rId4" r:cs="rId5"/>
+          </a:graphicData>
+        </a:graphic>
+      </p:graphicFrame>
     </p:spTree>
     <p:extLst>
       <p:ext uri="{BB962C8B-B14F-4D97-AF65-F5344CB8AC3E}">
@@ -22534,14 +25467,227 @@
   <p:timing>
     <p:tnLst>
       <p:par>
-        <p:cTn id="1" dur="indefinite" restart="never" nodeType="tmRoot"/>
+        <p:cTn id="1" dur="indefinite" restart="never" nodeType="tmRoot">
+          <p:childTnLst>
+            <p:seq concurrent="1" nextAc="seek">
+              <p:cTn id="2" dur="indefinite" nodeType="mainSeq">
+                <p:childTnLst>
+                  <p:par>
+                    <p:cTn id="3" fill="hold">
+                      <p:stCondLst>
+                        <p:cond delay="indefinite"/>
+                      </p:stCondLst>
+                      <p:childTnLst>
+                        <p:par>
+                          <p:cTn id="4" fill="hold">
+                            <p:stCondLst>
+                              <p:cond delay="0"/>
+                            </p:stCondLst>
+                            <p:childTnLst>
+                              <p:par>
+                                <p:cTn id="5" presetID="10" presetClass="entr" presetSubtype="0" fill="hold" grpId="0" nodeType="clickEffect">
+                                  <p:stCondLst>
+                                    <p:cond delay="0"/>
+                                  </p:stCondLst>
+                                  <p:childTnLst>
+                                    <p:set>
+                                      <p:cBhvr>
+                                        <p:cTn id="6" dur="1" fill="hold">
+                                          <p:stCondLst>
+                                            <p:cond delay="0"/>
+                                          </p:stCondLst>
+                                        </p:cTn>
+                                        <p:tgtEl>
+                                          <p:spTgt spid="4">
+                                            <p:graphicEl>
+                                              <a:dgm id="{A494BB34-E253-4BD5-8314-3F6049A043D3}"/>
+                                            </p:graphicEl>
+                                          </p:spTgt>
+                                        </p:tgtEl>
+                                        <p:attrNameLst>
+                                          <p:attrName>style.visibility</p:attrName>
+                                        </p:attrNameLst>
+                                      </p:cBhvr>
+                                      <p:to>
+                                        <p:strVal val="visible"/>
+                                      </p:to>
+                                    </p:set>
+                                    <p:animEffect transition="in" filter="fade">
+                                      <p:cBhvr>
+                                        <p:cTn id="7" dur="500"/>
+                                        <p:tgtEl>
+                                          <p:spTgt spid="4">
+                                            <p:graphicEl>
+                                              <a:dgm id="{A494BB34-E253-4BD5-8314-3F6049A043D3}"/>
+                                            </p:graphicEl>
+                                          </p:spTgt>
+                                        </p:tgtEl>
+                                      </p:cBhvr>
+                                    </p:animEffect>
+                                  </p:childTnLst>
+                                </p:cTn>
+                              </p:par>
+                            </p:childTnLst>
+                          </p:cTn>
+                        </p:par>
+                      </p:childTnLst>
+                    </p:cTn>
+                  </p:par>
+                  <p:par>
+                    <p:cTn id="8" fill="hold">
+                      <p:stCondLst>
+                        <p:cond delay="indefinite"/>
+                      </p:stCondLst>
+                      <p:childTnLst>
+                        <p:par>
+                          <p:cTn id="9" fill="hold">
+                            <p:stCondLst>
+                              <p:cond delay="0"/>
+                            </p:stCondLst>
+                            <p:childTnLst>
+                              <p:par>
+                                <p:cTn id="10" presetID="10" presetClass="entr" presetSubtype="0" fill="hold" grpId="0" nodeType="clickEffect">
+                                  <p:stCondLst>
+                                    <p:cond delay="0"/>
+                                  </p:stCondLst>
+                                  <p:childTnLst>
+                                    <p:set>
+                                      <p:cBhvr>
+                                        <p:cTn id="11" dur="1" fill="hold">
+                                          <p:stCondLst>
+                                            <p:cond delay="0"/>
+                                          </p:stCondLst>
+                                        </p:cTn>
+                                        <p:tgtEl>
+                                          <p:spTgt spid="4">
+                                            <p:graphicEl>
+                                              <a:dgm id="{E01CD33E-06F7-45B3-B412-2DE69FC00279}"/>
+                                            </p:graphicEl>
+                                          </p:spTgt>
+                                        </p:tgtEl>
+                                        <p:attrNameLst>
+                                          <p:attrName>style.visibility</p:attrName>
+                                        </p:attrNameLst>
+                                      </p:cBhvr>
+                                      <p:to>
+                                        <p:strVal val="visible"/>
+                                      </p:to>
+                                    </p:set>
+                                    <p:animEffect transition="in" filter="fade">
+                                      <p:cBhvr>
+                                        <p:cTn id="12" dur="500"/>
+                                        <p:tgtEl>
+                                          <p:spTgt spid="4">
+                                            <p:graphicEl>
+                                              <a:dgm id="{E01CD33E-06F7-45B3-B412-2DE69FC00279}"/>
+                                            </p:graphicEl>
+                                          </p:spTgt>
+                                        </p:tgtEl>
+                                      </p:cBhvr>
+                                    </p:animEffect>
+                                  </p:childTnLst>
+                                </p:cTn>
+                              </p:par>
+                            </p:childTnLst>
+                          </p:cTn>
+                        </p:par>
+                      </p:childTnLst>
+                    </p:cTn>
+                  </p:par>
+                  <p:par>
+                    <p:cTn id="13" fill="hold">
+                      <p:stCondLst>
+                        <p:cond delay="indefinite"/>
+                      </p:stCondLst>
+                      <p:childTnLst>
+                        <p:par>
+                          <p:cTn id="14" fill="hold">
+                            <p:stCondLst>
+                              <p:cond delay="0"/>
+                            </p:stCondLst>
+                            <p:childTnLst>
+                              <p:par>
+                                <p:cTn id="15" presetID="10" presetClass="entr" presetSubtype="0" fill="hold" grpId="0" nodeType="clickEffect">
+                                  <p:stCondLst>
+                                    <p:cond delay="0"/>
+                                  </p:stCondLst>
+                                  <p:childTnLst>
+                                    <p:set>
+                                      <p:cBhvr>
+                                        <p:cTn id="16" dur="1" fill="hold">
+                                          <p:stCondLst>
+                                            <p:cond delay="0"/>
+                                          </p:stCondLst>
+                                        </p:cTn>
+                                        <p:tgtEl>
+                                          <p:spTgt spid="4">
+                                            <p:graphicEl>
+                                              <a:dgm id="{3D7CEC65-198C-4EE1-8E19-3AA55B81F021}"/>
+                                            </p:graphicEl>
+                                          </p:spTgt>
+                                        </p:tgtEl>
+                                        <p:attrNameLst>
+                                          <p:attrName>style.visibility</p:attrName>
+                                        </p:attrNameLst>
+                                      </p:cBhvr>
+                                      <p:to>
+                                        <p:strVal val="visible"/>
+                                      </p:to>
+                                    </p:set>
+                                    <p:animEffect transition="in" filter="fade">
+                                      <p:cBhvr>
+                                        <p:cTn id="17" dur="500"/>
+                                        <p:tgtEl>
+                                          <p:spTgt spid="4">
+                                            <p:graphicEl>
+                                              <a:dgm id="{3D7CEC65-198C-4EE1-8E19-3AA55B81F021}"/>
+                                            </p:graphicEl>
+                                          </p:spTgt>
+                                        </p:tgtEl>
+                                      </p:cBhvr>
+                                    </p:animEffect>
+                                  </p:childTnLst>
+                                </p:cTn>
+                              </p:par>
+                            </p:childTnLst>
+                          </p:cTn>
+                        </p:par>
+                      </p:childTnLst>
+                    </p:cTn>
+                  </p:par>
+                </p:childTnLst>
+              </p:cTn>
+              <p:prevCondLst>
+                <p:cond evt="onPrev" delay="0">
+                  <p:tgtEl>
+                    <p:sldTgt/>
+                  </p:tgtEl>
+                </p:cond>
+              </p:prevCondLst>
+              <p:nextCondLst>
+                <p:cond evt="onNext" delay="0">
+                  <p:tgtEl>
+                    <p:sldTgt/>
+                  </p:tgtEl>
+                </p:cond>
+              </p:nextCondLst>
+            </p:seq>
+          </p:childTnLst>
+        </p:cTn>
       </p:par>
     </p:tnLst>
+    <p:bldLst>
+      <p:bldGraphic spid="4" grpId="0">
+        <p:bldSub>
+          <a:bldDgm bld="one"/>
+        </p:bldSub>
+      </p:bldGraphic>
+    </p:bldLst>
   </p:timing>
 </p:sld>
 </file>
 
-<file path=ppt/slides/slide23.xml><?xml version="1.0" encoding="utf-8"?>
+<file path=ppt/slides/slide24.xml><?xml version="1.0" encoding="utf-8"?>
 <p:sld xmlns:a="http://schemas.openxmlformats.org/drawingml/2006/main" xmlns:r="http://schemas.openxmlformats.org/officeDocument/2006/relationships" xmlns:p="http://schemas.openxmlformats.org/presentationml/2006/main">
   <p:cSld>
     <p:spTree>
@@ -22618,7 +25764,7 @@
 </p:sld>
 </file>
 
-<file path=ppt/slides/slide24.xml><?xml version="1.0" encoding="utf-8"?>
+<file path=ppt/slides/slide25.xml><?xml version="1.0" encoding="utf-8"?>
 <p:sld xmlns:a="http://schemas.openxmlformats.org/drawingml/2006/main" xmlns:r="http://schemas.openxmlformats.org/officeDocument/2006/relationships" xmlns:p="http://schemas.openxmlformats.org/presentationml/2006/main">
   <p:cSld>
     <p:spTree>
@@ -22692,7 +25838,7 @@
 </p:sld>
 </file>
 
-<file path=ppt/slides/slide25.xml><?xml version="1.0" encoding="utf-8"?>
+<file path=ppt/slides/slide26.xml><?xml version="1.0" encoding="utf-8"?>
 <p:sld xmlns:a="http://schemas.openxmlformats.org/drawingml/2006/main" xmlns:r="http://schemas.openxmlformats.org/officeDocument/2006/relationships" xmlns:p="http://schemas.openxmlformats.org/presentationml/2006/main">
   <p:cSld>
     <p:spTree>
@@ -23101,7 +26247,7 @@
 </p:sld>
 </file>
 
-<file path=ppt/slides/slide26.xml><?xml version="1.0" encoding="utf-8"?>
+<file path=ppt/slides/slide27.xml><?xml version="1.0" encoding="utf-8"?>
 <p:sld xmlns:a="http://schemas.openxmlformats.org/drawingml/2006/main" xmlns:r="http://schemas.openxmlformats.org/officeDocument/2006/relationships" xmlns:p="http://schemas.openxmlformats.org/presentationml/2006/main">
   <p:cSld>
     <p:spTree>
@@ -23175,7 +26321,7 @@
 </p:sld>
 </file>
 
-<file path=ppt/slides/slide27.xml><?xml version="1.0" encoding="utf-8"?>
+<file path=ppt/slides/slide28.xml><?xml version="1.0" encoding="utf-8"?>
 <p:sld xmlns:a="http://schemas.openxmlformats.org/drawingml/2006/main" xmlns:r="http://schemas.openxmlformats.org/officeDocument/2006/relationships" xmlns:p="http://schemas.openxmlformats.org/presentationml/2006/main">
   <p:cSld>
     <p:spTree>
@@ -24501,7 +27647,7 @@
 </p:sld>
 </file>
 
-<file path=ppt/slides/slide28.xml><?xml version="1.0" encoding="utf-8"?>
+<file path=ppt/slides/slide29.xml><?xml version="1.0" encoding="utf-8"?>
 <p:sld xmlns:a="http://schemas.openxmlformats.org/drawingml/2006/main" xmlns:r="http://schemas.openxmlformats.org/officeDocument/2006/relationships" xmlns:p="http://schemas.openxmlformats.org/presentationml/2006/main">
   <p:cSld>
     <p:spTree>
@@ -25021,103 +28167,6 @@
             </p:seq>
           </p:childTnLst>
         </p:cTn>
-      </p:par>
-    </p:tnLst>
-  </p:timing>
-</p:sld>
-</file>
-
-<file path=ppt/slides/slide29.xml><?xml version="1.0" encoding="utf-8"?>
-<p:sld xmlns:a="http://schemas.openxmlformats.org/drawingml/2006/main" xmlns:r="http://schemas.openxmlformats.org/officeDocument/2006/relationships" xmlns:p="http://schemas.openxmlformats.org/presentationml/2006/main">
-  <p:cSld>
-    <p:spTree>
-      <p:nvGrpSpPr>
-        <p:cNvPr id="1" name=""/>
-        <p:cNvGrpSpPr/>
-        <p:nvPr/>
-      </p:nvGrpSpPr>
-      <p:grpSpPr>
-        <a:xfrm>
-          <a:off x="0" y="0"/>
-          <a:ext cx="0" cy="0"/>
-          <a:chOff x="0" y="0"/>
-          <a:chExt cx="0" cy="0"/>
-        </a:xfrm>
-      </p:grpSpPr>
-      <p:sp>
-        <p:nvSpPr>
-          <p:cNvPr id="4" name="Title 3"/>
-          <p:cNvSpPr>
-            <a:spLocks noGrp="1"/>
-          </p:cNvSpPr>
-          <p:nvPr>
-            <p:ph type="title"/>
-          </p:nvPr>
-        </p:nvSpPr>
-        <p:spPr/>
-        <p:txBody>
-          <a:bodyPr/>
-          <a:lstStyle/>
-          <a:p>
-            <a:pPr algn="ctr"/>
-            <a:r>
-              <a:rPr lang="en-GB" dirty="0" smtClean="0"/>
-              <a:t>Thank you!</a:t>
-            </a:r>
-            <a:endParaRPr lang="en-GB" dirty="0"/>
-          </a:p>
-        </p:txBody>
-      </p:sp>
-      <p:sp>
-        <p:nvSpPr>
-          <p:cNvPr id="5" name="Content Placeholder 4"/>
-          <p:cNvSpPr>
-            <a:spLocks noGrp="1"/>
-          </p:cNvSpPr>
-          <p:nvPr>
-            <p:ph idx="1"/>
-          </p:nvPr>
-        </p:nvSpPr>
-        <p:spPr/>
-        <p:txBody>
-          <a:bodyPr/>
-          <a:lstStyle/>
-          <a:p>
-            <a:endParaRPr lang="en-GB" dirty="0" smtClean="0"/>
-          </a:p>
-          <a:p>
-            <a:endParaRPr lang="en-GB" dirty="0"/>
-          </a:p>
-          <a:p>
-            <a:endParaRPr lang="en-GB" dirty="0" smtClean="0"/>
-          </a:p>
-          <a:p>
-            <a:pPr algn="ctr"/>
-            <a:r>
-              <a:rPr lang="en-GB" sz="3200" dirty="0" smtClean="0"/>
-              <a:t>Any questions?</a:t>
-            </a:r>
-            <a:endParaRPr lang="en-GB" sz="3200" dirty="0"/>
-          </a:p>
-        </p:txBody>
-      </p:sp>
-    </p:spTree>
-    <p:extLst>
-      <p:ext uri="{BB962C8B-B14F-4D97-AF65-F5344CB8AC3E}">
-        <p14:creationId xmlns:p14="http://schemas.microsoft.com/office/powerpoint/2010/main" val="4014451448"/>
-      </p:ext>
-    </p:extLst>
-  </p:cSld>
-  <p:clrMapOvr>
-    <a:masterClrMapping/>
-  </p:clrMapOvr>
-  <p:transition spd="slow">
-    <p:push/>
-  </p:transition>
-  <p:timing>
-    <p:tnLst>
-      <p:par>
-        <p:cTn id="1" dur="indefinite" restart="never" nodeType="tmRoot"/>
       </p:par>
     </p:tnLst>
   </p:timing>
@@ -27511,6 +30560,103 @@
           <a:chExt cx="0" cy="0"/>
         </a:xfrm>
       </p:grpSpPr>
+      <p:sp>
+        <p:nvSpPr>
+          <p:cNvPr id="4" name="Title 3"/>
+          <p:cNvSpPr>
+            <a:spLocks noGrp="1"/>
+          </p:cNvSpPr>
+          <p:nvPr>
+            <p:ph type="title"/>
+          </p:nvPr>
+        </p:nvSpPr>
+        <p:spPr/>
+        <p:txBody>
+          <a:bodyPr/>
+          <a:lstStyle/>
+          <a:p>
+            <a:pPr algn="ctr"/>
+            <a:r>
+              <a:rPr lang="en-GB" dirty="0" smtClean="0"/>
+              <a:t>Thank you!</a:t>
+            </a:r>
+            <a:endParaRPr lang="en-GB" dirty="0"/>
+          </a:p>
+        </p:txBody>
+      </p:sp>
+      <p:sp>
+        <p:nvSpPr>
+          <p:cNvPr id="5" name="Content Placeholder 4"/>
+          <p:cNvSpPr>
+            <a:spLocks noGrp="1"/>
+          </p:cNvSpPr>
+          <p:nvPr>
+            <p:ph idx="1"/>
+          </p:nvPr>
+        </p:nvSpPr>
+        <p:spPr/>
+        <p:txBody>
+          <a:bodyPr/>
+          <a:lstStyle/>
+          <a:p>
+            <a:endParaRPr lang="en-GB" dirty="0" smtClean="0"/>
+          </a:p>
+          <a:p>
+            <a:endParaRPr lang="en-GB" dirty="0"/>
+          </a:p>
+          <a:p>
+            <a:endParaRPr lang="en-GB" dirty="0" smtClean="0"/>
+          </a:p>
+          <a:p>
+            <a:pPr algn="ctr"/>
+            <a:r>
+              <a:rPr lang="en-GB" sz="3200" dirty="0" smtClean="0"/>
+              <a:t>Any questions?</a:t>
+            </a:r>
+            <a:endParaRPr lang="en-GB" sz="3200" dirty="0"/>
+          </a:p>
+        </p:txBody>
+      </p:sp>
+    </p:spTree>
+    <p:extLst>
+      <p:ext uri="{BB962C8B-B14F-4D97-AF65-F5344CB8AC3E}">
+        <p14:creationId xmlns:p14="http://schemas.microsoft.com/office/powerpoint/2010/main" val="4014451448"/>
+      </p:ext>
+    </p:extLst>
+  </p:cSld>
+  <p:clrMapOvr>
+    <a:masterClrMapping/>
+  </p:clrMapOvr>
+  <p:transition spd="slow">
+    <p:push/>
+  </p:transition>
+  <p:timing>
+    <p:tnLst>
+      <p:par>
+        <p:cTn id="1" dur="indefinite" restart="never" nodeType="tmRoot"/>
+      </p:par>
+    </p:tnLst>
+  </p:timing>
+</p:sld>
+</file>
+
+<file path=ppt/slides/slide31.xml><?xml version="1.0" encoding="utf-8"?>
+<p:sld xmlns:a="http://schemas.openxmlformats.org/drawingml/2006/main" xmlns:r="http://schemas.openxmlformats.org/officeDocument/2006/relationships" xmlns:p="http://schemas.openxmlformats.org/presentationml/2006/main">
+  <p:cSld>
+    <p:spTree>
+      <p:nvGrpSpPr>
+        <p:cNvPr id="1" name=""/>
+        <p:cNvGrpSpPr/>
+        <p:nvPr/>
+      </p:nvGrpSpPr>
+      <p:grpSpPr>
+        <a:xfrm>
+          <a:off x="0" y="0"/>
+          <a:ext cx="0" cy="0"/>
+          <a:chOff x="0" y="0"/>
+          <a:chExt cx="0" cy="0"/>
+        </a:xfrm>
+      </p:grpSpPr>
       <p:pic>
         <p:nvPicPr>
           <p:cNvPr id="1027" name="Picture 3" descr="F:\Kanoshi\Documents\Git\Roomies\resources\presentation1\Roomies-Poster-Daniel-7.png"/>
@@ -28511,6 +31657,73 @@
           <a:chExt cx="0" cy="0"/>
         </a:xfrm>
       </p:grpSpPr>
+      <p:pic>
+        <p:nvPicPr>
+          <p:cNvPr id="6" name="Picture 5"/>
+          <p:cNvPicPr>
+            <a:picLocks noChangeAspect="1"/>
+          </p:cNvPicPr>
+          <p:nvPr/>
+        </p:nvPicPr>
+        <p:blipFill>
+          <a:blip r:embed="rId2">
+            <a:extLst>
+              <a:ext uri="{28A0092B-C50C-407E-A947-70E740481C1C}">
+                <a14:useLocalDpi xmlns:a14="http://schemas.microsoft.com/office/drawing/2010/main" val="0"/>
+              </a:ext>
+            </a:extLst>
+          </a:blip>
+          <a:stretch>
+            <a:fillRect/>
+          </a:stretch>
+        </p:blipFill>
+        <p:spPr>
+          <a:xfrm>
+            <a:off x="1046922" y="331304"/>
+            <a:ext cx="10058400" cy="5657850"/>
+          </a:xfrm>
+          <a:prstGeom prst="rect">
+            <a:avLst/>
+          </a:prstGeom>
+        </p:spPr>
+      </p:pic>
+    </p:spTree>
+    <p:extLst>
+      <p:ext uri="{BB962C8B-B14F-4D97-AF65-F5344CB8AC3E}">
+        <p14:creationId xmlns:p14="http://schemas.microsoft.com/office/powerpoint/2010/main" val="3860655603"/>
+      </p:ext>
+    </p:extLst>
+  </p:cSld>
+  <p:clrMapOvr>
+    <a:masterClrMapping/>
+  </p:clrMapOvr>
+  <p:timing>
+    <p:tnLst>
+      <p:par>
+        <p:cTn id="1" dur="indefinite" restart="never" nodeType="tmRoot"/>
+      </p:par>
+    </p:tnLst>
+  </p:timing>
+</p:sld>
+</file>
+
+<file path=ppt/slides/slide8.xml><?xml version="1.0" encoding="utf-8"?>
+<p:sld xmlns:a="http://schemas.openxmlformats.org/drawingml/2006/main" xmlns:r="http://schemas.openxmlformats.org/officeDocument/2006/relationships" xmlns:p="http://schemas.openxmlformats.org/presentationml/2006/main">
+  <p:cSld>
+    <p:spTree>
+      <p:nvGrpSpPr>
+        <p:cNvPr id="1" name=""/>
+        <p:cNvGrpSpPr/>
+        <p:nvPr/>
+      </p:nvGrpSpPr>
+      <p:grpSpPr>
+        <a:xfrm>
+          <a:off x="0" y="0"/>
+          <a:ext cx="0" cy="0"/>
+          <a:chOff x="0" y="0"/>
+          <a:chExt cx="0" cy="0"/>
+        </a:xfrm>
+      </p:grpSpPr>
       <p:sp>
         <p:nvSpPr>
           <p:cNvPr id="2" name="Title 1"/>
@@ -28736,6 +31949,36 @@
           </a:p>
         </p:txBody>
       </p:sp>
+      <p:pic>
+        <p:nvPicPr>
+          <p:cNvPr id="3" name="Picture 2"/>
+          <p:cNvPicPr>
+            <a:picLocks noChangeAspect="1"/>
+          </p:cNvPicPr>
+          <p:nvPr/>
+        </p:nvPicPr>
+        <p:blipFill>
+          <a:blip r:embed="rId2">
+            <a:extLst>
+              <a:ext uri="{28A0092B-C50C-407E-A947-70E740481C1C}">
+                <a14:useLocalDpi xmlns:a14="http://schemas.microsoft.com/office/drawing/2010/main" val="0"/>
+              </a:ext>
+            </a:extLst>
+          </a:blip>
+          <a:stretch>
+            <a:fillRect/>
+          </a:stretch>
+        </p:blipFill>
+        <p:spPr>
+          <a:xfrm>
+            <a:off x="3862075" y="0"/>
+            <a:ext cx="5652986" cy="6364129"/>
+          </a:xfrm>
+          <a:prstGeom prst="rect">
+            <a:avLst/>
+          </a:prstGeom>
+        </p:spPr>
+      </p:pic>
     </p:spTree>
     <p:extLst>
       <p:ext uri="{BB962C8B-B14F-4D97-AF65-F5344CB8AC3E}">
@@ -29057,6 +32300,97 @@
                       </p:childTnLst>
                     </p:cTn>
                   </p:par>
+                  <p:par>
+                    <p:cTn id="20" fill="hold">
+                      <p:stCondLst>
+                        <p:cond delay="indefinite"/>
+                      </p:stCondLst>
+                      <p:childTnLst>
+                        <p:par>
+                          <p:cTn id="21" fill="hold">
+                            <p:stCondLst>
+                              <p:cond delay="0"/>
+                            </p:stCondLst>
+                            <p:childTnLst>
+                              <p:par>
+                                <p:cTn id="22" presetID="2" presetClass="entr" presetSubtype="4" fill="hold" nodeType="clickEffect">
+                                  <p:stCondLst>
+                                    <p:cond delay="0"/>
+                                  </p:stCondLst>
+                                  <p:childTnLst>
+                                    <p:set>
+                                      <p:cBhvr>
+                                        <p:cTn id="23" dur="1" fill="hold">
+                                          <p:stCondLst>
+                                            <p:cond delay="0"/>
+                                          </p:stCondLst>
+                                        </p:cTn>
+                                        <p:tgtEl>
+                                          <p:spTgt spid="3"/>
+                                        </p:tgtEl>
+                                        <p:attrNameLst>
+                                          <p:attrName>style.visibility</p:attrName>
+                                        </p:attrNameLst>
+                                      </p:cBhvr>
+                                      <p:to>
+                                        <p:strVal val="visible"/>
+                                      </p:to>
+                                    </p:set>
+                                    <p:anim calcmode="lin" valueType="num">
+                                      <p:cBhvr additive="base">
+                                        <p:cTn id="24" dur="500" fill="hold"/>
+                                        <p:tgtEl>
+                                          <p:spTgt spid="3"/>
+                                        </p:tgtEl>
+                                        <p:attrNameLst>
+                                          <p:attrName>ppt_x</p:attrName>
+                                        </p:attrNameLst>
+                                      </p:cBhvr>
+                                      <p:tavLst>
+                                        <p:tav tm="0">
+                                          <p:val>
+                                            <p:strVal val="#ppt_x"/>
+                                          </p:val>
+                                        </p:tav>
+                                        <p:tav tm="100000">
+                                          <p:val>
+                                            <p:strVal val="#ppt_x"/>
+                                          </p:val>
+                                        </p:tav>
+                                      </p:tavLst>
+                                    </p:anim>
+                                    <p:anim calcmode="lin" valueType="num">
+                                      <p:cBhvr additive="base">
+                                        <p:cTn id="25" dur="500" fill="hold"/>
+                                        <p:tgtEl>
+                                          <p:spTgt spid="3"/>
+                                        </p:tgtEl>
+                                        <p:attrNameLst>
+                                          <p:attrName>ppt_y</p:attrName>
+                                        </p:attrNameLst>
+                                      </p:cBhvr>
+                                      <p:tavLst>
+                                        <p:tav tm="0">
+                                          <p:val>
+                                            <p:strVal val="1+#ppt_h/2"/>
+                                          </p:val>
+                                        </p:tav>
+                                        <p:tav tm="100000">
+                                          <p:val>
+                                            <p:strVal val="#ppt_y"/>
+                                          </p:val>
+                                        </p:tav>
+                                      </p:tavLst>
+                                    </p:anim>
+                                  </p:childTnLst>
+                                </p:cTn>
+                              </p:par>
+                            </p:childTnLst>
+                          </p:cTn>
+                        </p:par>
+                      </p:childTnLst>
+                    </p:cTn>
+                  </p:par>
                 </p:childTnLst>
               </p:cTn>
               <p:prevCondLst>
@@ -29082,7 +32416,7 @@
 </p:sld>
 </file>
 
-<file path=ppt/slides/slide8.xml><?xml version="1.0" encoding="utf-8"?>
+<file path=ppt/slides/slide9.xml><?xml version="1.0" encoding="utf-8"?>
 <p:sld xmlns:a="http://schemas.openxmlformats.org/drawingml/2006/main" xmlns:r="http://schemas.openxmlformats.org/officeDocument/2006/relationships" xmlns:p="http://schemas.openxmlformats.org/presentationml/2006/main">
   <p:cSld>
     <p:spTree>
@@ -29889,398 +33223,6 @@
       <p:bldGraphic spid="6" grpId="0">
         <p:bldSub>
           <a:bldDgm bld="one"/>
-        </p:bldSub>
-      </p:bldGraphic>
-    </p:bldLst>
-  </p:timing>
-</p:sld>
-</file>
-
-<file path=ppt/slides/slide9.xml><?xml version="1.0" encoding="utf-8"?>
-<p:sld xmlns:a="http://schemas.openxmlformats.org/drawingml/2006/main" xmlns:r="http://schemas.openxmlformats.org/officeDocument/2006/relationships" xmlns:p="http://schemas.openxmlformats.org/presentationml/2006/main">
-  <p:cSld>
-    <p:spTree>
-      <p:nvGrpSpPr>
-        <p:cNvPr id="1" name=""/>
-        <p:cNvGrpSpPr/>
-        <p:nvPr/>
-      </p:nvGrpSpPr>
-      <p:grpSpPr>
-        <a:xfrm>
-          <a:off x="0" y="0"/>
-          <a:ext cx="0" cy="0"/>
-          <a:chOff x="0" y="0"/>
-          <a:chExt cx="0" cy="0"/>
-        </a:xfrm>
-      </p:grpSpPr>
-      <p:sp>
-        <p:nvSpPr>
-          <p:cNvPr id="2" name="Title 1"/>
-          <p:cNvSpPr>
-            <a:spLocks noGrp="1"/>
-          </p:cNvSpPr>
-          <p:nvPr>
-            <p:ph type="title" idx="4294967295"/>
-          </p:nvPr>
-        </p:nvSpPr>
-        <p:spPr>
-          <a:xfrm>
-            <a:off x="0" y="-269875"/>
-            <a:ext cx="12192000" cy="1450975"/>
-          </a:xfrm>
-        </p:spPr>
-        <p:txBody>
-          <a:bodyPr/>
-          <a:lstStyle/>
-          <a:p>
-            <a:pPr algn="ctr"/>
-            <a:r>
-              <a:rPr lang="en-IN" dirty="0" smtClean="0">
-                <a:latin typeface="Open Sans" pitchFamily="34" charset="0"/>
-                <a:ea typeface="Open Sans" pitchFamily="34" charset="0"/>
-                <a:cs typeface="Open Sans" pitchFamily="34" charset="0"/>
-              </a:rPr>
-              <a:t>Techniques: </a:t>
-            </a:r>
-            <a:r>
-              <a:rPr lang="en-IN" dirty="0" smtClean="0">
-                <a:solidFill>
-                  <a:schemeClr val="bg1">
-                    <a:lumMod val="65000"/>
-                  </a:schemeClr>
-                </a:solidFill>
-                <a:latin typeface="Open Sans" pitchFamily="34" charset="0"/>
-                <a:ea typeface="Open Sans" pitchFamily="34" charset="0"/>
-                <a:cs typeface="Open Sans" pitchFamily="34" charset="0"/>
-              </a:rPr>
-              <a:t>MySQL</a:t>
-            </a:r>
-            <a:endParaRPr lang="en-IN" dirty="0">
-              <a:solidFill>
-                <a:schemeClr val="bg1">
-                  <a:lumMod val="65000"/>
-                </a:schemeClr>
-              </a:solidFill>
-              <a:latin typeface="Open Sans" pitchFamily="34" charset="0"/>
-              <a:ea typeface="Open Sans" pitchFamily="34" charset="0"/>
-              <a:cs typeface="Open Sans" pitchFamily="34" charset="0"/>
-            </a:endParaRPr>
-          </a:p>
-        </p:txBody>
-      </p:sp>
-      <p:graphicFrame>
-        <p:nvGraphicFramePr>
-          <p:cNvPr id="7" name="Diagram 6"/>
-          <p:cNvGraphicFramePr/>
-          <p:nvPr>
-            <p:extLst>
-              <p:ext uri="{D42A27DB-BD31-4B8C-83A1-F6EECF244321}">
-                <p14:modId xmlns:p14="http://schemas.microsoft.com/office/powerpoint/2010/main" val="72933400"/>
-              </p:ext>
-            </p:extLst>
-          </p:nvPr>
-        </p:nvGraphicFramePr>
-        <p:xfrm>
-          <a:off x="2482574" y="1497495"/>
-          <a:ext cx="7310783" cy="4492487"/>
-        </p:xfrm>
-        <a:graphic>
-          <a:graphicData uri="http://schemas.openxmlformats.org/drawingml/2006/diagram">
-            <dgm:relIds xmlns:dgm="http://schemas.openxmlformats.org/drawingml/2006/diagram" xmlns:r="http://schemas.openxmlformats.org/officeDocument/2006/relationships" r:dm="rId2" r:lo="rId3" r:qs="rId4" r:cs="rId5"/>
-          </a:graphicData>
-        </a:graphic>
-      </p:graphicFrame>
-    </p:spTree>
-    <p:extLst>
-      <p:ext uri="{BB962C8B-B14F-4D97-AF65-F5344CB8AC3E}">
-        <p14:creationId xmlns:p14="http://schemas.microsoft.com/office/powerpoint/2010/main" val="2019775461"/>
-      </p:ext>
-    </p:extLst>
-  </p:cSld>
-  <p:clrMapOvr>
-    <a:masterClrMapping/>
-  </p:clrMapOvr>
-  <p:transition spd="slow">
-    <p:push dir="u"/>
-  </p:transition>
-  <p:timing>
-    <p:tnLst>
-      <p:par>
-        <p:cTn id="1" dur="indefinite" restart="never" nodeType="tmRoot">
-          <p:childTnLst>
-            <p:seq concurrent="1" nextAc="seek">
-              <p:cTn id="2" dur="indefinite" nodeType="mainSeq">
-                <p:childTnLst>
-                  <p:par>
-                    <p:cTn id="3" fill="hold">
-                      <p:stCondLst>
-                        <p:cond delay="indefinite"/>
-                      </p:stCondLst>
-                      <p:childTnLst>
-                        <p:par>
-                          <p:cTn id="4" fill="hold">
-                            <p:stCondLst>
-                              <p:cond delay="0"/>
-                            </p:stCondLst>
-                            <p:childTnLst>
-                              <p:par>
-                                <p:cTn id="5" presetID="1" presetClass="entr" presetSubtype="0" fill="hold" grpId="0" nodeType="clickEffect">
-                                  <p:stCondLst>
-                                    <p:cond delay="0"/>
-                                  </p:stCondLst>
-                                  <p:childTnLst>
-                                    <p:set>
-                                      <p:cBhvr>
-                                        <p:cTn id="6" dur="1" fill="hold">
-                                          <p:stCondLst>
-                                            <p:cond delay="0"/>
-                                          </p:stCondLst>
-                                        </p:cTn>
-                                        <p:tgtEl>
-                                          <p:spTgt spid="7">
-                                            <p:graphicEl>
-                                              <a:dgm id="{5077CBFA-167B-44B9-AFB9-8F326FD92C97}"/>
-                                            </p:graphicEl>
-                                          </p:spTgt>
-                                        </p:tgtEl>
-                                        <p:attrNameLst>
-                                          <p:attrName>style.visibility</p:attrName>
-                                        </p:attrNameLst>
-                                      </p:cBhvr>
-                                      <p:to>
-                                        <p:strVal val="visible"/>
-                                      </p:to>
-                                    </p:set>
-                                  </p:childTnLst>
-                                </p:cTn>
-                              </p:par>
-                            </p:childTnLst>
-                          </p:cTn>
-                        </p:par>
-                      </p:childTnLst>
-                    </p:cTn>
-                  </p:par>
-                  <p:par>
-                    <p:cTn id="7" fill="hold">
-                      <p:stCondLst>
-                        <p:cond delay="indefinite"/>
-                      </p:stCondLst>
-                      <p:childTnLst>
-                        <p:par>
-                          <p:cTn id="8" fill="hold">
-                            <p:stCondLst>
-                              <p:cond delay="0"/>
-                            </p:stCondLst>
-                            <p:childTnLst>
-                              <p:par>
-                                <p:cTn id="9" presetID="1" presetClass="entr" presetSubtype="0" fill="hold" grpId="0" nodeType="clickEffect">
-                                  <p:stCondLst>
-                                    <p:cond delay="0"/>
-                                  </p:stCondLst>
-                                  <p:childTnLst>
-                                    <p:set>
-                                      <p:cBhvr>
-                                        <p:cTn id="10" dur="1" fill="hold">
-                                          <p:stCondLst>
-                                            <p:cond delay="0"/>
-                                          </p:stCondLst>
-                                        </p:cTn>
-                                        <p:tgtEl>
-                                          <p:spTgt spid="7">
-                                            <p:graphicEl>
-                                              <a:dgm id="{65228C78-EA2E-4251-B727-6E7AF5669052}"/>
-                                            </p:graphicEl>
-                                          </p:spTgt>
-                                        </p:tgtEl>
-                                        <p:attrNameLst>
-                                          <p:attrName>style.visibility</p:attrName>
-                                        </p:attrNameLst>
-                                      </p:cBhvr>
-                                      <p:to>
-                                        <p:strVal val="visible"/>
-                                      </p:to>
-                                    </p:set>
-                                  </p:childTnLst>
-                                </p:cTn>
-                              </p:par>
-                            </p:childTnLst>
-                          </p:cTn>
-                        </p:par>
-                      </p:childTnLst>
-                    </p:cTn>
-                  </p:par>
-                  <p:par>
-                    <p:cTn id="11" fill="hold">
-                      <p:stCondLst>
-                        <p:cond delay="indefinite"/>
-                      </p:stCondLst>
-                      <p:childTnLst>
-                        <p:par>
-                          <p:cTn id="12" fill="hold">
-                            <p:stCondLst>
-                              <p:cond delay="0"/>
-                            </p:stCondLst>
-                            <p:childTnLst>
-                              <p:par>
-                                <p:cTn id="13" presetID="1" presetClass="entr" presetSubtype="0" fill="hold" grpId="0" nodeType="clickEffect">
-                                  <p:stCondLst>
-                                    <p:cond delay="0"/>
-                                  </p:stCondLst>
-                                  <p:childTnLst>
-                                    <p:set>
-                                      <p:cBhvr>
-                                        <p:cTn id="14" dur="1" fill="hold">
-                                          <p:stCondLst>
-                                            <p:cond delay="0"/>
-                                          </p:stCondLst>
-                                        </p:cTn>
-                                        <p:tgtEl>
-                                          <p:spTgt spid="7">
-                                            <p:graphicEl>
-                                              <a:dgm id="{73A82232-9D14-4B08-BB63-817F8BE45117}"/>
-                                            </p:graphicEl>
-                                          </p:spTgt>
-                                        </p:tgtEl>
-                                        <p:attrNameLst>
-                                          <p:attrName>style.visibility</p:attrName>
-                                        </p:attrNameLst>
-                                      </p:cBhvr>
-                                      <p:to>
-                                        <p:strVal val="visible"/>
-                                      </p:to>
-                                    </p:set>
-                                  </p:childTnLst>
-                                </p:cTn>
-                              </p:par>
-                            </p:childTnLst>
-                          </p:cTn>
-                        </p:par>
-                      </p:childTnLst>
-                    </p:cTn>
-                  </p:par>
-                  <p:par>
-                    <p:cTn id="15" fill="hold">
-                      <p:stCondLst>
-                        <p:cond delay="indefinite"/>
-                      </p:stCondLst>
-                      <p:childTnLst>
-                        <p:par>
-                          <p:cTn id="16" fill="hold">
-                            <p:stCondLst>
-                              <p:cond delay="0"/>
-                            </p:stCondLst>
-                            <p:childTnLst>
-                              <p:par>
-                                <p:cTn id="17" presetID="1" presetClass="entr" presetSubtype="0" fill="hold" grpId="0" nodeType="clickEffect">
-                                  <p:stCondLst>
-                                    <p:cond delay="0"/>
-                                  </p:stCondLst>
-                                  <p:childTnLst>
-                                    <p:set>
-                                      <p:cBhvr>
-                                        <p:cTn id="18" dur="1" fill="hold">
-                                          <p:stCondLst>
-                                            <p:cond delay="0"/>
-                                          </p:stCondLst>
-                                        </p:cTn>
-                                        <p:tgtEl>
-                                          <p:spTgt spid="7">
-                                            <p:graphicEl>
-                                              <a:dgm id="{C07CDEF2-4961-4A63-9027-A5DC54E1EF3F}"/>
-                                            </p:graphicEl>
-                                          </p:spTgt>
-                                        </p:tgtEl>
-                                        <p:attrNameLst>
-                                          <p:attrName>style.visibility</p:attrName>
-                                        </p:attrNameLst>
-                                      </p:cBhvr>
-                                      <p:to>
-                                        <p:strVal val="visible"/>
-                                      </p:to>
-                                    </p:set>
-                                  </p:childTnLst>
-                                </p:cTn>
-                              </p:par>
-                            </p:childTnLst>
-                          </p:cTn>
-                        </p:par>
-                      </p:childTnLst>
-                    </p:cTn>
-                  </p:par>
-                  <p:par>
-                    <p:cTn id="19" fill="hold">
-                      <p:stCondLst>
-                        <p:cond delay="indefinite"/>
-                      </p:stCondLst>
-                      <p:childTnLst>
-                        <p:par>
-                          <p:cTn id="20" fill="hold">
-                            <p:stCondLst>
-                              <p:cond delay="0"/>
-                            </p:stCondLst>
-                            <p:childTnLst>
-                              <p:par>
-                                <p:cTn id="21" presetID="1" presetClass="entr" presetSubtype="0" fill="hold" grpId="0" nodeType="clickEffect">
-                                  <p:stCondLst>
-                                    <p:cond delay="0"/>
-                                  </p:stCondLst>
-                                  <p:childTnLst>
-                                    <p:set>
-                                      <p:cBhvr>
-                                        <p:cTn id="22" dur="1" fill="hold">
-                                          <p:stCondLst>
-                                            <p:cond delay="0"/>
-                                          </p:stCondLst>
-                                        </p:cTn>
-                                        <p:tgtEl>
-                                          <p:spTgt spid="7">
-                                            <p:graphicEl>
-                                              <a:dgm id="{DDC58FFB-A206-40C4-9EB7-7D5311134EB2}"/>
-                                            </p:graphicEl>
-                                          </p:spTgt>
-                                        </p:tgtEl>
-                                        <p:attrNameLst>
-                                          <p:attrName>style.visibility</p:attrName>
-                                        </p:attrNameLst>
-                                      </p:cBhvr>
-                                      <p:to>
-                                        <p:strVal val="visible"/>
-                                      </p:to>
-                                    </p:set>
-                                  </p:childTnLst>
-                                </p:cTn>
-                              </p:par>
-                            </p:childTnLst>
-                          </p:cTn>
-                        </p:par>
-                      </p:childTnLst>
-                    </p:cTn>
-                  </p:par>
-                </p:childTnLst>
-              </p:cTn>
-              <p:prevCondLst>
-                <p:cond evt="onPrev" delay="0">
-                  <p:tgtEl>
-                    <p:sldTgt/>
-                  </p:tgtEl>
-                </p:cond>
-              </p:prevCondLst>
-              <p:nextCondLst>
-                <p:cond evt="onNext" delay="0">
-                  <p:tgtEl>
-                    <p:sldTgt/>
-                  </p:tgtEl>
-                </p:cond>
-              </p:nextCondLst>
-            </p:seq>
-          </p:childTnLst>
-        </p:cTn>
-      </p:par>
-    </p:tnLst>
-    <p:bldLst>
-      <p:bldGraphic spid="7" grpId="0" uiExpand="1">
-        <p:bldSub>
-          <a:bldDgm bld="lvlOne"/>
         </p:bldSub>
       </p:bldGraphic>
     </p:bldLst>
